--- a/raw-data/RSV Data Summary.pptx
+++ b/raw-data/RSV Data Summary.pptx
@@ -13,6 +13,9 @@
     <p:sldId id="260" r:id="rId7"/>
     <p:sldId id="261" r:id="rId8"/>
     <p:sldId id="262" r:id="rId9"/>
+    <p:sldId id="264" r:id="rId10"/>
+    <p:sldId id="265" r:id="rId11"/>
+    <p:sldId id="266" r:id="rId12"/>
   </p:sldIdLst>
   <p:sldSz cx="9144000" cy="6858000" type="screen4x3"/>
   <p:notesSz cx="6858000" cy="9144000"/>
@@ -111,6 +114,11 @@
       </a:defRPr>
     </a:lvl9pPr>
   </p:defaultTextStyle>
+  <p:extLst>
+    <p:ext uri="{EFAFB233-063F-42B5-8137-9DF3F51BA10A}">
+      <p15:sldGuideLst xmlns:p15="http://schemas.microsoft.com/office/powerpoint/2012/main"/>
+    </p:ext>
+  </p:extLst>
 </p:presentation>
 </file>
 
@@ -3073,6 +3081,488 @@
 </p:sld>
 </file>
 
+<file path=ppt/slides/slide10.xml><?xml version="1.0" encoding="utf-8"?>
+<p:sld xmlns:a="http://schemas.openxmlformats.org/drawingml/2006/main" xmlns:r="http://schemas.openxmlformats.org/officeDocument/2006/relationships" xmlns:p="http://schemas.openxmlformats.org/presentationml/2006/main">
+  <p:cSld>
+    <p:spTree>
+      <p:nvGrpSpPr>
+        <p:cNvPr id="1" name="">
+          <a:extLst>
+            <a:ext uri="{FF2B5EF4-FFF2-40B4-BE49-F238E27FC236}">
+              <a16:creationId xmlns:a16="http://schemas.microsoft.com/office/drawing/2014/main" id="{422482D6-2E46-9EBE-571C-266B9B958A4C}"/>
+            </a:ext>
+          </a:extLst>
+        </p:cNvPr>
+        <p:cNvGrpSpPr/>
+        <p:nvPr/>
+      </p:nvGrpSpPr>
+      <p:grpSpPr>
+        <a:xfrm>
+          <a:off x="0" y="0"/>
+          <a:ext cx="0" cy="0"/>
+          <a:chOff x="0" y="0"/>
+          <a:chExt cx="0" cy="0"/>
+        </a:xfrm>
+      </p:grpSpPr>
+      <p:sp>
+        <p:nvSpPr>
+          <p:cNvPr id="2" name="Title 1">
+            <a:extLst>
+              <a:ext uri="{FF2B5EF4-FFF2-40B4-BE49-F238E27FC236}">
+                <a16:creationId xmlns:a16="http://schemas.microsoft.com/office/drawing/2014/main" id="{D86D1518-1E95-753F-E18D-8F710C37B487}"/>
+              </a:ext>
+            </a:extLst>
+          </p:cNvPr>
+          <p:cNvSpPr>
+            <a:spLocks noGrp="1"/>
+          </p:cNvSpPr>
+          <p:nvPr>
+            <p:ph type="title"/>
+          </p:nvPr>
+        </p:nvSpPr>
+        <p:spPr/>
+        <p:txBody>
+          <a:bodyPr/>
+          <a:lstStyle/>
+          <a:p>
+            <a:r>
+              <a:rPr lang="en-US" dirty="0"/>
+              <a:t>Human Challenge Studies</a:t>
+            </a:r>
+          </a:p>
+        </p:txBody>
+      </p:sp>
+      <p:sp>
+        <p:nvSpPr>
+          <p:cNvPr id="3" name="Content Placeholder 2">
+            <a:extLst>
+              <a:ext uri="{FF2B5EF4-FFF2-40B4-BE49-F238E27FC236}">
+                <a16:creationId xmlns:a16="http://schemas.microsoft.com/office/drawing/2014/main" id="{7704AE16-8CC5-0F89-F87F-6B271A1F5A39}"/>
+              </a:ext>
+            </a:extLst>
+          </p:cNvPr>
+          <p:cNvSpPr>
+            <a:spLocks noGrp="1"/>
+          </p:cNvSpPr>
+          <p:nvPr>
+            <p:ph idx="1"/>
+          </p:nvPr>
+        </p:nvSpPr>
+        <p:spPr>
+          <a:xfrm>
+            <a:off x="628649" y="1341783"/>
+            <a:ext cx="8410247" cy="4835180"/>
+          </a:xfrm>
+        </p:spPr>
+        <p:txBody>
+          <a:bodyPr/>
+          <a:lstStyle/>
+          <a:p>
+            <a:r>
+              <a:rPr lang="en-US" dirty="0"/>
+              <a:t>Antibodies increase after infection, but decrease quickly (contradicting the idea that they don’t decay)</a:t>
+            </a:r>
+          </a:p>
+          <a:p>
+            <a:endParaRPr lang="en-US" dirty="0"/>
+          </a:p>
+          <a:p>
+            <a:pPr marL="0" indent="0">
+              <a:buNone/>
+            </a:pPr>
+            <a:endParaRPr lang="en-US" dirty="0"/>
+          </a:p>
+        </p:txBody>
+      </p:sp>
+      <p:pic>
+        <p:nvPicPr>
+          <p:cNvPr id="4" name="Picture 3">
+            <a:extLst>
+              <a:ext uri="{FF2B5EF4-FFF2-40B4-BE49-F238E27FC236}">
+                <a16:creationId xmlns:a16="http://schemas.microsoft.com/office/drawing/2014/main" id="{13517ED3-C1DF-72E7-767A-C250DFB4B433}"/>
+              </a:ext>
+            </a:extLst>
+          </p:cNvPr>
+          <p:cNvPicPr>
+            <a:picLocks noChangeAspect="1"/>
+          </p:cNvPicPr>
+          <p:nvPr/>
+        </p:nvPicPr>
+        <p:blipFill>
+          <a:blip r:embed="rId2"/>
+          <a:srcRect/>
+          <a:stretch/>
+        </p:blipFill>
+        <p:spPr>
+          <a:xfrm>
+            <a:off x="1332374" y="2197496"/>
+            <a:ext cx="2998660" cy="4295378"/>
+          </a:xfrm>
+          <a:prstGeom prst="rect">
+            <a:avLst/>
+          </a:prstGeom>
+        </p:spPr>
+      </p:pic>
+      <p:sp>
+        <p:nvSpPr>
+          <p:cNvPr id="5" name="TextBox 4">
+            <a:extLst>
+              <a:ext uri="{FF2B5EF4-FFF2-40B4-BE49-F238E27FC236}">
+                <a16:creationId xmlns:a16="http://schemas.microsoft.com/office/drawing/2014/main" id="{274A086C-1AE2-32FA-00A7-818FBCF97047}"/>
+              </a:ext>
+            </a:extLst>
+          </p:cNvPr>
+          <p:cNvSpPr txBox="1"/>
+          <p:nvPr/>
+        </p:nvSpPr>
+        <p:spPr>
+          <a:xfrm>
+            <a:off x="1196597" y="6338985"/>
+            <a:ext cx="3979968" cy="307777"/>
+          </a:xfrm>
+          <a:prstGeom prst="rect">
+            <a:avLst/>
+          </a:prstGeom>
+          <a:noFill/>
+        </p:spPr>
+        <p:txBody>
+          <a:bodyPr wrap="square" rtlCol="0">
+            <a:spAutoFit/>
+          </a:bodyPr>
+          <a:lstStyle/>
+          <a:p>
+            <a:r>
+              <a:rPr lang="en-AU" sz="1350" dirty="0"/>
+              <a:t>Figure 2</a:t>
+            </a:r>
+            <a:endParaRPr lang="en-US" sz="1350" dirty="0"/>
+          </a:p>
+        </p:txBody>
+      </p:sp>
+      <p:sp>
+        <p:nvSpPr>
+          <p:cNvPr id="6" name="TextBox 5">
+            <a:extLst>
+              <a:ext uri="{FF2B5EF4-FFF2-40B4-BE49-F238E27FC236}">
+                <a16:creationId xmlns:a16="http://schemas.microsoft.com/office/drawing/2014/main" id="{BA3032D8-C79F-1B89-45EC-DB809F0323A1}"/>
+              </a:ext>
+            </a:extLst>
+          </p:cNvPr>
+          <p:cNvSpPr txBox="1"/>
+          <p:nvPr/>
+        </p:nvSpPr>
+        <p:spPr>
+          <a:xfrm>
+            <a:off x="5664033" y="3506792"/>
+            <a:ext cx="2577662" cy="1815882"/>
+          </a:xfrm>
+          <a:prstGeom prst="rect">
+            <a:avLst/>
+          </a:prstGeom>
+          <a:noFill/>
+        </p:spPr>
+        <p:txBody>
+          <a:bodyPr wrap="square" rtlCol="0">
+            <a:spAutoFit/>
+          </a:bodyPr>
+          <a:lstStyle/>
+          <a:p>
+            <a:pPr algn="l"/>
+            <a:r>
+              <a:rPr lang="en-AU" sz="1400" dirty="0"/>
+              <a:t>Impaired Antibody-mediated Protection and Defective IgA B-Cell Memory in Experimental Infection of Adults with Respiratory Syncytial Virus</a:t>
+            </a:r>
+          </a:p>
+          <a:p>
+            <a:pPr algn="l"/>
+            <a:r>
+              <a:rPr lang="en-AU" sz="1400" dirty="0">
+                <a:hlinkClick r:id="rId3"/>
+              </a:rPr>
+              <a:t>https://</a:t>
+            </a:r>
+            <a:r>
+              <a:rPr lang="en-AU" sz="1400" dirty="0" err="1">
+                <a:hlinkClick r:id="rId3"/>
+              </a:rPr>
+              <a:t>www.atsjournals.org</a:t>
+            </a:r>
+            <a:r>
+              <a:rPr lang="en-AU" sz="1400" dirty="0">
+                <a:hlinkClick r:id="rId3"/>
+              </a:rPr>
+              <a:t>/</a:t>
+            </a:r>
+            <a:r>
+              <a:rPr lang="en-AU" sz="1400" dirty="0" err="1">
+                <a:hlinkClick r:id="rId3"/>
+              </a:rPr>
+              <a:t>doi</a:t>
+            </a:r>
+            <a:r>
+              <a:rPr lang="en-AU" sz="1400" dirty="0">
+                <a:hlinkClick r:id="rId3"/>
+              </a:rPr>
+              <a:t>/10.1164/rccm.201412-2256OC</a:t>
+            </a:r>
+            <a:endParaRPr lang="en-AU" sz="1400" dirty="0"/>
+          </a:p>
+        </p:txBody>
+      </p:sp>
+    </p:spTree>
+    <p:extLst>
+      <p:ext uri="{BB962C8B-B14F-4D97-AF65-F5344CB8AC3E}">
+        <p14:creationId xmlns:p14="http://schemas.microsoft.com/office/powerpoint/2010/main" val="1403605749"/>
+      </p:ext>
+    </p:extLst>
+  </p:cSld>
+  <p:clrMapOvr>
+    <a:masterClrMapping/>
+  </p:clrMapOvr>
+</p:sld>
+</file>
+
+<file path=ppt/slides/slide11.xml><?xml version="1.0" encoding="utf-8"?>
+<p:sld xmlns:a="http://schemas.openxmlformats.org/drawingml/2006/main" xmlns:r="http://schemas.openxmlformats.org/officeDocument/2006/relationships" xmlns:p="http://schemas.openxmlformats.org/presentationml/2006/main">
+  <p:cSld>
+    <p:spTree>
+      <p:nvGrpSpPr>
+        <p:cNvPr id="1" name="">
+          <a:extLst>
+            <a:ext uri="{FF2B5EF4-FFF2-40B4-BE49-F238E27FC236}">
+              <a16:creationId xmlns:a16="http://schemas.microsoft.com/office/drawing/2014/main" id="{F666E60E-FFA8-2C2F-94D7-06CEF3622D14}"/>
+            </a:ext>
+          </a:extLst>
+        </p:cNvPr>
+        <p:cNvGrpSpPr/>
+        <p:nvPr/>
+      </p:nvGrpSpPr>
+      <p:grpSpPr>
+        <a:xfrm>
+          <a:off x="0" y="0"/>
+          <a:ext cx="0" cy="0"/>
+          <a:chOff x="0" y="0"/>
+          <a:chExt cx="0" cy="0"/>
+        </a:xfrm>
+      </p:grpSpPr>
+      <p:sp>
+        <p:nvSpPr>
+          <p:cNvPr id="2" name="Title 1">
+            <a:extLst>
+              <a:ext uri="{FF2B5EF4-FFF2-40B4-BE49-F238E27FC236}">
+                <a16:creationId xmlns:a16="http://schemas.microsoft.com/office/drawing/2014/main" id="{D583976C-78B4-95C9-06F1-7B3BB1C84FE6}"/>
+              </a:ext>
+            </a:extLst>
+          </p:cNvPr>
+          <p:cNvSpPr>
+            <a:spLocks noGrp="1"/>
+          </p:cNvSpPr>
+          <p:nvPr>
+            <p:ph type="title"/>
+          </p:nvPr>
+        </p:nvSpPr>
+        <p:spPr/>
+        <p:txBody>
+          <a:bodyPr/>
+          <a:lstStyle/>
+          <a:p>
+            <a:r>
+              <a:rPr lang="en-US" dirty="0"/>
+              <a:t>Human Challenge Studies</a:t>
+            </a:r>
+          </a:p>
+        </p:txBody>
+      </p:sp>
+      <p:sp>
+        <p:nvSpPr>
+          <p:cNvPr id="3" name="Content Placeholder 2">
+            <a:extLst>
+              <a:ext uri="{FF2B5EF4-FFF2-40B4-BE49-F238E27FC236}">
+                <a16:creationId xmlns:a16="http://schemas.microsoft.com/office/drawing/2014/main" id="{8592F9F1-11A3-3DFC-C9A8-D574DF03AFC1}"/>
+              </a:ext>
+            </a:extLst>
+          </p:cNvPr>
+          <p:cNvSpPr>
+            <a:spLocks noGrp="1"/>
+          </p:cNvSpPr>
+          <p:nvPr>
+            <p:ph idx="1"/>
+          </p:nvPr>
+        </p:nvSpPr>
+        <p:spPr>
+          <a:xfrm>
+            <a:off x="628649" y="1341783"/>
+            <a:ext cx="8410247" cy="4835180"/>
+          </a:xfrm>
+        </p:spPr>
+        <p:txBody>
+          <a:bodyPr/>
+          <a:lstStyle/>
+          <a:p>
+            <a:r>
+              <a:rPr lang="en-US" dirty="0"/>
+              <a:t>LOOK AT Hall The Journal of Infectious Diseases 1991;163:693-698</a:t>
+            </a:r>
+          </a:p>
+          <a:p>
+            <a:endParaRPr lang="en-US" dirty="0"/>
+          </a:p>
+          <a:p>
+            <a:pPr marL="0" indent="0">
+              <a:buNone/>
+            </a:pPr>
+            <a:endParaRPr lang="en-US" dirty="0"/>
+          </a:p>
+        </p:txBody>
+      </p:sp>
+      <p:pic>
+        <p:nvPicPr>
+          <p:cNvPr id="4" name="Picture 3">
+            <a:extLst>
+              <a:ext uri="{FF2B5EF4-FFF2-40B4-BE49-F238E27FC236}">
+                <a16:creationId xmlns:a16="http://schemas.microsoft.com/office/drawing/2014/main" id="{6BE632DE-4D8C-D228-91CF-E867BA4B33E4}"/>
+              </a:ext>
+            </a:extLst>
+          </p:cNvPr>
+          <p:cNvPicPr>
+            <a:picLocks noChangeAspect="1"/>
+          </p:cNvPicPr>
+          <p:nvPr/>
+        </p:nvPicPr>
+        <p:blipFill>
+          <a:blip r:embed="rId2"/>
+          <a:srcRect/>
+          <a:stretch/>
+        </p:blipFill>
+        <p:spPr>
+          <a:xfrm>
+            <a:off x="1332374" y="2197496"/>
+            <a:ext cx="2998660" cy="4295378"/>
+          </a:xfrm>
+          <a:prstGeom prst="rect">
+            <a:avLst/>
+          </a:prstGeom>
+        </p:spPr>
+      </p:pic>
+      <p:sp>
+        <p:nvSpPr>
+          <p:cNvPr id="5" name="TextBox 4">
+            <a:extLst>
+              <a:ext uri="{FF2B5EF4-FFF2-40B4-BE49-F238E27FC236}">
+                <a16:creationId xmlns:a16="http://schemas.microsoft.com/office/drawing/2014/main" id="{A7095DE0-5AC0-B0A2-8CF5-3989E71173C4}"/>
+              </a:ext>
+            </a:extLst>
+          </p:cNvPr>
+          <p:cNvSpPr txBox="1"/>
+          <p:nvPr/>
+        </p:nvSpPr>
+        <p:spPr>
+          <a:xfrm>
+            <a:off x="1196597" y="6338985"/>
+            <a:ext cx="3979968" cy="307777"/>
+          </a:xfrm>
+          <a:prstGeom prst="rect">
+            <a:avLst/>
+          </a:prstGeom>
+          <a:noFill/>
+        </p:spPr>
+        <p:txBody>
+          <a:bodyPr wrap="square" rtlCol="0">
+            <a:spAutoFit/>
+          </a:bodyPr>
+          <a:lstStyle/>
+          <a:p>
+            <a:r>
+              <a:rPr lang="en-AU" sz="1350" dirty="0"/>
+              <a:t>Figure 2</a:t>
+            </a:r>
+            <a:endParaRPr lang="en-US" sz="1350" dirty="0"/>
+          </a:p>
+        </p:txBody>
+      </p:sp>
+      <p:sp>
+        <p:nvSpPr>
+          <p:cNvPr id="6" name="TextBox 5">
+            <a:extLst>
+              <a:ext uri="{FF2B5EF4-FFF2-40B4-BE49-F238E27FC236}">
+                <a16:creationId xmlns:a16="http://schemas.microsoft.com/office/drawing/2014/main" id="{0A67FEA2-A114-4116-4D9E-CFAD665CC056}"/>
+              </a:ext>
+            </a:extLst>
+          </p:cNvPr>
+          <p:cNvSpPr txBox="1"/>
+          <p:nvPr/>
+        </p:nvSpPr>
+        <p:spPr>
+          <a:xfrm>
+            <a:off x="5664033" y="3506792"/>
+            <a:ext cx="2577662" cy="1815882"/>
+          </a:xfrm>
+          <a:prstGeom prst="rect">
+            <a:avLst/>
+          </a:prstGeom>
+          <a:noFill/>
+        </p:spPr>
+        <p:txBody>
+          <a:bodyPr wrap="square" rtlCol="0">
+            <a:spAutoFit/>
+          </a:bodyPr>
+          <a:lstStyle/>
+          <a:p>
+            <a:pPr algn="l"/>
+            <a:r>
+              <a:rPr lang="en-AU" sz="1400" dirty="0"/>
+              <a:t>Impaired Antibody-mediated Protection and Defective IgA B-Cell Memory in Experimental Infection of Adults with Respiratory Syncytial Virus</a:t>
+            </a:r>
+          </a:p>
+          <a:p>
+            <a:pPr algn="l"/>
+            <a:r>
+              <a:rPr lang="en-AU" sz="1400" dirty="0">
+                <a:hlinkClick r:id="rId3"/>
+              </a:rPr>
+              <a:t>https://</a:t>
+            </a:r>
+            <a:r>
+              <a:rPr lang="en-AU" sz="1400" dirty="0" err="1">
+                <a:hlinkClick r:id="rId3"/>
+              </a:rPr>
+              <a:t>www.atsjournals.org</a:t>
+            </a:r>
+            <a:r>
+              <a:rPr lang="en-AU" sz="1400" dirty="0">
+                <a:hlinkClick r:id="rId3"/>
+              </a:rPr>
+              <a:t>/</a:t>
+            </a:r>
+            <a:r>
+              <a:rPr lang="en-AU" sz="1400" dirty="0" err="1">
+                <a:hlinkClick r:id="rId3"/>
+              </a:rPr>
+              <a:t>doi</a:t>
+            </a:r>
+            <a:r>
+              <a:rPr lang="en-AU" sz="1400" dirty="0">
+                <a:hlinkClick r:id="rId3"/>
+              </a:rPr>
+              <a:t>/10.1164/rccm.201412-2256OC</a:t>
+            </a:r>
+            <a:endParaRPr lang="en-AU" sz="1400" dirty="0"/>
+          </a:p>
+        </p:txBody>
+      </p:sp>
+    </p:spTree>
+    <p:extLst>
+      <p:ext uri="{BB962C8B-B14F-4D97-AF65-F5344CB8AC3E}">
+        <p14:creationId xmlns:p14="http://schemas.microsoft.com/office/powerpoint/2010/main" val="4233147746"/>
+      </p:ext>
+    </p:extLst>
+  </p:cSld>
+  <p:clrMapOvr>
+    <a:masterClrMapping/>
+  </p:clrMapOvr>
+</p:sld>
+</file>
+
 <file path=ppt/slides/slide2.xml><?xml version="1.0" encoding="utf-8"?>
 <p:sld xmlns:a="http://schemas.openxmlformats.org/drawingml/2006/main" xmlns:r="http://schemas.openxmlformats.org/officeDocument/2006/relationships" xmlns:p="http://schemas.openxmlformats.org/presentationml/2006/main">
   <p:cSld>
@@ -4783,6 +5273,242 @@
     <p:extLst>
       <p:ext uri="{BB962C8B-B14F-4D97-AF65-F5344CB8AC3E}">
         <p14:creationId xmlns:p14="http://schemas.microsoft.com/office/powerpoint/2010/main" val="2933706678"/>
+      </p:ext>
+    </p:extLst>
+  </p:cSld>
+  <p:clrMapOvr>
+    <a:masterClrMapping/>
+  </p:clrMapOvr>
+</p:sld>
+</file>
+
+<file path=ppt/slides/slide9.xml><?xml version="1.0" encoding="utf-8"?>
+<p:sld xmlns:a="http://schemas.openxmlformats.org/drawingml/2006/main" xmlns:r="http://schemas.openxmlformats.org/officeDocument/2006/relationships" xmlns:p="http://schemas.openxmlformats.org/presentationml/2006/main">
+  <p:cSld>
+    <p:spTree>
+      <p:nvGrpSpPr>
+        <p:cNvPr id="1" name="">
+          <a:extLst>
+            <a:ext uri="{FF2B5EF4-FFF2-40B4-BE49-F238E27FC236}">
+              <a16:creationId xmlns:a16="http://schemas.microsoft.com/office/drawing/2014/main" id="{66971AA2-46F5-2242-5963-06EE342F0397}"/>
+            </a:ext>
+          </a:extLst>
+        </p:cNvPr>
+        <p:cNvGrpSpPr/>
+        <p:nvPr/>
+      </p:nvGrpSpPr>
+      <p:grpSpPr>
+        <a:xfrm>
+          <a:off x="0" y="0"/>
+          <a:ext cx="0" cy="0"/>
+          <a:chOff x="0" y="0"/>
+          <a:chExt cx="0" cy="0"/>
+        </a:xfrm>
+      </p:grpSpPr>
+      <p:sp>
+        <p:nvSpPr>
+          <p:cNvPr id="2" name="Title 1">
+            <a:extLst>
+              <a:ext uri="{FF2B5EF4-FFF2-40B4-BE49-F238E27FC236}">
+                <a16:creationId xmlns:a16="http://schemas.microsoft.com/office/drawing/2014/main" id="{8724B463-B3C7-F7DA-60BB-7DD2BE30C79E}"/>
+              </a:ext>
+            </a:extLst>
+          </p:cNvPr>
+          <p:cNvSpPr>
+            <a:spLocks noGrp="1"/>
+          </p:cNvSpPr>
+          <p:nvPr>
+            <p:ph type="title"/>
+          </p:nvPr>
+        </p:nvSpPr>
+        <p:spPr/>
+        <p:txBody>
+          <a:bodyPr/>
+          <a:lstStyle/>
+          <a:p>
+            <a:r>
+              <a:rPr lang="en-US" dirty="0"/>
+              <a:t>Human Challenge Studies</a:t>
+            </a:r>
+          </a:p>
+        </p:txBody>
+      </p:sp>
+      <p:sp>
+        <p:nvSpPr>
+          <p:cNvPr id="3" name="Content Placeholder 2">
+            <a:extLst>
+              <a:ext uri="{FF2B5EF4-FFF2-40B4-BE49-F238E27FC236}">
+                <a16:creationId xmlns:a16="http://schemas.microsoft.com/office/drawing/2014/main" id="{C5398F3B-B6F4-8C6B-B68C-7BD614F802C2}"/>
+              </a:ext>
+            </a:extLst>
+          </p:cNvPr>
+          <p:cNvSpPr>
+            <a:spLocks noGrp="1"/>
+          </p:cNvSpPr>
+          <p:nvPr>
+            <p:ph idx="1"/>
+          </p:nvPr>
+        </p:nvSpPr>
+        <p:spPr/>
+        <p:txBody>
+          <a:bodyPr/>
+          <a:lstStyle/>
+          <a:p>
+            <a:r>
+              <a:rPr lang="en-US" dirty="0"/>
+              <a:t>Antibodies might not be the best correlate of protection from acquisition of infection</a:t>
+            </a:r>
+          </a:p>
+          <a:p>
+            <a:endParaRPr lang="en-US" dirty="0"/>
+          </a:p>
+          <a:p>
+            <a:pPr marL="0" indent="0">
+              <a:buNone/>
+            </a:pPr>
+            <a:endParaRPr lang="en-US" dirty="0"/>
+          </a:p>
+        </p:txBody>
+      </p:sp>
+      <p:pic>
+        <p:nvPicPr>
+          <p:cNvPr id="4" name="Picture 3">
+            <a:extLst>
+              <a:ext uri="{FF2B5EF4-FFF2-40B4-BE49-F238E27FC236}">
+                <a16:creationId xmlns:a16="http://schemas.microsoft.com/office/drawing/2014/main" id="{ACCB0DD4-9EA5-4EBE-35F0-C9EBA820BD43}"/>
+              </a:ext>
+            </a:extLst>
+          </p:cNvPr>
+          <p:cNvPicPr>
+            <a:picLocks noChangeAspect="1"/>
+          </p:cNvPicPr>
+          <p:nvPr/>
+        </p:nvPicPr>
+        <p:blipFill>
+          <a:blip r:embed="rId2"/>
+          <a:srcRect/>
+          <a:stretch/>
+        </p:blipFill>
+        <p:spPr>
+          <a:xfrm>
+            <a:off x="1280595" y="2197496"/>
+            <a:ext cx="3102218" cy="4295378"/>
+          </a:xfrm>
+          <a:prstGeom prst="rect">
+            <a:avLst/>
+          </a:prstGeom>
+        </p:spPr>
+      </p:pic>
+      <p:sp>
+        <p:nvSpPr>
+          <p:cNvPr id="5" name="TextBox 4">
+            <a:extLst>
+              <a:ext uri="{FF2B5EF4-FFF2-40B4-BE49-F238E27FC236}">
+                <a16:creationId xmlns:a16="http://schemas.microsoft.com/office/drawing/2014/main" id="{0AD1A6FF-C399-FF04-47D0-8729798600D5}"/>
+              </a:ext>
+            </a:extLst>
+          </p:cNvPr>
+          <p:cNvSpPr txBox="1"/>
+          <p:nvPr/>
+        </p:nvSpPr>
+        <p:spPr>
+          <a:xfrm>
+            <a:off x="1196597" y="6338985"/>
+            <a:ext cx="3979968" cy="307777"/>
+          </a:xfrm>
+          <a:prstGeom prst="rect">
+            <a:avLst/>
+          </a:prstGeom>
+          <a:noFill/>
+        </p:spPr>
+        <p:txBody>
+          <a:bodyPr wrap="square" rtlCol="0">
+            <a:spAutoFit/>
+          </a:bodyPr>
+          <a:lstStyle/>
+          <a:p>
+            <a:r>
+              <a:rPr lang="en-AU" sz="1350" dirty="0"/>
+              <a:t>Figure 1</a:t>
+            </a:r>
+            <a:endParaRPr lang="en-US" sz="1350" dirty="0"/>
+          </a:p>
+        </p:txBody>
+      </p:sp>
+      <p:sp>
+        <p:nvSpPr>
+          <p:cNvPr id="6" name="TextBox 5">
+            <a:extLst>
+              <a:ext uri="{FF2B5EF4-FFF2-40B4-BE49-F238E27FC236}">
+                <a16:creationId xmlns:a16="http://schemas.microsoft.com/office/drawing/2014/main" id="{93ADFE5C-FC4F-EE5E-B6B3-744367F86803}"/>
+              </a:ext>
+            </a:extLst>
+          </p:cNvPr>
+          <p:cNvSpPr txBox="1"/>
+          <p:nvPr/>
+        </p:nvSpPr>
+        <p:spPr>
+          <a:xfrm>
+            <a:off x="5664033" y="3506792"/>
+            <a:ext cx="2577662" cy="1815882"/>
+          </a:xfrm>
+          <a:prstGeom prst="rect">
+            <a:avLst/>
+          </a:prstGeom>
+          <a:noFill/>
+        </p:spPr>
+        <p:txBody>
+          <a:bodyPr wrap="square" rtlCol="0">
+            <a:spAutoFit/>
+          </a:bodyPr>
+          <a:lstStyle/>
+          <a:p>
+            <a:pPr algn="l"/>
+            <a:r>
+              <a:rPr lang="en-AU" sz="1400" dirty="0"/>
+              <a:t>Impaired Antibody-mediated Protection and Defective IgA B-Cell Memory in Experimental Infection of Adults with Respiratory Syncytial Virus</a:t>
+            </a:r>
+          </a:p>
+          <a:p>
+            <a:pPr algn="l"/>
+            <a:r>
+              <a:rPr lang="en-AU" sz="1400" dirty="0">
+                <a:hlinkClick r:id="rId3"/>
+              </a:rPr>
+              <a:t>https://</a:t>
+            </a:r>
+            <a:r>
+              <a:rPr lang="en-AU" sz="1400" dirty="0" err="1">
+                <a:hlinkClick r:id="rId3"/>
+              </a:rPr>
+              <a:t>www.atsjournals.org</a:t>
+            </a:r>
+            <a:r>
+              <a:rPr lang="en-AU" sz="1400" dirty="0">
+                <a:hlinkClick r:id="rId3"/>
+              </a:rPr>
+              <a:t>/</a:t>
+            </a:r>
+            <a:r>
+              <a:rPr lang="en-AU" sz="1400" dirty="0" err="1">
+                <a:hlinkClick r:id="rId3"/>
+              </a:rPr>
+              <a:t>doi</a:t>
+            </a:r>
+            <a:r>
+              <a:rPr lang="en-AU" sz="1400" dirty="0">
+                <a:hlinkClick r:id="rId3"/>
+              </a:rPr>
+              <a:t>/10.1164/rccm.201412-2256OC</a:t>
+            </a:r>
+            <a:endParaRPr lang="en-AU" sz="1400" dirty="0"/>
+          </a:p>
+        </p:txBody>
+      </p:sp>
+    </p:spTree>
+    <p:extLst>
+      <p:ext uri="{BB962C8B-B14F-4D97-AF65-F5344CB8AC3E}">
+        <p14:creationId xmlns:p14="http://schemas.microsoft.com/office/powerpoint/2010/main" val="2485035758"/>
       </p:ext>
     </p:extLst>
   </p:cSld>

--- a/raw-data/RSV Data Summary.pptx
+++ b/raw-data/RSV Data Summary.pptx
@@ -4,18 +4,25 @@
   <p:sldMasterIdLst>
     <p:sldMasterId id="2147483660" r:id="rId1"/>
   </p:sldMasterIdLst>
+  <p:notesMasterIdLst>
+    <p:notesMasterId r:id="rId17"/>
+  </p:notesMasterIdLst>
   <p:sldIdLst>
     <p:sldId id="256" r:id="rId2"/>
     <p:sldId id="257" r:id="rId3"/>
     <p:sldId id="263" r:id="rId4"/>
     <p:sldId id="259" r:id="rId5"/>
     <p:sldId id="258" r:id="rId6"/>
-    <p:sldId id="260" r:id="rId7"/>
-    <p:sldId id="261" r:id="rId8"/>
-    <p:sldId id="262" r:id="rId9"/>
-    <p:sldId id="264" r:id="rId10"/>
-    <p:sldId id="265" r:id="rId11"/>
-    <p:sldId id="266" r:id="rId12"/>
+    <p:sldId id="262" r:id="rId7"/>
+    <p:sldId id="269" r:id="rId8"/>
+    <p:sldId id="268" r:id="rId9"/>
+    <p:sldId id="260" r:id="rId10"/>
+    <p:sldId id="261" r:id="rId11"/>
+    <p:sldId id="270" r:id="rId12"/>
+    <p:sldId id="265" r:id="rId13"/>
+    <p:sldId id="264" r:id="rId14"/>
+    <p:sldId id="266" r:id="rId15"/>
+    <p:sldId id="267" r:id="rId16"/>
   </p:sldIdLst>
   <p:sldSz cx="9144000" cy="6858000" type="screen4x3"/>
   <p:notesSz cx="6858000" cy="9144000"/>
@@ -122,6 +129,440 @@
 </p:presentation>
 </file>
 
+<file path=ppt/notesMasters/notesMaster1.xml><?xml version="1.0" encoding="utf-8"?>
+<p:notesMaster xmlns:a="http://schemas.openxmlformats.org/drawingml/2006/main" xmlns:r="http://schemas.openxmlformats.org/officeDocument/2006/relationships" xmlns:p="http://schemas.openxmlformats.org/presentationml/2006/main">
+  <p:cSld>
+    <p:bg>
+      <p:bgRef idx="1001">
+        <a:schemeClr val="bg1"/>
+      </p:bgRef>
+    </p:bg>
+    <p:spTree>
+      <p:nvGrpSpPr>
+        <p:cNvPr id="1" name=""/>
+        <p:cNvGrpSpPr/>
+        <p:nvPr/>
+      </p:nvGrpSpPr>
+      <p:grpSpPr>
+        <a:xfrm>
+          <a:off x="0" y="0"/>
+          <a:ext cx="0" cy="0"/>
+          <a:chOff x="0" y="0"/>
+          <a:chExt cx="0" cy="0"/>
+        </a:xfrm>
+      </p:grpSpPr>
+      <p:sp>
+        <p:nvSpPr>
+          <p:cNvPr id="2" name="Header Placeholder 1"/>
+          <p:cNvSpPr>
+            <a:spLocks noGrp="1"/>
+          </p:cNvSpPr>
+          <p:nvPr>
+            <p:ph type="hdr" sz="quarter"/>
+          </p:nvPr>
+        </p:nvSpPr>
+        <p:spPr>
+          <a:xfrm>
+            <a:off x="0" y="0"/>
+            <a:ext cx="2971800" cy="458788"/>
+          </a:xfrm>
+          <a:prstGeom prst="rect">
+            <a:avLst/>
+          </a:prstGeom>
+        </p:spPr>
+        <p:txBody>
+          <a:bodyPr vert="horz" lIns="91440" tIns="45720" rIns="91440" bIns="45720" rtlCol="0"/>
+          <a:lstStyle>
+            <a:lvl1pPr algn="l">
+              <a:defRPr sz="1200"/>
+            </a:lvl1pPr>
+          </a:lstStyle>
+          <a:p>
+            <a:endParaRPr lang="en-US"/>
+          </a:p>
+        </p:txBody>
+      </p:sp>
+      <p:sp>
+        <p:nvSpPr>
+          <p:cNvPr id="3" name="Date Placeholder 2"/>
+          <p:cNvSpPr>
+            <a:spLocks noGrp="1"/>
+          </p:cNvSpPr>
+          <p:nvPr>
+            <p:ph type="dt" idx="1"/>
+          </p:nvPr>
+        </p:nvSpPr>
+        <p:spPr>
+          <a:xfrm>
+            <a:off x="3884613" y="0"/>
+            <a:ext cx="2971800" cy="458788"/>
+          </a:xfrm>
+          <a:prstGeom prst="rect">
+            <a:avLst/>
+          </a:prstGeom>
+        </p:spPr>
+        <p:txBody>
+          <a:bodyPr vert="horz" lIns="91440" tIns="45720" rIns="91440" bIns="45720" rtlCol="0"/>
+          <a:lstStyle>
+            <a:lvl1pPr algn="r">
+              <a:defRPr sz="1200"/>
+            </a:lvl1pPr>
+          </a:lstStyle>
+          <a:p>
+            <a:fld id="{ABADED4C-13AE-714D-9CC7-F1FFCC2CB964}" type="datetimeFigureOut">
+              <a:rPr lang="en-US" smtClean="0"/>
+              <a:t>1/22/24</a:t>
+            </a:fld>
+            <a:endParaRPr lang="en-US"/>
+          </a:p>
+        </p:txBody>
+      </p:sp>
+      <p:sp>
+        <p:nvSpPr>
+          <p:cNvPr id="4" name="Slide Image Placeholder 3"/>
+          <p:cNvSpPr>
+            <a:spLocks noGrp="1" noRot="1" noChangeAspect="1"/>
+          </p:cNvSpPr>
+          <p:nvPr>
+            <p:ph type="sldImg" idx="2"/>
+          </p:nvPr>
+        </p:nvSpPr>
+        <p:spPr>
+          <a:xfrm>
+            <a:off x="1371600" y="1143000"/>
+            <a:ext cx="4114800" cy="3086100"/>
+          </a:xfrm>
+          <a:prstGeom prst="rect">
+            <a:avLst/>
+          </a:prstGeom>
+          <a:noFill/>
+          <a:ln w="12700">
+            <a:solidFill>
+              <a:prstClr val="black"/>
+            </a:solidFill>
+          </a:ln>
+        </p:spPr>
+        <p:txBody>
+          <a:bodyPr vert="horz" lIns="91440" tIns="45720" rIns="91440" bIns="45720" rtlCol="0" anchor="ctr"/>
+          <a:lstStyle/>
+          <a:p>
+            <a:endParaRPr lang="en-US"/>
+          </a:p>
+        </p:txBody>
+      </p:sp>
+      <p:sp>
+        <p:nvSpPr>
+          <p:cNvPr id="5" name="Notes Placeholder 4"/>
+          <p:cNvSpPr>
+            <a:spLocks noGrp="1"/>
+          </p:cNvSpPr>
+          <p:nvPr>
+            <p:ph type="body" sz="quarter" idx="3"/>
+          </p:nvPr>
+        </p:nvSpPr>
+        <p:spPr>
+          <a:xfrm>
+            <a:off x="685800" y="4400550"/>
+            <a:ext cx="5486400" cy="3600450"/>
+          </a:xfrm>
+          <a:prstGeom prst="rect">
+            <a:avLst/>
+          </a:prstGeom>
+        </p:spPr>
+        <p:txBody>
+          <a:bodyPr vert="horz" lIns="91440" tIns="45720" rIns="91440" bIns="45720" rtlCol="0"/>
+          <a:lstStyle/>
+          <a:p>
+            <a:pPr lvl="0"/>
+            <a:r>
+              <a:rPr lang="en-GB"/>
+              <a:t>Click to edit Master text styles</a:t>
+            </a:r>
+          </a:p>
+          <a:p>
+            <a:pPr lvl="1"/>
+            <a:r>
+              <a:rPr lang="en-GB"/>
+              <a:t>Second level</a:t>
+            </a:r>
+          </a:p>
+          <a:p>
+            <a:pPr lvl="2"/>
+            <a:r>
+              <a:rPr lang="en-GB"/>
+              <a:t>Third level</a:t>
+            </a:r>
+          </a:p>
+          <a:p>
+            <a:pPr lvl="3"/>
+            <a:r>
+              <a:rPr lang="en-GB"/>
+              <a:t>Fourth level</a:t>
+            </a:r>
+          </a:p>
+          <a:p>
+            <a:pPr lvl="4"/>
+            <a:r>
+              <a:rPr lang="en-GB"/>
+              <a:t>Fifth level</a:t>
+            </a:r>
+            <a:endParaRPr lang="en-US"/>
+          </a:p>
+        </p:txBody>
+      </p:sp>
+      <p:sp>
+        <p:nvSpPr>
+          <p:cNvPr id="6" name="Footer Placeholder 5"/>
+          <p:cNvSpPr>
+            <a:spLocks noGrp="1"/>
+          </p:cNvSpPr>
+          <p:nvPr>
+            <p:ph type="ftr" sz="quarter" idx="4"/>
+          </p:nvPr>
+        </p:nvSpPr>
+        <p:spPr>
+          <a:xfrm>
+            <a:off x="0" y="8685213"/>
+            <a:ext cx="2971800" cy="458787"/>
+          </a:xfrm>
+          <a:prstGeom prst="rect">
+            <a:avLst/>
+          </a:prstGeom>
+        </p:spPr>
+        <p:txBody>
+          <a:bodyPr vert="horz" lIns="91440" tIns="45720" rIns="91440" bIns="45720" rtlCol="0" anchor="b"/>
+          <a:lstStyle>
+            <a:lvl1pPr algn="l">
+              <a:defRPr sz="1200"/>
+            </a:lvl1pPr>
+          </a:lstStyle>
+          <a:p>
+            <a:endParaRPr lang="en-US"/>
+          </a:p>
+        </p:txBody>
+      </p:sp>
+      <p:sp>
+        <p:nvSpPr>
+          <p:cNvPr id="7" name="Slide Number Placeholder 6"/>
+          <p:cNvSpPr>
+            <a:spLocks noGrp="1"/>
+          </p:cNvSpPr>
+          <p:nvPr>
+            <p:ph type="sldNum" sz="quarter" idx="5"/>
+          </p:nvPr>
+        </p:nvSpPr>
+        <p:spPr>
+          <a:xfrm>
+            <a:off x="3884613" y="8685213"/>
+            <a:ext cx="2971800" cy="458787"/>
+          </a:xfrm>
+          <a:prstGeom prst="rect">
+            <a:avLst/>
+          </a:prstGeom>
+        </p:spPr>
+        <p:txBody>
+          <a:bodyPr vert="horz" lIns="91440" tIns="45720" rIns="91440" bIns="45720" rtlCol="0" anchor="b"/>
+          <a:lstStyle>
+            <a:lvl1pPr algn="r">
+              <a:defRPr sz="1200"/>
+            </a:lvl1pPr>
+          </a:lstStyle>
+          <a:p>
+            <a:fld id="{FA7D2643-8977-FF4F-9832-00BADEC65124}" type="slidenum">
+              <a:rPr lang="en-US" smtClean="0"/>
+              <a:t>‹#›</a:t>
+            </a:fld>
+            <a:endParaRPr lang="en-US"/>
+          </a:p>
+        </p:txBody>
+      </p:sp>
+    </p:spTree>
+    <p:extLst>
+      <p:ext uri="{BB962C8B-B14F-4D97-AF65-F5344CB8AC3E}">
+        <p14:creationId xmlns:p14="http://schemas.microsoft.com/office/powerpoint/2010/main" val="308526151"/>
+      </p:ext>
+    </p:extLst>
+  </p:cSld>
+  <p:clrMap bg1="lt1" tx1="dk1" bg2="lt2" tx2="dk2" accent1="accent1" accent2="accent2" accent3="accent3" accent4="accent4" accent5="accent5" accent6="accent6" hlink="hlink" folHlink="folHlink"/>
+  <p:notesStyle>
+    <a:lvl1pPr marL="0" algn="l" defTabSz="914400" rtl="0" eaLnBrk="1" latinLnBrk="0" hangingPunct="1">
+      <a:defRPr sz="1200" kern="1200">
+        <a:solidFill>
+          <a:schemeClr val="tx1"/>
+        </a:solidFill>
+        <a:latin typeface="+mn-lt"/>
+        <a:ea typeface="+mn-ea"/>
+        <a:cs typeface="+mn-cs"/>
+      </a:defRPr>
+    </a:lvl1pPr>
+    <a:lvl2pPr marL="457200" algn="l" defTabSz="914400" rtl="0" eaLnBrk="1" latinLnBrk="0" hangingPunct="1">
+      <a:defRPr sz="1200" kern="1200">
+        <a:solidFill>
+          <a:schemeClr val="tx1"/>
+        </a:solidFill>
+        <a:latin typeface="+mn-lt"/>
+        <a:ea typeface="+mn-ea"/>
+        <a:cs typeface="+mn-cs"/>
+      </a:defRPr>
+    </a:lvl2pPr>
+    <a:lvl3pPr marL="914400" algn="l" defTabSz="914400" rtl="0" eaLnBrk="1" latinLnBrk="0" hangingPunct="1">
+      <a:defRPr sz="1200" kern="1200">
+        <a:solidFill>
+          <a:schemeClr val="tx1"/>
+        </a:solidFill>
+        <a:latin typeface="+mn-lt"/>
+        <a:ea typeface="+mn-ea"/>
+        <a:cs typeface="+mn-cs"/>
+      </a:defRPr>
+    </a:lvl3pPr>
+    <a:lvl4pPr marL="1371600" algn="l" defTabSz="914400" rtl="0" eaLnBrk="1" latinLnBrk="0" hangingPunct="1">
+      <a:defRPr sz="1200" kern="1200">
+        <a:solidFill>
+          <a:schemeClr val="tx1"/>
+        </a:solidFill>
+        <a:latin typeface="+mn-lt"/>
+        <a:ea typeface="+mn-ea"/>
+        <a:cs typeface="+mn-cs"/>
+      </a:defRPr>
+    </a:lvl4pPr>
+    <a:lvl5pPr marL="1828800" algn="l" defTabSz="914400" rtl="0" eaLnBrk="1" latinLnBrk="0" hangingPunct="1">
+      <a:defRPr sz="1200" kern="1200">
+        <a:solidFill>
+          <a:schemeClr val="tx1"/>
+        </a:solidFill>
+        <a:latin typeface="+mn-lt"/>
+        <a:ea typeface="+mn-ea"/>
+        <a:cs typeface="+mn-cs"/>
+      </a:defRPr>
+    </a:lvl5pPr>
+    <a:lvl6pPr marL="2286000" algn="l" defTabSz="914400" rtl="0" eaLnBrk="1" latinLnBrk="0" hangingPunct="1">
+      <a:defRPr sz="1200" kern="1200">
+        <a:solidFill>
+          <a:schemeClr val="tx1"/>
+        </a:solidFill>
+        <a:latin typeface="+mn-lt"/>
+        <a:ea typeface="+mn-ea"/>
+        <a:cs typeface="+mn-cs"/>
+      </a:defRPr>
+    </a:lvl6pPr>
+    <a:lvl7pPr marL="2743200" algn="l" defTabSz="914400" rtl="0" eaLnBrk="1" latinLnBrk="0" hangingPunct="1">
+      <a:defRPr sz="1200" kern="1200">
+        <a:solidFill>
+          <a:schemeClr val="tx1"/>
+        </a:solidFill>
+        <a:latin typeface="+mn-lt"/>
+        <a:ea typeface="+mn-ea"/>
+        <a:cs typeface="+mn-cs"/>
+      </a:defRPr>
+    </a:lvl7pPr>
+    <a:lvl8pPr marL="3200400" algn="l" defTabSz="914400" rtl="0" eaLnBrk="1" latinLnBrk="0" hangingPunct="1">
+      <a:defRPr sz="1200" kern="1200">
+        <a:solidFill>
+          <a:schemeClr val="tx1"/>
+        </a:solidFill>
+        <a:latin typeface="+mn-lt"/>
+        <a:ea typeface="+mn-ea"/>
+        <a:cs typeface="+mn-cs"/>
+      </a:defRPr>
+    </a:lvl8pPr>
+    <a:lvl9pPr marL="3657600" algn="l" defTabSz="914400" rtl="0" eaLnBrk="1" latinLnBrk="0" hangingPunct="1">
+      <a:defRPr sz="1200" kern="1200">
+        <a:solidFill>
+          <a:schemeClr val="tx1"/>
+        </a:solidFill>
+        <a:latin typeface="+mn-lt"/>
+        <a:ea typeface="+mn-ea"/>
+        <a:cs typeface="+mn-cs"/>
+      </a:defRPr>
+    </a:lvl9pPr>
+  </p:notesStyle>
+</p:notesMaster>
+</file>
+
+<file path=ppt/notesSlides/notesSlide1.xml><?xml version="1.0" encoding="utf-8"?>
+<p:notes xmlns:a="http://schemas.openxmlformats.org/drawingml/2006/main" xmlns:r="http://schemas.openxmlformats.org/officeDocument/2006/relationships" xmlns:p="http://schemas.openxmlformats.org/presentationml/2006/main">
+  <p:cSld>
+    <p:spTree>
+      <p:nvGrpSpPr>
+        <p:cNvPr id="1" name=""/>
+        <p:cNvGrpSpPr/>
+        <p:nvPr/>
+      </p:nvGrpSpPr>
+      <p:grpSpPr>
+        <a:xfrm>
+          <a:off x="0" y="0"/>
+          <a:ext cx="0" cy="0"/>
+          <a:chOff x="0" y="0"/>
+          <a:chExt cx="0" cy="0"/>
+        </a:xfrm>
+      </p:grpSpPr>
+      <p:sp>
+        <p:nvSpPr>
+          <p:cNvPr id="2" name="Slide Image Placeholder 1"/>
+          <p:cNvSpPr>
+            <a:spLocks noGrp="1" noRot="1" noChangeAspect="1"/>
+          </p:cNvSpPr>
+          <p:nvPr>
+            <p:ph type="sldImg"/>
+          </p:nvPr>
+        </p:nvSpPr>
+        <p:spPr/>
+      </p:sp>
+      <p:sp>
+        <p:nvSpPr>
+          <p:cNvPr id="3" name="Notes Placeholder 2"/>
+          <p:cNvSpPr>
+            <a:spLocks noGrp="1"/>
+          </p:cNvSpPr>
+          <p:nvPr>
+            <p:ph type="body" idx="1"/>
+          </p:nvPr>
+        </p:nvSpPr>
+        <p:spPr/>
+        <p:txBody>
+          <a:bodyPr/>
+          <a:lstStyle/>
+          <a:p>
+            <a:endParaRPr lang="en-US" dirty="0"/>
+          </a:p>
+        </p:txBody>
+      </p:sp>
+      <p:sp>
+        <p:nvSpPr>
+          <p:cNvPr id="4" name="Slide Number Placeholder 3"/>
+          <p:cNvSpPr>
+            <a:spLocks noGrp="1"/>
+          </p:cNvSpPr>
+          <p:nvPr>
+            <p:ph type="sldNum" sz="quarter" idx="5"/>
+          </p:nvPr>
+        </p:nvSpPr>
+        <p:spPr/>
+        <p:txBody>
+          <a:bodyPr/>
+          <a:lstStyle/>
+          <a:p>
+            <a:fld id="{FA7D2643-8977-FF4F-9832-00BADEC65124}" type="slidenum">
+              <a:rPr lang="en-US" smtClean="0"/>
+              <a:t>11</a:t>
+            </a:fld>
+            <a:endParaRPr lang="en-US"/>
+          </a:p>
+        </p:txBody>
+      </p:sp>
+    </p:spTree>
+    <p:extLst>
+      <p:ext uri="{BB962C8B-B14F-4D97-AF65-F5344CB8AC3E}">
+        <p14:creationId xmlns:p14="http://schemas.microsoft.com/office/powerpoint/2010/main" val="2746879379"/>
+      </p:ext>
+    </p:extLst>
+  </p:cSld>
+  <p:clrMapOvr>
+    <a:masterClrMapping/>
+  </p:clrMapOvr>
+</p:notes>
+</file>
+
 <file path=ppt/slideLayouts/slideLayout1.xml><?xml version="1.0" encoding="utf-8"?>
 <p:sldLayout xmlns:a="http://schemas.openxmlformats.org/drawingml/2006/main" xmlns:r="http://schemas.openxmlformats.org/officeDocument/2006/relationships" xmlns:p="http://schemas.openxmlformats.org/presentationml/2006/main" type="title" preserve="1">
   <p:cSld name="Title Slide">
@@ -253,7 +694,7 @@
           <a:p>
             <a:fld id="{DFA43388-519D-014B-94DE-18A523E3FA67}" type="datetimeFigureOut">
               <a:rPr lang="en-US" smtClean="0"/>
-              <a:t>1/19/24</a:t>
+              <a:t>1/22/24</a:t>
             </a:fld>
             <a:endParaRPr lang="en-US"/>
           </a:p>
@@ -423,7 +864,7 @@
           <a:p>
             <a:fld id="{DFA43388-519D-014B-94DE-18A523E3FA67}" type="datetimeFigureOut">
               <a:rPr lang="en-US" smtClean="0"/>
-              <a:t>1/19/24</a:t>
+              <a:t>1/22/24</a:t>
             </a:fld>
             <a:endParaRPr lang="en-US"/>
           </a:p>
@@ -603,7 +1044,7 @@
           <a:p>
             <a:fld id="{DFA43388-519D-014B-94DE-18A523E3FA67}" type="datetimeFigureOut">
               <a:rPr lang="en-US" smtClean="0"/>
-              <a:t>1/19/24</a:t>
+              <a:t>1/22/24</a:t>
             </a:fld>
             <a:endParaRPr lang="en-US"/>
           </a:p>
@@ -773,7 +1214,7 @@
           <a:p>
             <a:fld id="{DFA43388-519D-014B-94DE-18A523E3FA67}" type="datetimeFigureOut">
               <a:rPr lang="en-US" smtClean="0"/>
-              <a:t>1/19/24</a:t>
+              <a:t>1/22/24</a:t>
             </a:fld>
             <a:endParaRPr lang="en-US"/>
           </a:p>
@@ -1019,7 +1460,7 @@
           <a:p>
             <a:fld id="{DFA43388-519D-014B-94DE-18A523E3FA67}" type="datetimeFigureOut">
               <a:rPr lang="en-US" smtClean="0"/>
-              <a:t>1/19/24</a:t>
+              <a:t>1/22/24</a:t>
             </a:fld>
             <a:endParaRPr lang="en-US"/>
           </a:p>
@@ -1251,7 +1692,7 @@
           <a:p>
             <a:fld id="{DFA43388-519D-014B-94DE-18A523E3FA67}" type="datetimeFigureOut">
               <a:rPr lang="en-US" smtClean="0"/>
-              <a:t>1/19/24</a:t>
+              <a:t>1/22/24</a:t>
             </a:fld>
             <a:endParaRPr lang="en-US"/>
           </a:p>
@@ -1618,7 +2059,7 @@
           <a:p>
             <a:fld id="{DFA43388-519D-014B-94DE-18A523E3FA67}" type="datetimeFigureOut">
               <a:rPr lang="en-US" smtClean="0"/>
-              <a:t>1/19/24</a:t>
+              <a:t>1/22/24</a:t>
             </a:fld>
             <a:endParaRPr lang="en-US"/>
           </a:p>
@@ -1736,7 +2177,7 @@
           <a:p>
             <a:fld id="{DFA43388-519D-014B-94DE-18A523E3FA67}" type="datetimeFigureOut">
               <a:rPr lang="en-US" smtClean="0"/>
-              <a:t>1/19/24</a:t>
+              <a:t>1/22/24</a:t>
             </a:fld>
             <a:endParaRPr lang="en-US"/>
           </a:p>
@@ -1831,7 +2272,7 @@
           <a:p>
             <a:fld id="{DFA43388-519D-014B-94DE-18A523E3FA67}" type="datetimeFigureOut">
               <a:rPr lang="en-US" smtClean="0"/>
-              <a:t>1/19/24</a:t>
+              <a:t>1/22/24</a:t>
             </a:fld>
             <a:endParaRPr lang="en-US"/>
           </a:p>
@@ -2108,7 +2549,7 @@
           <a:p>
             <a:fld id="{DFA43388-519D-014B-94DE-18A523E3FA67}" type="datetimeFigureOut">
               <a:rPr lang="en-US" smtClean="0"/>
-              <a:t>1/19/24</a:t>
+              <a:t>1/22/24</a:t>
             </a:fld>
             <a:endParaRPr lang="en-US"/>
           </a:p>
@@ -2583,7 +3024,7 @@
           <a:p>
             <a:fld id="{DFA43388-519D-014B-94DE-18A523E3FA67}" type="datetimeFigureOut">
               <a:rPr lang="en-US" smtClean="0"/>
-              <a:t>1/19/24</a:t>
+              <a:t>1/22/24</a:t>
             </a:fld>
             <a:endParaRPr lang="en-US" dirty="0"/>
           </a:p>
@@ -3009,7 +3450,10 @@
           <a:bodyPr/>
           <a:lstStyle/>
           <a:p>
-            <a:endParaRPr lang="en-US"/>
+            <a:r>
+              <a:rPr lang="en-US" dirty="0"/>
+              <a:t>RSV Antibodies</a:t>
+            </a:r>
           </a:p>
         </p:txBody>
       </p:sp>
@@ -3034,40 +3478,27 @@
           <a:bodyPr/>
           <a:lstStyle/>
           <a:p>
-            <a:endParaRPr lang="en-US"/>
-          </a:p>
-        </p:txBody>
-      </p:sp>
-      <p:pic>
-        <p:nvPicPr>
-          <p:cNvPr id="5" name="Picture 4">
-            <a:extLst>
-              <a:ext uri="{FF2B5EF4-FFF2-40B4-BE49-F238E27FC236}">
-                <a16:creationId xmlns:a16="http://schemas.microsoft.com/office/drawing/2014/main" id="{9DA08968-1939-89A4-498E-38A170697F52}"/>
-              </a:ext>
-            </a:extLst>
-          </p:cNvPr>
-          <p:cNvPicPr>
-            <a:picLocks noChangeAspect="1"/>
-          </p:cNvPicPr>
-          <p:nvPr/>
-        </p:nvPicPr>
-        <p:blipFill>
-          <a:blip r:embed="rId2"/>
-          <a:stretch>
-            <a:fillRect/>
-          </a:stretch>
-        </p:blipFill>
-        <p:spPr>
-          <a:xfrm>
-            <a:off x="1181100" y="209550"/>
-            <a:ext cx="6781800" cy="6438900"/>
-          </a:xfrm>
-          <a:prstGeom prst="rect">
-            <a:avLst/>
-          </a:prstGeom>
-        </p:spPr>
-      </p:pic>
+            <a:r>
+              <a:rPr lang="en-US" dirty="0"/>
+              <a:t>Note: Good summary can be found at</a:t>
+            </a:r>
+          </a:p>
+          <a:p>
+            <a:r>
+              <a:rPr lang="en-US" dirty="0"/>
+              <a:t>https://</a:t>
+            </a:r>
+            <a:r>
+              <a:rPr lang="en-US" dirty="0" err="1"/>
+              <a:t>www.fda.gov</a:t>
+            </a:r>
+            <a:r>
+              <a:rPr lang="en-US"/>
+              <a:t>/media/165733/download</a:t>
+            </a:r>
+          </a:p>
+        </p:txBody>
+      </p:sp>
     </p:spTree>
     <p:extLst>
       <p:ext uri="{BB962C8B-B14F-4D97-AF65-F5344CB8AC3E}">
@@ -3082,6 +3513,678 @@
 </file>
 
 <file path=ppt/slides/slide10.xml><?xml version="1.0" encoding="utf-8"?>
+<p:sld xmlns:a="http://schemas.openxmlformats.org/drawingml/2006/main" xmlns:r="http://schemas.openxmlformats.org/officeDocument/2006/relationships" xmlns:p="http://schemas.openxmlformats.org/presentationml/2006/main">
+  <p:cSld>
+    <p:spTree>
+      <p:nvGrpSpPr>
+        <p:cNvPr id="1" name="">
+          <a:extLst>
+            <a:ext uri="{FF2B5EF4-FFF2-40B4-BE49-F238E27FC236}">
+              <a16:creationId xmlns:a16="http://schemas.microsoft.com/office/drawing/2014/main" id="{D88248E0-9B0F-9998-9524-A48CA0F760AD}"/>
+            </a:ext>
+          </a:extLst>
+        </p:cNvPr>
+        <p:cNvGrpSpPr/>
+        <p:nvPr/>
+      </p:nvGrpSpPr>
+      <p:grpSpPr>
+        <a:xfrm>
+          <a:off x="0" y="0"/>
+          <a:ext cx="0" cy="0"/>
+          <a:chOff x="0" y="0"/>
+          <a:chExt cx="0" cy="0"/>
+        </a:xfrm>
+      </p:grpSpPr>
+      <p:sp>
+        <p:nvSpPr>
+          <p:cNvPr id="2" name="Title 1">
+            <a:extLst>
+              <a:ext uri="{FF2B5EF4-FFF2-40B4-BE49-F238E27FC236}">
+                <a16:creationId xmlns:a16="http://schemas.microsoft.com/office/drawing/2014/main" id="{173426B8-0F9E-9A6B-5C1B-FF21DC499CB3}"/>
+              </a:ext>
+            </a:extLst>
+          </p:cNvPr>
+          <p:cNvSpPr>
+            <a:spLocks noGrp="1"/>
+          </p:cNvSpPr>
+          <p:nvPr>
+            <p:ph type="title"/>
+          </p:nvPr>
+        </p:nvSpPr>
+        <p:spPr/>
+        <p:txBody>
+          <a:bodyPr/>
+          <a:lstStyle/>
+          <a:p>
+            <a:r>
+              <a:rPr lang="en-US" dirty="0"/>
+              <a:t>Antibodies in Adults (decay)</a:t>
+            </a:r>
+          </a:p>
+        </p:txBody>
+      </p:sp>
+      <p:sp>
+        <p:nvSpPr>
+          <p:cNvPr id="3" name="Content Placeholder 2">
+            <a:extLst>
+              <a:ext uri="{FF2B5EF4-FFF2-40B4-BE49-F238E27FC236}">
+                <a16:creationId xmlns:a16="http://schemas.microsoft.com/office/drawing/2014/main" id="{540CC8BA-E385-A2F9-DF3E-2735747000B0}"/>
+              </a:ext>
+            </a:extLst>
+          </p:cNvPr>
+          <p:cNvSpPr>
+            <a:spLocks noGrp="1"/>
+          </p:cNvSpPr>
+          <p:nvPr>
+            <p:ph idx="1"/>
+          </p:nvPr>
+        </p:nvSpPr>
+        <p:spPr/>
+        <p:txBody>
+          <a:bodyPr/>
+          <a:lstStyle/>
+          <a:p>
+            <a:r>
+              <a:rPr lang="en-US" dirty="0"/>
+              <a:t>This is contradicted by the fact that the maternal antibodies in cord blood change relative to the RSV season</a:t>
+            </a:r>
+          </a:p>
+          <a:p>
+            <a:endParaRPr lang="en-US" dirty="0"/>
+          </a:p>
+          <a:p>
+            <a:pPr marL="0" indent="0">
+              <a:buNone/>
+            </a:pPr>
+            <a:endParaRPr lang="en-US" dirty="0"/>
+          </a:p>
+        </p:txBody>
+      </p:sp>
+      <p:pic>
+        <p:nvPicPr>
+          <p:cNvPr id="4" name="Picture 3">
+            <a:extLst>
+              <a:ext uri="{FF2B5EF4-FFF2-40B4-BE49-F238E27FC236}">
+                <a16:creationId xmlns:a16="http://schemas.microsoft.com/office/drawing/2014/main" id="{9A80F924-047D-36E2-5FE0-574C185F85C5}"/>
+              </a:ext>
+            </a:extLst>
+          </p:cNvPr>
+          <p:cNvPicPr>
+            <a:picLocks noChangeAspect="1"/>
+          </p:cNvPicPr>
+          <p:nvPr/>
+        </p:nvPicPr>
+        <p:blipFill>
+          <a:blip r:embed="rId2"/>
+          <a:srcRect/>
+          <a:stretch/>
+        </p:blipFill>
+        <p:spPr>
+          <a:xfrm>
+            <a:off x="858048" y="2963252"/>
+            <a:ext cx="4431530" cy="3111500"/>
+          </a:xfrm>
+          <a:prstGeom prst="rect">
+            <a:avLst/>
+          </a:prstGeom>
+        </p:spPr>
+      </p:pic>
+      <p:sp>
+        <p:nvSpPr>
+          <p:cNvPr id="5" name="TextBox 4">
+            <a:extLst>
+              <a:ext uri="{FF2B5EF4-FFF2-40B4-BE49-F238E27FC236}">
+                <a16:creationId xmlns:a16="http://schemas.microsoft.com/office/drawing/2014/main" id="{84F0CCDE-97F3-4D37-A510-BFB27C0C4BD2}"/>
+              </a:ext>
+            </a:extLst>
+          </p:cNvPr>
+          <p:cNvSpPr txBox="1"/>
+          <p:nvPr/>
+        </p:nvSpPr>
+        <p:spPr>
+          <a:xfrm>
+            <a:off x="1196597" y="6176439"/>
+            <a:ext cx="3979968" cy="523220"/>
+          </a:xfrm>
+          <a:prstGeom prst="rect">
+            <a:avLst/>
+          </a:prstGeom>
+          <a:noFill/>
+        </p:spPr>
+        <p:txBody>
+          <a:bodyPr wrap="square" rtlCol="0">
+            <a:spAutoFit/>
+          </a:bodyPr>
+          <a:lstStyle/>
+          <a:p>
+            <a:r>
+              <a:rPr lang="en-AU" sz="1350" dirty="0"/>
+              <a:t>Figure 4: </a:t>
+            </a:r>
+            <a:r>
+              <a:rPr lang="en-AU" sz="1400" b="0" i="0" dirty="0">
+                <a:solidFill>
+                  <a:srgbClr val="1F1F1F"/>
+                </a:solidFill>
+                <a:effectLst/>
+                <a:latin typeface="ElsevierGulliver"/>
+              </a:rPr>
+              <a:t>Dynamics of cord titres by time and transmission intensity.</a:t>
+            </a:r>
+            <a:endParaRPr lang="en-US" sz="1350" dirty="0"/>
+          </a:p>
+        </p:txBody>
+      </p:sp>
+      <p:sp>
+        <p:nvSpPr>
+          <p:cNvPr id="6" name="TextBox 5">
+            <a:extLst>
+              <a:ext uri="{FF2B5EF4-FFF2-40B4-BE49-F238E27FC236}">
+                <a16:creationId xmlns:a16="http://schemas.microsoft.com/office/drawing/2014/main" id="{0DD11E0C-41BE-949C-84D7-A4EE81004B9B}"/>
+              </a:ext>
+            </a:extLst>
+          </p:cNvPr>
+          <p:cNvSpPr txBox="1"/>
+          <p:nvPr/>
+        </p:nvSpPr>
+        <p:spPr>
+          <a:xfrm>
+            <a:off x="5708290" y="3180174"/>
+            <a:ext cx="2577662" cy="2677656"/>
+          </a:xfrm>
+          <a:prstGeom prst="rect">
+            <a:avLst/>
+          </a:prstGeom>
+          <a:noFill/>
+        </p:spPr>
+        <p:txBody>
+          <a:bodyPr wrap="square" rtlCol="0">
+            <a:spAutoFit/>
+          </a:bodyPr>
+          <a:lstStyle/>
+          <a:p>
+            <a:pPr algn="l"/>
+            <a:r>
+              <a:rPr lang="en-AU" sz="1400" b="0" i="1" dirty="0" err="1">
+                <a:solidFill>
+                  <a:srgbClr val="1F1F1F"/>
+                </a:solidFill>
+                <a:effectLst/>
+                <a:latin typeface="ElsevierGulliver"/>
+              </a:rPr>
+              <a:t>Nyiro</a:t>
+            </a:r>
+            <a:r>
+              <a:rPr lang="en-AU" sz="1400" b="0" i="1" dirty="0">
+                <a:solidFill>
+                  <a:srgbClr val="1F1F1F"/>
+                </a:solidFill>
+                <a:effectLst/>
+                <a:latin typeface="ElsevierGulliver"/>
+              </a:rPr>
+              <a:t>, Vaccine (2015) 33(15) p1797-1801</a:t>
+            </a:r>
+          </a:p>
+          <a:p>
+            <a:pPr algn="l"/>
+            <a:endParaRPr lang="en-AU" sz="1400" b="0" i="0" dirty="0">
+              <a:solidFill>
+                <a:srgbClr val="1F1F1F"/>
+              </a:solidFill>
+              <a:effectLst/>
+              <a:latin typeface="ElsevierGulliver"/>
+            </a:endParaRPr>
+          </a:p>
+          <a:p>
+            <a:pPr algn="l"/>
+            <a:r>
+              <a:rPr lang="en-AU" sz="1400" b="0" i="0" dirty="0">
+                <a:solidFill>
+                  <a:srgbClr val="1F1F1F"/>
+                </a:solidFill>
+                <a:effectLst/>
+                <a:latin typeface="ElsevierGulliver"/>
+              </a:rPr>
+              <a:t>Quantifying maternally derived respiratory syncytial virus specific neutralising antibodies in a birth cohort from coastal Kenya</a:t>
+            </a:r>
+          </a:p>
+          <a:p>
+            <a:pPr algn="l"/>
+            <a:endParaRPr lang="en-AU" sz="1400" b="0" i="0" dirty="0">
+              <a:solidFill>
+                <a:srgbClr val="1F1F1F"/>
+              </a:solidFill>
+              <a:effectLst/>
+              <a:latin typeface="ElsevierGulliver"/>
+              <a:hlinkClick r:id="rId3"/>
+            </a:endParaRPr>
+          </a:p>
+          <a:p>
+            <a:pPr algn="l"/>
+            <a:r>
+              <a:rPr lang="en-AU" sz="1400" b="0" i="0" dirty="0">
+                <a:solidFill>
+                  <a:srgbClr val="1F1F1F"/>
+                </a:solidFill>
+                <a:effectLst/>
+                <a:latin typeface="ElsevierGulliver"/>
+                <a:hlinkClick r:id="rId3"/>
+              </a:rPr>
+              <a:t>https://www.sciencedirect.com/science/article/pii/S0264410X15002285</a:t>
+            </a:r>
+            <a:endParaRPr lang="en-AU" sz="1400" b="0" i="0" dirty="0">
+              <a:solidFill>
+                <a:srgbClr val="1F1F1F"/>
+              </a:solidFill>
+              <a:effectLst/>
+              <a:latin typeface="ElsevierGulliver"/>
+            </a:endParaRPr>
+          </a:p>
+        </p:txBody>
+      </p:sp>
+    </p:spTree>
+    <p:extLst>
+      <p:ext uri="{BB962C8B-B14F-4D97-AF65-F5344CB8AC3E}">
+        <p14:creationId xmlns:p14="http://schemas.microsoft.com/office/powerpoint/2010/main" val="819449735"/>
+      </p:ext>
+    </p:extLst>
+  </p:cSld>
+  <p:clrMapOvr>
+    <a:masterClrMapping/>
+  </p:clrMapOvr>
+</p:sld>
+</file>
+
+<file path=ppt/slides/slide11.xml><?xml version="1.0" encoding="utf-8"?>
+<p:sld xmlns:a="http://schemas.openxmlformats.org/drawingml/2006/main" xmlns:r="http://schemas.openxmlformats.org/officeDocument/2006/relationships" xmlns:p="http://schemas.openxmlformats.org/presentationml/2006/main">
+  <p:cSld>
+    <p:spTree>
+      <p:nvGrpSpPr>
+        <p:cNvPr id="1" name="">
+          <a:extLst>
+            <a:ext uri="{FF2B5EF4-FFF2-40B4-BE49-F238E27FC236}">
+              <a16:creationId xmlns:a16="http://schemas.microsoft.com/office/drawing/2014/main" id="{499FDBB3-B711-D0F1-DC53-0C792E3E2E60}"/>
+            </a:ext>
+          </a:extLst>
+        </p:cNvPr>
+        <p:cNvGrpSpPr/>
+        <p:nvPr/>
+      </p:nvGrpSpPr>
+      <p:grpSpPr>
+        <a:xfrm>
+          <a:off x="0" y="0"/>
+          <a:ext cx="0" cy="0"/>
+          <a:chOff x="0" y="0"/>
+          <a:chExt cx="0" cy="0"/>
+        </a:xfrm>
+      </p:grpSpPr>
+      <p:sp>
+        <p:nvSpPr>
+          <p:cNvPr id="2" name="Title 1">
+            <a:extLst>
+              <a:ext uri="{FF2B5EF4-FFF2-40B4-BE49-F238E27FC236}">
+                <a16:creationId xmlns:a16="http://schemas.microsoft.com/office/drawing/2014/main" id="{87EBBAD8-E1B4-CC12-0D49-6B0665281D73}"/>
+              </a:ext>
+            </a:extLst>
+          </p:cNvPr>
+          <p:cNvSpPr>
+            <a:spLocks noGrp="1"/>
+          </p:cNvSpPr>
+          <p:nvPr>
+            <p:ph type="title"/>
+          </p:nvPr>
+        </p:nvSpPr>
+        <p:spPr/>
+        <p:txBody>
+          <a:bodyPr/>
+          <a:lstStyle/>
+          <a:p>
+            <a:r>
+              <a:rPr lang="en-US" dirty="0"/>
+              <a:t>Antibodies in Adults (decay)</a:t>
+            </a:r>
+          </a:p>
+        </p:txBody>
+      </p:sp>
+      <p:sp>
+        <p:nvSpPr>
+          <p:cNvPr id="3" name="Content Placeholder 2">
+            <a:extLst>
+              <a:ext uri="{FF2B5EF4-FFF2-40B4-BE49-F238E27FC236}">
+                <a16:creationId xmlns:a16="http://schemas.microsoft.com/office/drawing/2014/main" id="{1A8B202E-25B7-6765-829D-67788379C38E}"/>
+              </a:ext>
+            </a:extLst>
+          </p:cNvPr>
+          <p:cNvSpPr>
+            <a:spLocks noGrp="1"/>
+          </p:cNvSpPr>
+          <p:nvPr>
+            <p:ph idx="1"/>
+          </p:nvPr>
+        </p:nvSpPr>
+        <p:spPr/>
+        <p:txBody>
+          <a:bodyPr/>
+          <a:lstStyle/>
+          <a:p>
+            <a:r>
+              <a:rPr lang="en-US" dirty="0"/>
+              <a:t>Direct measurement of Abs suggests they decay after infection.</a:t>
+            </a:r>
+          </a:p>
+          <a:p>
+            <a:endParaRPr lang="en-US" dirty="0"/>
+          </a:p>
+          <a:p>
+            <a:pPr marL="0" indent="0">
+              <a:buNone/>
+            </a:pPr>
+            <a:endParaRPr lang="en-US" dirty="0"/>
+          </a:p>
+        </p:txBody>
+      </p:sp>
+      <p:pic>
+        <p:nvPicPr>
+          <p:cNvPr id="4" name="Picture 3">
+            <a:extLst>
+              <a:ext uri="{FF2B5EF4-FFF2-40B4-BE49-F238E27FC236}">
+                <a16:creationId xmlns:a16="http://schemas.microsoft.com/office/drawing/2014/main" id="{7F7EFE20-1B70-5263-FC01-E35D156118BC}"/>
+              </a:ext>
+            </a:extLst>
+          </p:cNvPr>
+          <p:cNvPicPr>
+            <a:picLocks noChangeAspect="1"/>
+          </p:cNvPicPr>
+          <p:nvPr/>
+        </p:nvPicPr>
+        <p:blipFill>
+          <a:blip r:embed="rId3"/>
+          <a:srcRect/>
+          <a:stretch/>
+        </p:blipFill>
+        <p:spPr>
+          <a:xfrm>
+            <a:off x="85248" y="2075568"/>
+            <a:ext cx="6042540" cy="3295218"/>
+          </a:xfrm>
+          <a:prstGeom prst="rect">
+            <a:avLst/>
+          </a:prstGeom>
+        </p:spPr>
+      </p:pic>
+      <p:sp>
+        <p:nvSpPr>
+          <p:cNvPr id="5" name="TextBox 4">
+            <a:extLst>
+              <a:ext uri="{FF2B5EF4-FFF2-40B4-BE49-F238E27FC236}">
+                <a16:creationId xmlns:a16="http://schemas.microsoft.com/office/drawing/2014/main" id="{7E68CD93-689A-9BFE-DB4A-A3F9CF8F38A9}"/>
+              </a:ext>
+            </a:extLst>
+          </p:cNvPr>
+          <p:cNvSpPr txBox="1"/>
+          <p:nvPr/>
+        </p:nvSpPr>
+        <p:spPr>
+          <a:xfrm>
+            <a:off x="1156358" y="5585142"/>
+            <a:ext cx="3979968" cy="1146468"/>
+          </a:xfrm>
+          <a:prstGeom prst="rect">
+            <a:avLst/>
+          </a:prstGeom>
+          <a:noFill/>
+        </p:spPr>
+        <p:txBody>
+          <a:bodyPr wrap="square" rtlCol="0">
+            <a:spAutoFit/>
+          </a:bodyPr>
+          <a:lstStyle/>
+          <a:p>
+            <a:r>
+              <a:rPr lang="en-AU" sz="1350" dirty="0"/>
+              <a:t>Figure 1: Example Ab decay after infection in adults</a:t>
+            </a:r>
+          </a:p>
+          <a:p>
+            <a:r>
+              <a:rPr lang="en-AU" sz="1350" dirty="0"/>
+              <a:t>(decay rate of -0.2 +/- .23 log2 units / month, t</a:t>
+            </a:r>
+            <a:r>
+              <a:rPr lang="en-AU" sz="1350" baseline="-25000" dirty="0"/>
+              <a:t>1/2</a:t>
+            </a:r>
+            <a:r>
+              <a:rPr lang="en-AU" sz="1350" dirty="0"/>
+              <a:t>=3.5 months)</a:t>
+            </a:r>
+          </a:p>
+          <a:p>
+            <a:r>
+              <a:rPr lang="en-AU" sz="1400" dirty="0">
+                <a:solidFill>
+                  <a:srgbClr val="1F1F1F"/>
+                </a:solidFill>
+                <a:latin typeface="ElsevierGulliver"/>
+              </a:rPr>
+              <a:t>B</a:t>
+            </a:r>
+            <a:r>
+              <a:rPr lang="en-AU" sz="1400" b="0" i="0" dirty="0">
+                <a:solidFill>
+                  <a:srgbClr val="1F1F1F"/>
+                </a:solidFill>
+                <a:effectLst/>
+                <a:latin typeface="ElsevierGulliver"/>
+              </a:rPr>
+              <a:t>lack line: MNA </a:t>
+            </a:r>
+            <a:r>
+              <a:rPr lang="en-AU" sz="1400" b="0" i="0" dirty="0" err="1">
+                <a:solidFill>
+                  <a:srgbClr val="1F1F1F"/>
+                </a:solidFill>
+                <a:effectLst/>
+                <a:latin typeface="ElsevierGulliver"/>
+              </a:rPr>
+              <a:t>titers</a:t>
+            </a:r>
+            <a:r>
+              <a:rPr lang="en-AU" sz="1400" b="0" i="0" dirty="0">
+                <a:solidFill>
+                  <a:srgbClr val="1F1F1F"/>
+                </a:solidFill>
+                <a:effectLst/>
+                <a:latin typeface="ElsevierGulliver"/>
+              </a:rPr>
+              <a:t> </a:t>
+            </a:r>
+            <a:r>
+              <a:rPr lang="en-AU" sz="1400" b="0" i="0" dirty="0" err="1">
+                <a:solidFill>
+                  <a:srgbClr val="1F1F1F"/>
+                </a:solidFill>
+                <a:effectLst/>
+                <a:latin typeface="ElsevierGulliver"/>
+              </a:rPr>
+              <a:t>gray</a:t>
+            </a:r>
+            <a:r>
+              <a:rPr lang="en-AU" sz="1400" b="0" i="0" dirty="0">
+                <a:solidFill>
+                  <a:srgbClr val="1F1F1F"/>
+                </a:solidFill>
+                <a:effectLst/>
+                <a:latin typeface="ElsevierGulliver"/>
+              </a:rPr>
+              <a:t> broken line: EIA F </a:t>
+            </a:r>
+            <a:r>
+              <a:rPr lang="en-AU" sz="1400" b="0" i="0" dirty="0" err="1">
+                <a:solidFill>
+                  <a:srgbClr val="1F1F1F"/>
+                </a:solidFill>
+                <a:effectLst/>
+                <a:latin typeface="ElsevierGulliver"/>
+              </a:rPr>
+              <a:t>titers</a:t>
+            </a:r>
+            <a:r>
+              <a:rPr lang="en-AU" sz="1400" b="0" i="0" dirty="0">
+                <a:solidFill>
+                  <a:srgbClr val="1F1F1F"/>
+                </a:solidFill>
+                <a:effectLst/>
+                <a:latin typeface="ElsevierGulliver"/>
+              </a:rPr>
+              <a:t>. Arrow </a:t>
+            </a:r>
+            <a:r>
+              <a:rPr lang="en-AU" sz="1400" b="0" i="0" dirty="0" err="1">
+                <a:solidFill>
+                  <a:srgbClr val="1F1F1F"/>
+                </a:solidFill>
+                <a:effectLst/>
+                <a:latin typeface="ElsevierGulliver"/>
+              </a:rPr>
+              <a:t>indicatea</a:t>
+            </a:r>
+            <a:r>
+              <a:rPr lang="en-AU" sz="1400" b="0" i="0" dirty="0">
+                <a:solidFill>
+                  <a:srgbClr val="1F1F1F"/>
+                </a:solidFill>
+                <a:effectLst/>
+                <a:latin typeface="ElsevierGulliver"/>
+              </a:rPr>
+              <a:t> time of RSV infection.</a:t>
+            </a:r>
+            <a:endParaRPr lang="en-US" sz="1350" dirty="0"/>
+          </a:p>
+        </p:txBody>
+      </p:sp>
+      <p:sp>
+        <p:nvSpPr>
+          <p:cNvPr id="6" name="TextBox 5">
+            <a:extLst>
+              <a:ext uri="{FF2B5EF4-FFF2-40B4-BE49-F238E27FC236}">
+                <a16:creationId xmlns:a16="http://schemas.microsoft.com/office/drawing/2014/main" id="{C6572533-EED4-FE22-5895-3F8866DE8827}"/>
+              </a:ext>
+            </a:extLst>
+          </p:cNvPr>
+          <p:cNvSpPr txBox="1"/>
+          <p:nvPr/>
+        </p:nvSpPr>
+        <p:spPr>
+          <a:xfrm>
+            <a:off x="6338369" y="3372627"/>
+            <a:ext cx="2577662" cy="2462213"/>
+          </a:xfrm>
+          <a:prstGeom prst="rect">
+            <a:avLst/>
+          </a:prstGeom>
+          <a:noFill/>
+          <a:ln>
+            <a:solidFill>
+              <a:schemeClr val="tx1"/>
+            </a:solidFill>
+          </a:ln>
+        </p:spPr>
+        <p:txBody>
+          <a:bodyPr wrap="square" rtlCol="0">
+            <a:spAutoFit/>
+          </a:bodyPr>
+          <a:lstStyle/>
+          <a:p>
+            <a:pPr algn="l"/>
+            <a:r>
+              <a:rPr lang="en-AU" sz="1400" b="0" i="1" dirty="0" err="1">
+                <a:solidFill>
+                  <a:srgbClr val="2A2A2A"/>
+                </a:solidFill>
+                <a:effectLst/>
+                <a:latin typeface="Aptos" panose="020B0004020202020204" pitchFamily="34" charset="0"/>
+              </a:rPr>
+              <a:t>Falsey&amp;Walsh</a:t>
+            </a:r>
+            <a:r>
+              <a:rPr lang="en-AU" sz="1400" b="0" i="1" dirty="0">
+                <a:solidFill>
+                  <a:srgbClr val="2A2A2A"/>
+                </a:solidFill>
+                <a:effectLst/>
+                <a:latin typeface="Aptos" panose="020B0004020202020204" pitchFamily="34" charset="0"/>
+              </a:rPr>
+              <a:t> Journal of Medical Virology (2006), 78(11) pp 1493-1497</a:t>
+            </a:r>
+          </a:p>
+          <a:p>
+            <a:pPr algn="l"/>
+            <a:endParaRPr lang="en-AU" sz="1400" i="1" dirty="0"/>
+          </a:p>
+          <a:p>
+            <a:pPr algn="l"/>
+            <a:r>
+              <a:rPr lang="en-AU" sz="1400" dirty="0"/>
+              <a:t>Serum antibody decay in adults following natural respiratory syncytial virus infection</a:t>
+            </a:r>
+          </a:p>
+          <a:p>
+            <a:pPr algn="l"/>
+            <a:endParaRPr lang="en-AU" sz="1400" dirty="0">
+              <a:hlinkClick r:id="rId4"/>
+            </a:endParaRPr>
+          </a:p>
+          <a:p>
+            <a:pPr algn="l"/>
+            <a:r>
+              <a:rPr lang="en-AU" sz="1400" dirty="0">
+                <a:hlinkClick r:id="rId5"/>
+              </a:rPr>
+              <a:t>https://</a:t>
+            </a:r>
+            <a:r>
+              <a:rPr lang="en-AU" sz="1400" dirty="0" err="1">
+                <a:hlinkClick r:id="rId5"/>
+              </a:rPr>
+              <a:t>onlinelibrary.wiley.com</a:t>
+            </a:r>
+            <a:r>
+              <a:rPr lang="en-AU" sz="1400" dirty="0">
+                <a:hlinkClick r:id="rId5"/>
+              </a:rPr>
+              <a:t>/</a:t>
+            </a:r>
+            <a:r>
+              <a:rPr lang="en-AU" sz="1400" dirty="0" err="1">
+                <a:hlinkClick r:id="rId5"/>
+              </a:rPr>
+              <a:t>doi</a:t>
+            </a:r>
+            <a:r>
+              <a:rPr lang="en-AU" sz="1400" dirty="0">
+                <a:hlinkClick r:id="rId5"/>
+              </a:rPr>
+              <a:t>/10.1002/jmv.20724</a:t>
+            </a:r>
+            <a:endParaRPr lang="en-AU" sz="1400" dirty="0"/>
+          </a:p>
+        </p:txBody>
+      </p:sp>
+    </p:spTree>
+    <p:extLst>
+      <p:ext uri="{BB962C8B-B14F-4D97-AF65-F5344CB8AC3E}">
+        <p14:creationId xmlns:p14="http://schemas.microsoft.com/office/powerpoint/2010/main" val="3152870893"/>
+      </p:ext>
+    </p:extLst>
+  </p:cSld>
+  <p:clrMapOvr>
+    <a:masterClrMapping/>
+  </p:clrMapOvr>
+</p:sld>
+</file>
+
+<file path=ppt/slides/slide12.xml><?xml version="1.0" encoding="utf-8"?>
 <p:sld xmlns:a="http://schemas.openxmlformats.org/drawingml/2006/main" xmlns:r="http://schemas.openxmlformats.org/officeDocument/2006/relationships" xmlns:p="http://schemas.openxmlformats.org/presentationml/2006/main">
   <p:cSld>
     <p:spTree>
@@ -3120,14 +4223,21 @@
             <p:ph type="title"/>
           </p:nvPr>
         </p:nvSpPr>
-        <p:spPr/>
-        <p:txBody>
-          <a:bodyPr/>
+        <p:spPr>
+          <a:xfrm>
+            <a:off x="628649" y="365126"/>
+            <a:ext cx="8063405" cy="837509"/>
+          </a:xfrm>
+        </p:spPr>
+        <p:txBody>
+          <a:bodyPr>
+            <a:normAutofit fontScale="90000"/>
+          </a:bodyPr>
           <a:lstStyle/>
           <a:p>
             <a:r>
               <a:rPr lang="en-US" dirty="0"/>
-              <a:t>Human Challenge Studies</a:t>
+              <a:t>Ab Decay in Human Challenge Studies</a:t>
             </a:r>
           </a:p>
         </p:txBody>
@@ -3254,12 +4364,17 @@
         <p:spPr>
           <a:xfrm>
             <a:off x="5664033" y="3506792"/>
-            <a:ext cx="2577662" cy="1815882"/>
+            <a:ext cx="2577662" cy="2677656"/>
           </a:xfrm>
           <a:prstGeom prst="rect">
             <a:avLst/>
           </a:prstGeom>
           <a:noFill/>
+          <a:ln>
+            <a:solidFill>
+              <a:schemeClr val="tx1"/>
+            </a:solidFill>
+          </a:ln>
         </p:spPr>
         <p:txBody>
           <a:bodyPr wrap="square" rtlCol="0">
@@ -3269,9 +4384,24 @@
           <a:p>
             <a:pPr algn="l"/>
             <a:r>
+              <a:rPr lang="en-AU" sz="1400" i="1" dirty="0"/>
+              <a:t>Habibi MS, Am J Respir Crit Care Med, 2015 </a:t>
+            </a:r>
+          </a:p>
+          <a:p>
+            <a:pPr algn="l"/>
+            <a:endParaRPr lang="en-AU" sz="1400" i="1" dirty="0"/>
+          </a:p>
+          <a:p>
+            <a:pPr algn="l"/>
+            <a:r>
               <a:rPr lang="en-AU" sz="1400" dirty="0"/>
               <a:t>Impaired Antibody-mediated Protection and Defective IgA B-Cell Memory in Experimental Infection of Adults with Respiratory Syncytial Virus</a:t>
             </a:r>
+          </a:p>
+          <a:p>
+            <a:pPr algn="l"/>
+            <a:endParaRPr lang="en-AU" sz="1400" dirty="0"/>
           </a:p>
           <a:p>
             <a:pPr algn="l"/>
@@ -3322,7 +4452,484 @@
 </p:sld>
 </file>
 
-<file path=ppt/slides/slide11.xml><?xml version="1.0" encoding="utf-8"?>
+<file path=ppt/slides/slide13.xml><?xml version="1.0" encoding="utf-8"?>
+<p:sld xmlns:a="http://schemas.openxmlformats.org/drawingml/2006/main" xmlns:r="http://schemas.openxmlformats.org/officeDocument/2006/relationships" xmlns:p="http://schemas.openxmlformats.org/presentationml/2006/main">
+  <p:cSld>
+    <p:spTree>
+      <p:nvGrpSpPr>
+        <p:cNvPr id="1" name="">
+          <a:extLst>
+            <a:ext uri="{FF2B5EF4-FFF2-40B4-BE49-F238E27FC236}">
+              <a16:creationId xmlns:a16="http://schemas.microsoft.com/office/drawing/2014/main" id="{66971AA2-46F5-2242-5963-06EE342F0397}"/>
+            </a:ext>
+          </a:extLst>
+        </p:cNvPr>
+        <p:cNvGrpSpPr/>
+        <p:nvPr/>
+      </p:nvGrpSpPr>
+      <p:grpSpPr>
+        <a:xfrm>
+          <a:off x="0" y="0"/>
+          <a:ext cx="0" cy="0"/>
+          <a:chOff x="0" y="0"/>
+          <a:chExt cx="0" cy="0"/>
+        </a:xfrm>
+      </p:grpSpPr>
+      <p:sp>
+        <p:nvSpPr>
+          <p:cNvPr id="2" name="Title 1">
+            <a:extLst>
+              <a:ext uri="{FF2B5EF4-FFF2-40B4-BE49-F238E27FC236}">
+                <a16:creationId xmlns:a16="http://schemas.microsoft.com/office/drawing/2014/main" id="{8724B463-B3C7-F7DA-60BB-7DD2BE30C79E}"/>
+              </a:ext>
+            </a:extLst>
+          </p:cNvPr>
+          <p:cNvSpPr>
+            <a:spLocks noGrp="1"/>
+          </p:cNvSpPr>
+          <p:nvPr>
+            <p:ph type="title"/>
+          </p:nvPr>
+        </p:nvSpPr>
+        <p:spPr/>
+        <p:txBody>
+          <a:bodyPr/>
+          <a:lstStyle/>
+          <a:p>
+            <a:r>
+              <a:rPr lang="en-US" dirty="0"/>
+              <a:t>Human Challenge Studies</a:t>
+            </a:r>
+          </a:p>
+        </p:txBody>
+      </p:sp>
+      <p:sp>
+        <p:nvSpPr>
+          <p:cNvPr id="3" name="Content Placeholder 2">
+            <a:extLst>
+              <a:ext uri="{FF2B5EF4-FFF2-40B4-BE49-F238E27FC236}">
+                <a16:creationId xmlns:a16="http://schemas.microsoft.com/office/drawing/2014/main" id="{C5398F3B-B6F4-8C6B-B68C-7BD614F802C2}"/>
+              </a:ext>
+            </a:extLst>
+          </p:cNvPr>
+          <p:cNvSpPr>
+            <a:spLocks noGrp="1"/>
+          </p:cNvSpPr>
+          <p:nvPr>
+            <p:ph idx="1"/>
+          </p:nvPr>
+        </p:nvSpPr>
+        <p:spPr>
+          <a:xfrm>
+            <a:off x="628650" y="1341783"/>
+            <a:ext cx="8210550" cy="4835180"/>
+          </a:xfrm>
+        </p:spPr>
+        <p:txBody>
+          <a:bodyPr/>
+          <a:lstStyle/>
+          <a:p>
+            <a:r>
+              <a:rPr lang="en-US" dirty="0"/>
+              <a:t>Antibodies might not be the best correlate of protection from acquisition of infection.</a:t>
+            </a:r>
+          </a:p>
+          <a:p>
+            <a:r>
+              <a:rPr lang="en-US" dirty="0"/>
+              <a:t>Human Challenge of healthy individuals, 34/61 (56%) became infected, 23/34 (68%) symptomatic.</a:t>
+            </a:r>
+          </a:p>
+          <a:p>
+            <a:endParaRPr lang="en-US" dirty="0"/>
+          </a:p>
+          <a:p>
+            <a:endParaRPr lang="en-US" dirty="0"/>
+          </a:p>
+          <a:p>
+            <a:pPr marL="0" indent="0">
+              <a:buNone/>
+            </a:pPr>
+            <a:endParaRPr lang="en-US" dirty="0"/>
+          </a:p>
+        </p:txBody>
+      </p:sp>
+      <p:pic>
+        <p:nvPicPr>
+          <p:cNvPr id="4" name="Picture 3">
+            <a:extLst>
+              <a:ext uri="{FF2B5EF4-FFF2-40B4-BE49-F238E27FC236}">
+                <a16:creationId xmlns:a16="http://schemas.microsoft.com/office/drawing/2014/main" id="{ACCB0DD4-9EA5-4EBE-35F0-C9EBA820BD43}"/>
+              </a:ext>
+            </a:extLst>
+          </p:cNvPr>
+          <p:cNvPicPr>
+            <a:picLocks noChangeAspect="1"/>
+          </p:cNvPicPr>
+          <p:nvPr/>
+        </p:nvPicPr>
+        <p:blipFill>
+          <a:blip r:embed="rId2"/>
+          <a:srcRect/>
+          <a:stretch/>
+        </p:blipFill>
+        <p:spPr>
+          <a:xfrm>
+            <a:off x="3391563" y="3140690"/>
+            <a:ext cx="2684724" cy="3717310"/>
+          </a:xfrm>
+          <a:prstGeom prst="rect">
+            <a:avLst/>
+          </a:prstGeom>
+        </p:spPr>
+      </p:pic>
+      <p:sp>
+        <p:nvSpPr>
+          <p:cNvPr id="5" name="TextBox 4">
+            <a:extLst>
+              <a:ext uri="{FF2B5EF4-FFF2-40B4-BE49-F238E27FC236}">
+                <a16:creationId xmlns:a16="http://schemas.microsoft.com/office/drawing/2014/main" id="{0AD1A6FF-C399-FF04-47D0-8729798600D5}"/>
+              </a:ext>
+            </a:extLst>
+          </p:cNvPr>
+          <p:cNvSpPr txBox="1"/>
+          <p:nvPr/>
+        </p:nvSpPr>
+        <p:spPr>
+          <a:xfrm>
+            <a:off x="6076287" y="6492874"/>
+            <a:ext cx="3979968" cy="307777"/>
+          </a:xfrm>
+          <a:prstGeom prst="rect">
+            <a:avLst/>
+          </a:prstGeom>
+          <a:noFill/>
+        </p:spPr>
+        <p:txBody>
+          <a:bodyPr wrap="square" rtlCol="0">
+            <a:spAutoFit/>
+          </a:bodyPr>
+          <a:lstStyle/>
+          <a:p>
+            <a:r>
+              <a:rPr lang="en-AU" sz="1350" dirty="0"/>
+              <a:t>Figure 1</a:t>
+            </a:r>
+            <a:endParaRPr lang="en-US" sz="1350" dirty="0"/>
+          </a:p>
+        </p:txBody>
+      </p:sp>
+      <p:sp>
+        <p:nvSpPr>
+          <p:cNvPr id="7" name="TextBox 6">
+            <a:extLst>
+              <a:ext uri="{FF2B5EF4-FFF2-40B4-BE49-F238E27FC236}">
+                <a16:creationId xmlns:a16="http://schemas.microsoft.com/office/drawing/2014/main" id="{D992DCFD-575B-75A7-ABBA-7B51FC9C6141}"/>
+              </a:ext>
+            </a:extLst>
+          </p:cNvPr>
+          <p:cNvSpPr txBox="1"/>
+          <p:nvPr/>
+        </p:nvSpPr>
+        <p:spPr>
+          <a:xfrm>
+            <a:off x="6300302" y="3538795"/>
+            <a:ext cx="2577662" cy="2677656"/>
+          </a:xfrm>
+          <a:prstGeom prst="rect">
+            <a:avLst/>
+          </a:prstGeom>
+          <a:noFill/>
+          <a:ln>
+            <a:solidFill>
+              <a:schemeClr val="tx1"/>
+            </a:solidFill>
+          </a:ln>
+        </p:spPr>
+        <p:txBody>
+          <a:bodyPr wrap="square" rtlCol="0">
+            <a:spAutoFit/>
+          </a:bodyPr>
+          <a:lstStyle/>
+          <a:p>
+            <a:pPr algn="l"/>
+            <a:r>
+              <a:rPr lang="en-AU" sz="1400" i="1" dirty="0"/>
+              <a:t>Habibi MS, Am J Respir Crit Care Med, 2015 </a:t>
+            </a:r>
+          </a:p>
+          <a:p>
+            <a:pPr algn="l"/>
+            <a:endParaRPr lang="en-AU" sz="1400" i="1" dirty="0"/>
+          </a:p>
+          <a:p>
+            <a:pPr algn="l"/>
+            <a:r>
+              <a:rPr lang="en-AU" sz="1400" dirty="0"/>
+              <a:t>Impaired Antibody-mediated Protection and Defective IgA B-Cell Memory in Experimental Infection of Adults with Respiratory Syncytial Virus</a:t>
+            </a:r>
+          </a:p>
+          <a:p>
+            <a:pPr algn="l"/>
+            <a:endParaRPr lang="en-AU" sz="1400" dirty="0"/>
+          </a:p>
+          <a:p>
+            <a:pPr algn="l"/>
+            <a:r>
+              <a:rPr lang="en-AU" sz="1400" dirty="0">
+                <a:hlinkClick r:id="rId3"/>
+              </a:rPr>
+              <a:t>https://</a:t>
+            </a:r>
+            <a:r>
+              <a:rPr lang="en-AU" sz="1400" dirty="0" err="1">
+                <a:hlinkClick r:id="rId3"/>
+              </a:rPr>
+              <a:t>www.atsjournals.org</a:t>
+            </a:r>
+            <a:r>
+              <a:rPr lang="en-AU" sz="1400" dirty="0">
+                <a:hlinkClick r:id="rId3"/>
+              </a:rPr>
+              <a:t>/</a:t>
+            </a:r>
+            <a:r>
+              <a:rPr lang="en-AU" sz="1400" dirty="0" err="1">
+                <a:hlinkClick r:id="rId3"/>
+              </a:rPr>
+              <a:t>doi</a:t>
+            </a:r>
+            <a:r>
+              <a:rPr lang="en-AU" sz="1400" dirty="0">
+                <a:hlinkClick r:id="rId3"/>
+              </a:rPr>
+              <a:t>/10.1164/rccm.201412-2256OC</a:t>
+            </a:r>
+            <a:endParaRPr lang="en-AU" sz="1400" dirty="0"/>
+          </a:p>
+        </p:txBody>
+      </p:sp>
+      <p:sp>
+        <p:nvSpPr>
+          <p:cNvPr id="8" name="Content Placeholder 2">
+            <a:extLst>
+              <a:ext uri="{FF2B5EF4-FFF2-40B4-BE49-F238E27FC236}">
+                <a16:creationId xmlns:a16="http://schemas.microsoft.com/office/drawing/2014/main" id="{D9EA7C97-EE3E-D546-FCAF-BD2D418538CB}"/>
+              </a:ext>
+            </a:extLst>
+          </p:cNvPr>
+          <p:cNvSpPr txBox="1">
+            <a:spLocks/>
+          </p:cNvSpPr>
+          <p:nvPr/>
+        </p:nvSpPr>
+        <p:spPr>
+          <a:xfrm>
+            <a:off x="628650" y="3027952"/>
+            <a:ext cx="2538898" cy="2332324"/>
+          </a:xfrm>
+          <a:prstGeom prst="rect">
+            <a:avLst/>
+          </a:prstGeom>
+        </p:spPr>
+        <p:txBody>
+          <a:bodyPr vert="horz" lIns="91440" tIns="45720" rIns="91440" bIns="45720" rtlCol="0">
+            <a:noAutofit/>
+          </a:bodyPr>
+          <a:lstStyle>
+            <a:lvl1pPr marL="228600" indent="-228600" algn="l" defTabSz="914400" rtl="0" eaLnBrk="1" latinLnBrk="0" hangingPunct="1">
+              <a:lnSpc>
+                <a:spcPct val="90000"/>
+              </a:lnSpc>
+              <a:spcBef>
+                <a:spcPts val="1000"/>
+              </a:spcBef>
+              <a:buFont typeface="Arial" panose="020B0604020202020204" pitchFamily="34" charset="0"/>
+              <a:buChar char="•"/>
+              <a:defRPr sz="2800" kern="1200">
+                <a:solidFill>
+                  <a:schemeClr val="tx1"/>
+                </a:solidFill>
+                <a:latin typeface="+mn-lt"/>
+                <a:ea typeface="+mn-ea"/>
+                <a:cs typeface="+mn-cs"/>
+              </a:defRPr>
+            </a:lvl1pPr>
+            <a:lvl2pPr marL="685800" indent="-228600" algn="l" defTabSz="914400" rtl="0" eaLnBrk="1" latinLnBrk="0" hangingPunct="1">
+              <a:lnSpc>
+                <a:spcPct val="90000"/>
+              </a:lnSpc>
+              <a:spcBef>
+                <a:spcPts val="500"/>
+              </a:spcBef>
+              <a:buFont typeface="Arial" panose="020B0604020202020204" pitchFamily="34" charset="0"/>
+              <a:buChar char="•"/>
+              <a:defRPr sz="2400" kern="1200">
+                <a:solidFill>
+                  <a:schemeClr val="tx1"/>
+                </a:solidFill>
+                <a:latin typeface="+mn-lt"/>
+                <a:ea typeface="+mn-ea"/>
+                <a:cs typeface="+mn-cs"/>
+              </a:defRPr>
+            </a:lvl2pPr>
+            <a:lvl3pPr marL="1143000" indent="-228600" algn="l" defTabSz="914400" rtl="0" eaLnBrk="1" latinLnBrk="0" hangingPunct="1">
+              <a:lnSpc>
+                <a:spcPct val="90000"/>
+              </a:lnSpc>
+              <a:spcBef>
+                <a:spcPts val="500"/>
+              </a:spcBef>
+              <a:buFont typeface="Arial" panose="020B0604020202020204" pitchFamily="34" charset="0"/>
+              <a:buChar char="•"/>
+              <a:defRPr sz="2000" kern="1200">
+                <a:solidFill>
+                  <a:schemeClr val="tx1"/>
+                </a:solidFill>
+                <a:latin typeface="+mn-lt"/>
+                <a:ea typeface="+mn-ea"/>
+                <a:cs typeface="+mn-cs"/>
+              </a:defRPr>
+            </a:lvl3pPr>
+            <a:lvl4pPr marL="1600200" indent="-228600" algn="l" defTabSz="914400" rtl="0" eaLnBrk="1" latinLnBrk="0" hangingPunct="1">
+              <a:lnSpc>
+                <a:spcPct val="90000"/>
+              </a:lnSpc>
+              <a:spcBef>
+                <a:spcPts val="500"/>
+              </a:spcBef>
+              <a:buFont typeface="Arial" panose="020B0604020202020204" pitchFamily="34" charset="0"/>
+              <a:buChar char="•"/>
+              <a:defRPr sz="1800" kern="1200">
+                <a:solidFill>
+                  <a:schemeClr val="tx1"/>
+                </a:solidFill>
+                <a:latin typeface="+mn-lt"/>
+                <a:ea typeface="+mn-ea"/>
+                <a:cs typeface="+mn-cs"/>
+              </a:defRPr>
+            </a:lvl4pPr>
+            <a:lvl5pPr marL="2057400" indent="-228600" algn="l" defTabSz="914400" rtl="0" eaLnBrk="1" latinLnBrk="0" hangingPunct="1">
+              <a:lnSpc>
+                <a:spcPct val="90000"/>
+              </a:lnSpc>
+              <a:spcBef>
+                <a:spcPts val="500"/>
+              </a:spcBef>
+              <a:buFont typeface="Arial" panose="020B0604020202020204" pitchFamily="34" charset="0"/>
+              <a:buChar char="•"/>
+              <a:defRPr sz="1800" kern="1200">
+                <a:solidFill>
+                  <a:schemeClr val="tx1"/>
+                </a:solidFill>
+                <a:latin typeface="+mn-lt"/>
+                <a:ea typeface="+mn-ea"/>
+                <a:cs typeface="+mn-cs"/>
+              </a:defRPr>
+            </a:lvl5pPr>
+            <a:lvl6pPr marL="2514600" indent="-228600" algn="l" defTabSz="914400" rtl="0" eaLnBrk="1" latinLnBrk="0" hangingPunct="1">
+              <a:lnSpc>
+                <a:spcPct val="90000"/>
+              </a:lnSpc>
+              <a:spcBef>
+                <a:spcPts val="500"/>
+              </a:spcBef>
+              <a:buFont typeface="Arial" panose="020B0604020202020204" pitchFamily="34" charset="0"/>
+              <a:buChar char="•"/>
+              <a:defRPr sz="1800" kern="1200">
+                <a:solidFill>
+                  <a:schemeClr val="tx1"/>
+                </a:solidFill>
+                <a:latin typeface="+mn-lt"/>
+                <a:ea typeface="+mn-ea"/>
+                <a:cs typeface="+mn-cs"/>
+              </a:defRPr>
+            </a:lvl6pPr>
+            <a:lvl7pPr marL="2971800" indent="-228600" algn="l" defTabSz="914400" rtl="0" eaLnBrk="1" latinLnBrk="0" hangingPunct="1">
+              <a:lnSpc>
+                <a:spcPct val="90000"/>
+              </a:lnSpc>
+              <a:spcBef>
+                <a:spcPts val="500"/>
+              </a:spcBef>
+              <a:buFont typeface="Arial" panose="020B0604020202020204" pitchFamily="34" charset="0"/>
+              <a:buChar char="•"/>
+              <a:defRPr sz="1800" kern="1200">
+                <a:solidFill>
+                  <a:schemeClr val="tx1"/>
+                </a:solidFill>
+                <a:latin typeface="+mn-lt"/>
+                <a:ea typeface="+mn-ea"/>
+                <a:cs typeface="+mn-cs"/>
+              </a:defRPr>
+            </a:lvl7pPr>
+            <a:lvl8pPr marL="3429000" indent="-228600" algn="l" defTabSz="914400" rtl="0" eaLnBrk="1" latinLnBrk="0" hangingPunct="1">
+              <a:lnSpc>
+                <a:spcPct val="90000"/>
+              </a:lnSpc>
+              <a:spcBef>
+                <a:spcPts val="500"/>
+              </a:spcBef>
+              <a:buFont typeface="Arial" panose="020B0604020202020204" pitchFamily="34" charset="0"/>
+              <a:buChar char="•"/>
+              <a:defRPr sz="1800" kern="1200">
+                <a:solidFill>
+                  <a:schemeClr val="tx1"/>
+                </a:solidFill>
+                <a:latin typeface="+mn-lt"/>
+                <a:ea typeface="+mn-ea"/>
+                <a:cs typeface="+mn-cs"/>
+              </a:defRPr>
+            </a:lvl8pPr>
+            <a:lvl9pPr marL="3886200" indent="-228600" algn="l" defTabSz="914400" rtl="0" eaLnBrk="1" latinLnBrk="0" hangingPunct="1">
+              <a:lnSpc>
+                <a:spcPct val="90000"/>
+              </a:lnSpc>
+              <a:spcBef>
+                <a:spcPts val="500"/>
+              </a:spcBef>
+              <a:buFont typeface="Arial" panose="020B0604020202020204" pitchFamily="34" charset="0"/>
+              <a:buChar char="•"/>
+              <a:defRPr sz="1800" kern="1200">
+                <a:solidFill>
+                  <a:schemeClr val="tx1"/>
+                </a:solidFill>
+                <a:latin typeface="+mn-lt"/>
+                <a:ea typeface="+mn-ea"/>
+                <a:cs typeface="+mn-cs"/>
+              </a:defRPr>
+            </a:lvl9pPr>
+          </a:lstStyle>
+          <a:p>
+            <a:r>
+              <a:rPr lang="en-US" dirty="0"/>
+              <a:t>Infection diagnosed by PCR positivity on 2 </a:t>
+            </a:r>
+            <a:r>
+              <a:rPr lang="en-US" dirty="0" err="1"/>
+              <a:t>consec</a:t>
+            </a:r>
+            <a:r>
+              <a:rPr lang="en-US" dirty="0"/>
+              <a:t> days.</a:t>
+            </a:r>
+          </a:p>
+        </p:txBody>
+      </p:sp>
+    </p:spTree>
+    <p:extLst>
+      <p:ext uri="{BB962C8B-B14F-4D97-AF65-F5344CB8AC3E}">
+        <p14:creationId xmlns:p14="http://schemas.microsoft.com/office/powerpoint/2010/main" val="2485035758"/>
+      </p:ext>
+    </p:extLst>
+  </p:cSld>
+  <p:clrMapOvr>
+    <a:masterClrMapping/>
+  </p:clrMapOvr>
+</p:sld>
+</file>
+
+<file path=ppt/slides/slide14.xml><?xml version="1.0" encoding="utf-8"?>
 <p:sld xmlns:a="http://schemas.openxmlformats.org/drawingml/2006/main" xmlns:r="http://schemas.openxmlformats.org/officeDocument/2006/relationships" xmlns:p="http://schemas.openxmlformats.org/presentationml/2006/main">
   <p:cSld>
     <p:spTree>
@@ -3401,7 +5008,13 @@
           <a:p>
             <a:r>
               <a:rPr lang="en-US" dirty="0"/>
-              <a:t>LOOK AT Hall The Journal of Infectious Diseases 1991;163:693-698</a:t>
+              <a:t>Natural infection does not provide full protection against reinfection.</a:t>
+            </a:r>
+          </a:p>
+          <a:p>
+            <a:r>
+              <a:rPr lang="en-US" dirty="0"/>
+              <a:t>In a study where subjects were repeatedly challenged with RSV, many of them became reinfected (defined by 4-fold ab ↑ OR isolation)</a:t>
             </a:r>
           </a:p>
           <a:p>
@@ -3415,12 +5028,288 @@
           </a:p>
         </p:txBody>
       </p:sp>
+      <p:sp>
+        <p:nvSpPr>
+          <p:cNvPr id="5" name="TextBox 4">
+            <a:extLst>
+              <a:ext uri="{FF2B5EF4-FFF2-40B4-BE49-F238E27FC236}">
+                <a16:creationId xmlns:a16="http://schemas.microsoft.com/office/drawing/2014/main" id="{A7095DE0-5AC0-B0A2-8CF5-3989E71173C4}"/>
+              </a:ext>
+            </a:extLst>
+          </p:cNvPr>
+          <p:cNvSpPr txBox="1"/>
+          <p:nvPr/>
+        </p:nvSpPr>
+        <p:spPr>
+          <a:xfrm>
+            <a:off x="776184" y="6047155"/>
+            <a:ext cx="3979968" cy="507831"/>
+          </a:xfrm>
+          <a:prstGeom prst="rect">
+            <a:avLst/>
+          </a:prstGeom>
+          <a:noFill/>
+        </p:spPr>
+        <p:txBody>
+          <a:bodyPr wrap="square" rtlCol="0">
+            <a:spAutoFit/>
+          </a:bodyPr>
+          <a:lstStyle/>
+          <a:p>
+            <a:r>
+              <a:rPr lang="en-AU" sz="1350" dirty="0"/>
+              <a:t>Table 1: Proportion infected as detected by viral isolation or antibody rise.</a:t>
+            </a:r>
+            <a:endParaRPr lang="en-US" sz="1350" dirty="0"/>
+          </a:p>
+        </p:txBody>
+      </p:sp>
+      <p:sp>
+        <p:nvSpPr>
+          <p:cNvPr id="6" name="TextBox 5">
+            <a:extLst>
+              <a:ext uri="{FF2B5EF4-FFF2-40B4-BE49-F238E27FC236}">
+                <a16:creationId xmlns:a16="http://schemas.microsoft.com/office/drawing/2014/main" id="{0A67FEA2-A114-4116-4D9E-CFAD665CC056}"/>
+              </a:ext>
+            </a:extLst>
+          </p:cNvPr>
+          <p:cNvSpPr txBox="1"/>
+          <p:nvPr/>
+        </p:nvSpPr>
+        <p:spPr>
+          <a:xfrm>
+            <a:off x="6261992" y="3826872"/>
+            <a:ext cx="2577662" cy="2031325"/>
+          </a:xfrm>
+          <a:prstGeom prst="rect">
+            <a:avLst/>
+          </a:prstGeom>
+          <a:noFill/>
+          <a:ln>
+            <a:solidFill>
+              <a:schemeClr val="tx1"/>
+            </a:solidFill>
+          </a:ln>
+        </p:spPr>
+        <p:txBody>
+          <a:bodyPr wrap="square" rtlCol="0">
+            <a:spAutoFit/>
+          </a:bodyPr>
+          <a:lstStyle/>
+          <a:p>
+            <a:pPr algn="l"/>
+            <a:r>
+              <a:rPr lang="en-AU" sz="1400" i="1" dirty="0"/>
+              <a:t>Hall JID (1991) 163:693-698</a:t>
+            </a:r>
+          </a:p>
+          <a:p>
+            <a:pPr algn="l"/>
+            <a:endParaRPr lang="en-AU" sz="1400" i="1" dirty="0"/>
+          </a:p>
+          <a:p>
+            <a:pPr algn="l"/>
+            <a:r>
+              <a:rPr lang="en-AU" sz="1400" dirty="0"/>
+              <a:t>Immunity to and Frequency of Reinfection with Respiratory Syncytial Virus</a:t>
+            </a:r>
+          </a:p>
+          <a:p>
+            <a:pPr algn="l"/>
+            <a:endParaRPr lang="en-AU" sz="1400" dirty="0">
+              <a:hlinkClick r:id="rId2"/>
+            </a:endParaRPr>
+          </a:p>
+          <a:p>
+            <a:pPr algn="l"/>
+            <a:r>
+              <a:rPr lang="en-AU" sz="1400" dirty="0">
+                <a:hlinkClick r:id="rId2"/>
+              </a:rPr>
+              <a:t>https://academic.oup.com/jid/article-abstract/163/4/693/944323</a:t>
+            </a:r>
+            <a:endParaRPr lang="en-AU" sz="1400" dirty="0"/>
+          </a:p>
+        </p:txBody>
+      </p:sp>
       <p:pic>
         <p:nvPicPr>
-          <p:cNvPr id="4" name="Picture 3">
+          <p:cNvPr id="7" name="Picture 6">
             <a:extLst>
               <a:ext uri="{FF2B5EF4-FFF2-40B4-BE49-F238E27FC236}">
-                <a16:creationId xmlns:a16="http://schemas.microsoft.com/office/drawing/2014/main" id="{6BE632DE-4D8C-D228-91CF-E867BA4B33E4}"/>
+                <a16:creationId xmlns:a16="http://schemas.microsoft.com/office/drawing/2014/main" id="{3B626009-8A7D-27B3-9F68-248F0DBA0862}"/>
+              </a:ext>
+            </a:extLst>
+          </p:cNvPr>
+          <p:cNvPicPr>
+            <a:picLocks noChangeAspect="1"/>
+          </p:cNvPicPr>
+          <p:nvPr/>
+        </p:nvPicPr>
+        <p:blipFill>
+          <a:blip r:embed="rId3"/>
+          <a:stretch>
+            <a:fillRect/>
+          </a:stretch>
+        </p:blipFill>
+        <p:spPr>
+          <a:xfrm>
+            <a:off x="692386" y="3611896"/>
+            <a:ext cx="4907908" cy="2461279"/>
+          </a:xfrm>
+          <a:prstGeom prst="rect">
+            <a:avLst/>
+          </a:prstGeom>
+        </p:spPr>
+      </p:pic>
+    </p:spTree>
+    <p:extLst>
+      <p:ext uri="{BB962C8B-B14F-4D97-AF65-F5344CB8AC3E}">
+        <p14:creationId xmlns:p14="http://schemas.microsoft.com/office/powerpoint/2010/main" val="4233147746"/>
+      </p:ext>
+    </p:extLst>
+  </p:cSld>
+  <p:clrMapOvr>
+    <a:masterClrMapping/>
+  </p:clrMapOvr>
+</p:sld>
+</file>
+
+<file path=ppt/slides/slide15.xml><?xml version="1.0" encoding="utf-8"?>
+<p:sld xmlns:a="http://schemas.openxmlformats.org/drawingml/2006/main" xmlns:r="http://schemas.openxmlformats.org/officeDocument/2006/relationships" xmlns:p="http://schemas.openxmlformats.org/presentationml/2006/main">
+  <p:cSld>
+    <p:spTree>
+      <p:nvGrpSpPr>
+        <p:cNvPr id="1" name="">
+          <a:extLst>
+            <a:ext uri="{FF2B5EF4-FFF2-40B4-BE49-F238E27FC236}">
+              <a16:creationId xmlns:a16="http://schemas.microsoft.com/office/drawing/2014/main" id="{F666E60E-FFA8-2C2F-94D7-06CEF3622D14}"/>
+            </a:ext>
+          </a:extLst>
+        </p:cNvPr>
+        <p:cNvGrpSpPr/>
+        <p:nvPr/>
+      </p:nvGrpSpPr>
+      <p:grpSpPr>
+        <a:xfrm>
+          <a:off x="0" y="0"/>
+          <a:ext cx="0" cy="0"/>
+          <a:chOff x="0" y="0"/>
+          <a:chExt cx="0" cy="0"/>
+        </a:xfrm>
+      </p:grpSpPr>
+      <p:sp>
+        <p:nvSpPr>
+          <p:cNvPr id="2" name="Title 1">
+            <a:extLst>
+              <a:ext uri="{FF2B5EF4-FFF2-40B4-BE49-F238E27FC236}">
+                <a16:creationId xmlns:a16="http://schemas.microsoft.com/office/drawing/2014/main" id="{D583976C-78B4-95C9-06F1-7B3BB1C84FE6}"/>
+              </a:ext>
+            </a:extLst>
+          </p:cNvPr>
+          <p:cNvSpPr>
+            <a:spLocks noGrp="1"/>
+          </p:cNvSpPr>
+          <p:nvPr>
+            <p:ph type="title"/>
+          </p:nvPr>
+        </p:nvSpPr>
+        <p:spPr/>
+        <p:txBody>
+          <a:bodyPr/>
+          <a:lstStyle/>
+          <a:p>
+            <a:r>
+              <a:rPr lang="en-US" dirty="0"/>
+              <a:t>Human Challenge Studies</a:t>
+            </a:r>
+          </a:p>
+        </p:txBody>
+      </p:sp>
+      <p:sp>
+        <p:nvSpPr>
+          <p:cNvPr id="3" name="Content Placeholder 2">
+            <a:extLst>
+              <a:ext uri="{FF2B5EF4-FFF2-40B4-BE49-F238E27FC236}">
+                <a16:creationId xmlns:a16="http://schemas.microsoft.com/office/drawing/2014/main" id="{8592F9F1-11A3-3DFC-C9A8-D574DF03AFC1}"/>
+              </a:ext>
+            </a:extLst>
+          </p:cNvPr>
+          <p:cNvSpPr>
+            <a:spLocks noGrp="1"/>
+          </p:cNvSpPr>
+          <p:nvPr>
+            <p:ph idx="1"/>
+          </p:nvPr>
+        </p:nvSpPr>
+        <p:spPr>
+          <a:xfrm>
+            <a:off x="628649" y="1341783"/>
+            <a:ext cx="8410247" cy="4835180"/>
+          </a:xfrm>
+        </p:spPr>
+        <p:txBody>
+          <a:bodyPr/>
+          <a:lstStyle/>
+          <a:p>
+            <a:r>
+              <a:rPr lang="en-US" dirty="0"/>
+              <a:t>Antibodies correlate with both infection and symptoms</a:t>
+            </a:r>
+          </a:p>
+          <a:p>
+            <a:endParaRPr lang="en-US" dirty="0"/>
+          </a:p>
+          <a:p>
+            <a:pPr marL="0" indent="0">
+              <a:buNone/>
+            </a:pPr>
+            <a:endParaRPr lang="en-US" dirty="0"/>
+          </a:p>
+        </p:txBody>
+      </p:sp>
+      <p:sp>
+        <p:nvSpPr>
+          <p:cNvPr id="5" name="TextBox 4">
+            <a:extLst>
+              <a:ext uri="{FF2B5EF4-FFF2-40B4-BE49-F238E27FC236}">
+                <a16:creationId xmlns:a16="http://schemas.microsoft.com/office/drawing/2014/main" id="{A7095DE0-5AC0-B0A2-8CF5-3989E71173C4}"/>
+              </a:ext>
+            </a:extLst>
+          </p:cNvPr>
+          <p:cNvSpPr txBox="1"/>
+          <p:nvPr/>
+        </p:nvSpPr>
+        <p:spPr>
+          <a:xfrm>
+            <a:off x="999988" y="4085991"/>
+            <a:ext cx="3979968" cy="300082"/>
+          </a:xfrm>
+          <a:prstGeom prst="rect">
+            <a:avLst/>
+          </a:prstGeom>
+          <a:noFill/>
+        </p:spPr>
+        <p:txBody>
+          <a:bodyPr wrap="square" rtlCol="0">
+            <a:spAutoFit/>
+          </a:bodyPr>
+          <a:lstStyle/>
+          <a:p>
+            <a:r>
+              <a:rPr lang="en-AU" sz="1350" dirty="0"/>
+              <a:t>Table 3: Antibody levels</a:t>
+            </a:r>
+            <a:endParaRPr lang="en-US" sz="1350" dirty="0"/>
+          </a:p>
+        </p:txBody>
+      </p:sp>
+      <p:pic>
+        <p:nvPicPr>
+          <p:cNvPr id="7" name="Picture 6">
+            <a:extLst>
+              <a:ext uri="{FF2B5EF4-FFF2-40B4-BE49-F238E27FC236}">
+                <a16:creationId xmlns:a16="http://schemas.microsoft.com/office/drawing/2014/main" id="{3B626009-8A7D-27B3-9F68-248F0DBA0862}"/>
               </a:ext>
             </a:extLst>
           </p:cNvPr>
@@ -3436,20 +5325,50 @@
         </p:blipFill>
         <p:spPr>
           <a:xfrm>
-            <a:off x="1332374" y="2197496"/>
-            <a:ext cx="2998660" cy="4295378"/>
+            <a:off x="996510" y="2167766"/>
+            <a:ext cx="6865227" cy="1918225"/>
           </a:xfrm>
           <a:prstGeom prst="rect">
             <a:avLst/>
           </a:prstGeom>
         </p:spPr>
       </p:pic>
-      <p:sp>
-        <p:nvSpPr>
-          <p:cNvPr id="5" name="TextBox 4">
+      <p:pic>
+        <p:nvPicPr>
+          <p:cNvPr id="4" name="Picture 3">
             <a:extLst>
               <a:ext uri="{FF2B5EF4-FFF2-40B4-BE49-F238E27FC236}">
-                <a16:creationId xmlns:a16="http://schemas.microsoft.com/office/drawing/2014/main" id="{A7095DE0-5AC0-B0A2-8CF5-3989E71173C4}"/>
+                <a16:creationId xmlns:a16="http://schemas.microsoft.com/office/drawing/2014/main" id="{43093C96-BECC-2AC8-B846-D4FA531A5D9B}"/>
+              </a:ext>
+            </a:extLst>
+          </p:cNvPr>
+          <p:cNvPicPr>
+            <a:picLocks noChangeAspect="1"/>
+          </p:cNvPicPr>
+          <p:nvPr/>
+        </p:nvPicPr>
+        <p:blipFill>
+          <a:blip r:embed="rId3"/>
+          <a:stretch>
+            <a:fillRect/>
+          </a:stretch>
+        </p:blipFill>
+        <p:spPr>
+          <a:xfrm>
+            <a:off x="1327962" y="4386073"/>
+            <a:ext cx="3864147" cy="2407056"/>
+          </a:xfrm>
+          <a:prstGeom prst="rect">
+            <a:avLst/>
+          </a:prstGeom>
+        </p:spPr>
+      </p:pic>
+      <p:sp>
+        <p:nvSpPr>
+          <p:cNvPr id="9" name="TextBox 8">
+            <a:extLst>
+              <a:ext uri="{FF2B5EF4-FFF2-40B4-BE49-F238E27FC236}">
+                <a16:creationId xmlns:a16="http://schemas.microsoft.com/office/drawing/2014/main" id="{52F79800-91EC-0F3C-4424-791A629982C4}"/>
               </a:ext>
             </a:extLst>
           </p:cNvPr>
@@ -3458,13 +5377,18 @@
         </p:nvSpPr>
         <p:spPr>
           <a:xfrm>
-            <a:off x="1196597" y="6338985"/>
-            <a:ext cx="3979968" cy="307777"/>
+            <a:off x="5891422" y="4386073"/>
+            <a:ext cx="2577662" cy="2031325"/>
           </a:xfrm>
           <a:prstGeom prst="rect">
             <a:avLst/>
           </a:prstGeom>
           <a:noFill/>
+          <a:ln>
+            <a:solidFill>
+              <a:schemeClr val="tx1"/>
+            </a:solidFill>
+          </a:ln>
         </p:spPr>
         <p:txBody>
           <a:bodyPr wrap="square" rtlCol="0">
@@ -3472,79 +5396,36 @@
           </a:bodyPr>
           <a:lstStyle/>
           <a:p>
-            <a:r>
-              <a:rPr lang="en-AU" sz="1350" dirty="0"/>
-              <a:t>Figure 2</a:t>
-            </a:r>
-            <a:endParaRPr lang="en-US" sz="1350" dirty="0"/>
-          </a:p>
-        </p:txBody>
-      </p:sp>
-      <p:sp>
-        <p:nvSpPr>
-          <p:cNvPr id="6" name="TextBox 5">
-            <a:extLst>
-              <a:ext uri="{FF2B5EF4-FFF2-40B4-BE49-F238E27FC236}">
-                <a16:creationId xmlns:a16="http://schemas.microsoft.com/office/drawing/2014/main" id="{0A67FEA2-A114-4116-4D9E-CFAD665CC056}"/>
-              </a:ext>
-            </a:extLst>
-          </p:cNvPr>
-          <p:cNvSpPr txBox="1"/>
-          <p:nvPr/>
-        </p:nvSpPr>
-        <p:spPr>
-          <a:xfrm>
-            <a:off x="5664033" y="3506792"/>
-            <a:ext cx="2577662" cy="1815882"/>
-          </a:xfrm>
-          <a:prstGeom prst="rect">
-            <a:avLst/>
-          </a:prstGeom>
-          <a:noFill/>
-        </p:spPr>
-        <p:txBody>
-          <a:bodyPr wrap="square" rtlCol="0">
-            <a:spAutoFit/>
-          </a:bodyPr>
-          <a:lstStyle/>
-          <a:p>
             <a:pPr algn="l"/>
             <a:r>
+              <a:rPr lang="en-AU" sz="1400" i="1" dirty="0"/>
+              <a:t>Hall JID (1991) 163:693-698</a:t>
+            </a:r>
+          </a:p>
+          <a:p>
+            <a:pPr algn="l"/>
+            <a:endParaRPr lang="en-AU" sz="1400" i="1" dirty="0"/>
+          </a:p>
+          <a:p>
+            <a:pPr algn="l"/>
+            <a:r>
               <a:rPr lang="en-AU" sz="1400" dirty="0"/>
-              <a:t>Impaired Antibody-mediated Protection and Defective IgA B-Cell Memory in Experimental Infection of Adults with Respiratory Syncytial Virus</a:t>
+              <a:t>Immunity to and Frequency of Reinfection with Respiratory Syncytial Virus</a:t>
             </a:r>
           </a:p>
           <a:p>
             <a:pPr algn="l"/>
+            <a:endParaRPr lang="en-AU" sz="1400" dirty="0">
+              <a:hlinkClick r:id="rId4"/>
+            </a:endParaRPr>
+          </a:p>
+          <a:p>
+            <a:pPr algn="l"/>
             <a:r>
               <a:rPr lang="en-AU" sz="1400" dirty="0">
-                <a:hlinkClick r:id="rId3"/>
-              </a:rPr>
-              <a:t>https://</a:t>
-            </a:r>
-            <a:r>
-              <a:rPr lang="en-AU" sz="1400" dirty="0" err="1">
-                <a:hlinkClick r:id="rId3"/>
-              </a:rPr>
-              <a:t>www.atsjournals.org</a:t>
-            </a:r>
-            <a:r>
-              <a:rPr lang="en-AU" sz="1400" dirty="0">
-                <a:hlinkClick r:id="rId3"/>
-              </a:rPr>
-              <a:t>/</a:t>
-            </a:r>
-            <a:r>
-              <a:rPr lang="en-AU" sz="1400" dirty="0" err="1">
-                <a:hlinkClick r:id="rId3"/>
-              </a:rPr>
-              <a:t>doi</a:t>
-            </a:r>
-            <a:r>
-              <a:rPr lang="en-AU" sz="1400" dirty="0">
-                <a:hlinkClick r:id="rId3"/>
-              </a:rPr>
-              <a:t>/10.1164/rccm.201412-2256OC</a:t>
+                <a:hlinkClick r:id="rId4"/>
+              </a:rPr>
+              <a:t>https://academic.oup.com/jid/article-abstract/163/4/693/944323</a:t>
             </a:r>
             <a:endParaRPr lang="en-AU" sz="1400" dirty="0"/>
           </a:p>
@@ -3553,7 +5434,7 @@
     </p:spTree>
     <p:extLst>
       <p:ext uri="{BB962C8B-B14F-4D97-AF65-F5344CB8AC3E}">
-        <p14:creationId xmlns:p14="http://schemas.microsoft.com/office/powerpoint/2010/main" val="4233147746"/>
+        <p14:creationId xmlns:p14="http://schemas.microsoft.com/office/powerpoint/2010/main" val="2419012913"/>
       </p:ext>
     </p:extLst>
   </p:cSld>
@@ -3683,13 +5564,18 @@
         </p:nvSpPr>
         <p:spPr>
           <a:xfrm>
-            <a:off x="4991371" y="4473743"/>
-            <a:ext cx="2577662" cy="2169825"/>
+            <a:off x="5243619" y="3025307"/>
+            <a:ext cx="2577662" cy="3000821"/>
           </a:xfrm>
           <a:prstGeom prst="rect">
             <a:avLst/>
           </a:prstGeom>
           <a:noFill/>
+          <a:ln>
+            <a:solidFill>
+              <a:schemeClr val="tx1"/>
+            </a:solidFill>
+          </a:ln>
         </p:spPr>
         <p:txBody>
           <a:bodyPr wrap="square" rtlCol="0">
@@ -3698,6 +5584,19 @@
           <a:lstStyle/>
           <a:p>
             <a:r>
+              <a:rPr lang="en-AU" sz="1350" dirty="0"/>
+              <a:t>Cox, </a:t>
+            </a:r>
+            <a:r>
+              <a:rPr lang="en-AU" sz="1350" i="1" dirty="0"/>
+              <a:t>Journal of Medical Virology (1998) 55:234–239</a:t>
+            </a:r>
+          </a:p>
+          <a:p>
+            <a:endParaRPr lang="en-AU" sz="1350" i="1" dirty="0"/>
+          </a:p>
+          <a:p>
+            <a:r>
               <a:rPr lang="en-AU" sz="1350" dirty="0" err="1"/>
               <a:t>Seroepidemiological</a:t>
             </a:r>
@@ -3705,6 +5604,9 @@
               <a:rPr lang="en-AU" sz="1350" dirty="0"/>
               <a:t> Study of Respiratory Syncytial Virus in Sao Paulo State, Brazil</a:t>
             </a:r>
+          </a:p>
+          <a:p>
+            <a:endParaRPr lang="en-AU" sz="1350" dirty="0"/>
           </a:p>
           <a:p>
             <a:r>
@@ -3844,114 +5746,6 @@
           </a:p>
         </p:txBody>
       </p:sp>
-      <p:sp>
-        <p:nvSpPr>
-          <p:cNvPr id="8" name="TextBox 7">
-            <a:extLst>
-              <a:ext uri="{FF2B5EF4-FFF2-40B4-BE49-F238E27FC236}">
-                <a16:creationId xmlns:a16="http://schemas.microsoft.com/office/drawing/2014/main" id="{CC93AE9E-41B8-1089-93C5-B8E768288C41}"/>
-              </a:ext>
-            </a:extLst>
-          </p:cNvPr>
-          <p:cNvSpPr txBox="1"/>
-          <p:nvPr/>
-        </p:nvSpPr>
-        <p:spPr>
-          <a:xfrm>
-            <a:off x="1313001" y="6031209"/>
-            <a:ext cx="6729384" cy="923330"/>
-          </a:xfrm>
-          <a:prstGeom prst="rect">
-            <a:avLst/>
-          </a:prstGeom>
-          <a:noFill/>
-        </p:spPr>
-        <p:txBody>
-          <a:bodyPr wrap="square" rtlCol="0">
-            <a:spAutoFit/>
-          </a:bodyPr>
-          <a:lstStyle/>
-          <a:p>
-            <a:r>
-              <a:rPr lang="en-AU" sz="1350" dirty="0">
-                <a:solidFill>
-                  <a:srgbClr val="000000"/>
-                </a:solidFill>
-                <a:effectLst/>
-                <a:latin typeface="Aptos" panose="020B0004020202020204" pitchFamily="34" charset="0"/>
-              </a:rPr>
-              <a:t>Burden of paediatric respiratory syncytial virus disease and potential effect of different immunisation strategies: a modelling and cost-effectiveness analysis for England</a:t>
-            </a:r>
-          </a:p>
-          <a:p>
-            <a:r>
-              <a:rPr lang="en-AU" sz="1350" dirty="0">
-                <a:solidFill>
-                  <a:srgbClr val="000000"/>
-                </a:solidFill>
-                <a:effectLst/>
-                <a:latin typeface="Aptos" panose="020B0004020202020204" pitchFamily="34" charset="0"/>
-                <a:hlinkClick r:id="rId2"/>
-              </a:rPr>
-              <a:t>https://</a:t>
-            </a:r>
-            <a:r>
-              <a:rPr lang="en-AU" sz="1350" dirty="0" err="1">
-                <a:solidFill>
-                  <a:srgbClr val="000000"/>
-                </a:solidFill>
-                <a:effectLst/>
-                <a:latin typeface="Aptos" panose="020B0004020202020204" pitchFamily="34" charset="0"/>
-                <a:hlinkClick r:id="rId2"/>
-              </a:rPr>
-              <a:t>www.sciencedirect.com</a:t>
-            </a:r>
-            <a:r>
-              <a:rPr lang="en-AU" sz="1350" dirty="0">
-                <a:solidFill>
-                  <a:srgbClr val="000000"/>
-                </a:solidFill>
-                <a:effectLst/>
-                <a:latin typeface="Aptos" panose="020B0004020202020204" pitchFamily="34" charset="0"/>
-                <a:hlinkClick r:id="rId2"/>
-              </a:rPr>
-              <a:t>/science/article/</a:t>
-            </a:r>
-            <a:r>
-              <a:rPr lang="en-AU" sz="1350" dirty="0" err="1">
-                <a:solidFill>
-                  <a:srgbClr val="000000"/>
-                </a:solidFill>
-                <a:effectLst/>
-                <a:latin typeface="Aptos" panose="020B0004020202020204" pitchFamily="34" charset="0"/>
-                <a:hlinkClick r:id="rId2"/>
-              </a:rPr>
-              <a:t>pii</a:t>
-            </a:r>
-            <a:r>
-              <a:rPr lang="en-AU" sz="1350" dirty="0">
-                <a:solidFill>
-                  <a:srgbClr val="000000"/>
-                </a:solidFill>
-                <a:effectLst/>
-                <a:latin typeface="Aptos" panose="020B0004020202020204" pitchFamily="34" charset="0"/>
-                <a:hlinkClick r:id="rId2"/>
-              </a:rPr>
-              <a:t>/S2468266717301032</a:t>
-            </a:r>
-            <a:endParaRPr lang="en-AU" sz="1350" dirty="0">
-              <a:solidFill>
-                <a:srgbClr val="000000"/>
-              </a:solidFill>
-              <a:effectLst/>
-              <a:latin typeface="Aptos" panose="020B0004020202020204" pitchFamily="34" charset="0"/>
-            </a:endParaRPr>
-          </a:p>
-          <a:p>
-            <a:endParaRPr lang="en-US" sz="1350" dirty="0"/>
-          </a:p>
-        </p:txBody>
-      </p:sp>
       <p:pic>
         <p:nvPicPr>
           <p:cNvPr id="2" name="Picture 1">
@@ -3967,15 +5761,15 @@
           <p:nvPr/>
         </p:nvPicPr>
         <p:blipFill>
-          <a:blip r:embed="rId3"/>
+          <a:blip r:embed="rId2"/>
           <a:stretch>
             <a:fillRect/>
           </a:stretch>
         </p:blipFill>
         <p:spPr>
           <a:xfrm>
-            <a:off x="959070" y="2739320"/>
-            <a:ext cx="7772400" cy="3137482"/>
+            <a:off x="980091" y="2536145"/>
+            <a:ext cx="7535259" cy="3041755"/>
           </a:xfrm>
           <a:prstGeom prst="rect">
             <a:avLst/>
@@ -3996,7 +5790,7 @@
         </p:nvSpPr>
         <p:spPr>
           <a:xfrm>
-            <a:off x="959070" y="2756338"/>
+            <a:off x="980091" y="2462797"/>
             <a:ext cx="3079531" cy="2375338"/>
           </a:xfrm>
           <a:prstGeom prst="rect">
@@ -4035,6 +5829,149 @@
           <a:p>
             <a:pPr algn="ctr"/>
             <a:endParaRPr lang="en-US"/>
+          </a:p>
+        </p:txBody>
+      </p:sp>
+      <p:sp>
+        <p:nvSpPr>
+          <p:cNvPr id="8" name="TextBox 7">
+            <a:extLst>
+              <a:ext uri="{FF2B5EF4-FFF2-40B4-BE49-F238E27FC236}">
+                <a16:creationId xmlns:a16="http://schemas.microsoft.com/office/drawing/2014/main" id="{CC93AE9E-41B8-1089-93C5-B8E768288C41}"/>
+              </a:ext>
+            </a:extLst>
+          </p:cNvPr>
+          <p:cNvSpPr txBox="1"/>
+          <p:nvPr/>
+        </p:nvSpPr>
+        <p:spPr>
+          <a:xfrm>
+            <a:off x="1207308" y="5577900"/>
+            <a:ext cx="6729384" cy="1284967"/>
+          </a:xfrm>
+          <a:prstGeom prst="rect">
+            <a:avLst/>
+          </a:prstGeom>
+          <a:noFill/>
+          <a:ln>
+            <a:solidFill>
+              <a:schemeClr val="tx1"/>
+            </a:solidFill>
+          </a:ln>
+        </p:spPr>
+        <p:txBody>
+          <a:bodyPr wrap="square" rtlCol="0">
+            <a:spAutoFit/>
+          </a:bodyPr>
+          <a:lstStyle/>
+          <a:p>
+            <a:r>
+              <a:rPr lang="en-AU" sz="1350" i="1" dirty="0">
+                <a:solidFill>
+                  <a:srgbClr val="000000"/>
+                </a:solidFill>
+                <a:effectLst/>
+                <a:latin typeface="Aptos" panose="020B0004020202020204" pitchFamily="34" charset="0"/>
+              </a:rPr>
+              <a:t>Cromer, Lancet ID (2017) 2(8) ppe367-e374</a:t>
+            </a:r>
+          </a:p>
+          <a:p>
+            <a:endParaRPr lang="en-AU" sz="500" i="1" dirty="0">
+              <a:solidFill>
+                <a:srgbClr val="000000"/>
+              </a:solidFill>
+              <a:effectLst/>
+              <a:latin typeface="Aptos" panose="020B0004020202020204" pitchFamily="34" charset="0"/>
+            </a:endParaRPr>
+          </a:p>
+          <a:p>
+            <a:r>
+              <a:rPr lang="en-AU" sz="1350" dirty="0">
+                <a:solidFill>
+                  <a:srgbClr val="000000"/>
+                </a:solidFill>
+                <a:effectLst/>
+                <a:latin typeface="Aptos" panose="020B0004020202020204" pitchFamily="34" charset="0"/>
+              </a:rPr>
+              <a:t>Burden of paediatric respiratory syncytial virus disease and potential effect of different immunisation strategies: a modelling and cost-effectiveness analysis for England</a:t>
+            </a:r>
+          </a:p>
+          <a:p>
+            <a:endParaRPr lang="en-AU" sz="500" dirty="0">
+              <a:solidFill>
+                <a:srgbClr val="000000"/>
+              </a:solidFill>
+              <a:effectLst/>
+              <a:latin typeface="Aptos" panose="020B0004020202020204" pitchFamily="34" charset="0"/>
+            </a:endParaRPr>
+          </a:p>
+          <a:p>
+            <a:r>
+              <a:rPr lang="en-AU" sz="1350" dirty="0">
+                <a:solidFill>
+                  <a:srgbClr val="000000"/>
+                </a:solidFill>
+                <a:effectLst/>
+                <a:latin typeface="Aptos" panose="020B0004020202020204" pitchFamily="34" charset="0"/>
+                <a:hlinkClick r:id="rId3"/>
+              </a:rPr>
+              <a:t>https://</a:t>
+            </a:r>
+            <a:r>
+              <a:rPr lang="en-AU" sz="1350" dirty="0" err="1">
+                <a:solidFill>
+                  <a:srgbClr val="000000"/>
+                </a:solidFill>
+                <a:effectLst/>
+                <a:latin typeface="Aptos" panose="020B0004020202020204" pitchFamily="34" charset="0"/>
+                <a:hlinkClick r:id="rId3"/>
+              </a:rPr>
+              <a:t>www.sciencedirect.com</a:t>
+            </a:r>
+            <a:r>
+              <a:rPr lang="en-AU" sz="1350" dirty="0">
+                <a:solidFill>
+                  <a:srgbClr val="000000"/>
+                </a:solidFill>
+                <a:effectLst/>
+                <a:latin typeface="Aptos" panose="020B0004020202020204" pitchFamily="34" charset="0"/>
+                <a:hlinkClick r:id="rId3"/>
+              </a:rPr>
+              <a:t>/science/article/</a:t>
+            </a:r>
+            <a:r>
+              <a:rPr lang="en-AU" sz="1350" dirty="0" err="1">
+                <a:solidFill>
+                  <a:srgbClr val="000000"/>
+                </a:solidFill>
+                <a:effectLst/>
+                <a:latin typeface="Aptos" panose="020B0004020202020204" pitchFamily="34" charset="0"/>
+                <a:hlinkClick r:id="rId3"/>
+              </a:rPr>
+              <a:t>pii</a:t>
+            </a:r>
+            <a:r>
+              <a:rPr lang="en-AU" sz="1350" dirty="0">
+                <a:solidFill>
+                  <a:srgbClr val="000000"/>
+                </a:solidFill>
+                <a:effectLst/>
+                <a:latin typeface="Aptos" panose="020B0004020202020204" pitchFamily="34" charset="0"/>
+                <a:hlinkClick r:id="rId3"/>
+              </a:rPr>
+              <a:t>/S2468266717301032</a:t>
+            </a:r>
+            <a:endParaRPr lang="en-AU" sz="1350" dirty="0">
+              <a:solidFill>
+                <a:srgbClr val="000000"/>
+              </a:solidFill>
+              <a:effectLst/>
+              <a:latin typeface="Aptos" panose="020B0004020202020204" pitchFamily="34" charset="0"/>
+            </a:endParaRPr>
+          </a:p>
+          <a:p>
+            <a:endParaRPr lang="en-US" sz="1350" dirty="0"/>
           </a:p>
         </p:txBody>
       </p:sp>
@@ -4097,7 +6034,7 @@
           <a:p>
             <a:r>
               <a:rPr lang="en-US" dirty="0"/>
-              <a:t>Antibodies in Infants</a:t>
+              <a:t>Antibodies in Infants (decay)</a:t>
             </a:r>
           </a:p>
         </p:txBody>
@@ -4176,13 +6113,18 @@
         </p:nvSpPr>
         <p:spPr>
           <a:xfrm>
-            <a:off x="4991371" y="4473743"/>
-            <a:ext cx="2577662" cy="1338828"/>
+            <a:off x="5516888" y="2876171"/>
+            <a:ext cx="2577662" cy="2377574"/>
           </a:xfrm>
           <a:prstGeom prst="rect">
             <a:avLst/>
           </a:prstGeom>
           <a:noFill/>
+          <a:ln>
+            <a:solidFill>
+              <a:schemeClr val="tx1"/>
+            </a:solidFill>
+          </a:ln>
         </p:spPr>
         <p:txBody>
           <a:bodyPr wrap="square" rtlCol="0">
@@ -4191,42 +6133,38 @@
           <a:lstStyle/>
           <a:p>
             <a:r>
+              <a:rPr lang="en-AU" sz="1350" i="1" dirty="0"/>
+              <a:t>Sande … </a:t>
+            </a:r>
+            <a:r>
+              <a:rPr lang="en-AU" sz="1350" i="1" dirty="0" err="1"/>
+              <a:t>Nokes</a:t>
+            </a:r>
+            <a:r>
+              <a:rPr lang="en-AU" sz="1350" i="1" dirty="0"/>
+              <a:t>, Journal of Medical Virology (2013) 85:2020–2025 </a:t>
+            </a:r>
+          </a:p>
+          <a:p>
+            <a:endParaRPr lang="en-AU" sz="1350" dirty="0"/>
+          </a:p>
+          <a:p>
+            <a:r>
               <a:rPr lang="en-AU" sz="1350" dirty="0"/>
               <a:t>Kinetics of the Neutralizing Antibody Response to Respiratory Syncytial Virus Infections in a Birth Cohort</a:t>
             </a:r>
           </a:p>
           <a:p>
-            <a:r>
-              <a:rPr lang="en-US" sz="1350" dirty="0">
+            <a:endParaRPr lang="en-AU" sz="1350" dirty="0"/>
+          </a:p>
+          <a:p>
+            <a:r>
+              <a:rPr lang="en-AU" sz="1350" dirty="0">
                 <a:hlinkClick r:id="rId3"/>
               </a:rPr>
-              <a:t>https://</a:t>
-            </a:r>
-            <a:r>
-              <a:rPr lang="en-US" sz="1350" dirty="0" err="1">
-                <a:hlinkClick r:id="rId3"/>
-              </a:rPr>
-              <a:t>onlinelibrary.wiley.com</a:t>
-            </a:r>
-            <a:r>
-              <a:rPr lang="en-US" sz="1350" dirty="0">
-                <a:hlinkClick r:id="rId3"/>
-              </a:rPr>
-              <a:t>/</a:t>
-            </a:r>
-            <a:r>
-              <a:rPr lang="en-US" sz="1350" dirty="0" err="1">
-                <a:hlinkClick r:id="rId3"/>
-              </a:rPr>
-              <a:t>doi</a:t>
-            </a:r>
-            <a:r>
-              <a:rPr lang="en-US" sz="1350" dirty="0">
-                <a:hlinkClick r:id="rId3"/>
-              </a:rPr>
-              <a:t>/10.1002/jmv.23696</a:t>
-            </a:r>
-            <a:endParaRPr lang="en-US" sz="1350" dirty="0"/>
+              <a:t>https://onlinelibrary.wiley.com/doi/full/10.1002/jmv.23696</a:t>
+            </a:r>
+            <a:endParaRPr lang="en-AU" sz="1350" dirty="0"/>
           </a:p>
         </p:txBody>
       </p:sp>
@@ -4409,13 +6347,18 @@
         </p:nvSpPr>
         <p:spPr>
           <a:xfrm>
-            <a:off x="420414" y="6202094"/>
-            <a:ext cx="8829967" cy="507831"/>
+            <a:off x="366216" y="5964391"/>
+            <a:ext cx="7886700" cy="869469"/>
           </a:xfrm>
           <a:prstGeom prst="rect">
             <a:avLst/>
           </a:prstGeom>
           <a:noFill/>
+          <a:ln>
+            <a:solidFill>
+              <a:schemeClr val="tx1"/>
+            </a:solidFill>
+          </a:ln>
         </p:spPr>
         <p:txBody>
           <a:bodyPr wrap="square" rtlCol="0">
@@ -4424,42 +6367,40 @@
           <a:lstStyle/>
           <a:p>
             <a:r>
+              <a:rPr lang="en-AU" sz="1350" i="1" dirty="0"/>
+              <a:t>Sande … </a:t>
+            </a:r>
+            <a:r>
+              <a:rPr lang="en-AU" sz="1350" i="1" dirty="0" err="1"/>
+              <a:t>Nokes</a:t>
+            </a:r>
+            <a:r>
+              <a:rPr lang="en-AU" sz="1350" i="1" dirty="0"/>
+              <a:t>, Journal of Medical Virology (2013) 85:2020–2025 </a:t>
+            </a:r>
+          </a:p>
+          <a:p>
+            <a:endParaRPr lang="en-AU" sz="500" i="1" dirty="0"/>
+          </a:p>
+          <a:p>
+            <a:r>
               <a:rPr lang="en-AU" sz="1350" dirty="0"/>
               <a:t>Kinetics of the Neutralizing Antibody Response to Respiratory Syncytial Virus Infections in a Birth Cohort</a:t>
             </a:r>
           </a:p>
           <a:p>
-            <a:r>
-              <a:rPr lang="en-US" sz="1350" dirty="0">
+            <a:endParaRPr lang="en-AU" sz="500" dirty="0">
+              <a:hlinkClick r:id="rId3"/>
+            </a:endParaRPr>
+          </a:p>
+          <a:p>
+            <a:r>
+              <a:rPr lang="en-AU" sz="1350" dirty="0">
                 <a:hlinkClick r:id="rId3"/>
               </a:rPr>
-              <a:t>https://</a:t>
-            </a:r>
-            <a:r>
-              <a:rPr lang="en-US" sz="1350" dirty="0" err="1">
-                <a:hlinkClick r:id="rId3"/>
-              </a:rPr>
-              <a:t>onlinelibrary.wiley.com</a:t>
-            </a:r>
-            <a:r>
-              <a:rPr lang="en-US" sz="1350" dirty="0">
-                <a:hlinkClick r:id="rId3"/>
-              </a:rPr>
-              <a:t>/</a:t>
-            </a:r>
-            <a:r>
-              <a:rPr lang="en-US" sz="1350" dirty="0" err="1">
-                <a:hlinkClick r:id="rId3"/>
-              </a:rPr>
-              <a:t>doi</a:t>
-            </a:r>
-            <a:r>
-              <a:rPr lang="en-US" sz="1350" dirty="0">
-                <a:hlinkClick r:id="rId3"/>
-              </a:rPr>
-              <a:t>/10.1002/jmv.23696</a:t>
-            </a:r>
-            <a:endParaRPr lang="en-US" sz="1350" dirty="0"/>
+              <a:t>https://onlinelibrary.wiley.com/doi/full/10.1002/jmv.23696</a:t>
+            </a:r>
+            <a:endParaRPr lang="en-AU" sz="1350" dirty="0"/>
           </a:p>
         </p:txBody>
       </p:sp>
@@ -4583,7 +6524,13 @@
   <p:cSld>
     <p:spTree>
       <p:nvGrpSpPr>
-        <p:cNvPr id="1" name=""/>
+        <p:cNvPr id="1" name="">
+          <a:extLst>
+            <a:ext uri="{FF2B5EF4-FFF2-40B4-BE49-F238E27FC236}">
+              <a16:creationId xmlns:a16="http://schemas.microsoft.com/office/drawing/2014/main" id="{499FDBB3-B711-D0F1-DC53-0C792E3E2E60}"/>
+            </a:ext>
+          </a:extLst>
+        </p:cNvPr>
         <p:cNvGrpSpPr/>
         <p:nvPr/>
       </p:nvGrpSpPr>
@@ -4600,7 +6547,7 @@
           <p:cNvPr id="2" name="Title 1">
             <a:extLst>
               <a:ext uri="{FF2B5EF4-FFF2-40B4-BE49-F238E27FC236}">
-                <a16:creationId xmlns:a16="http://schemas.microsoft.com/office/drawing/2014/main" id="{43C5470D-628E-AF25-6FBB-F6484547EB1A}"/>
+                <a16:creationId xmlns:a16="http://schemas.microsoft.com/office/drawing/2014/main" id="{87EBBAD8-E1B4-CC12-0D49-6B0665281D73}"/>
               </a:ext>
             </a:extLst>
           </p:cNvPr>
@@ -4628,7 +6575,7 @@
           <p:cNvPr id="3" name="Content Placeholder 2">
             <a:extLst>
               <a:ext uri="{FF2B5EF4-FFF2-40B4-BE49-F238E27FC236}">
-                <a16:creationId xmlns:a16="http://schemas.microsoft.com/office/drawing/2014/main" id="{F7E2E09A-C719-79A0-C5B2-84EA7E505F1C}"/>
+                <a16:creationId xmlns:a16="http://schemas.microsoft.com/office/drawing/2014/main" id="{1A8B202E-25B7-6765-829D-67788379C38E}"/>
               </a:ext>
             </a:extLst>
           </p:cNvPr>
@@ -4646,7 +6593,15 @@
           <a:p>
             <a:r>
               <a:rPr lang="en-US" dirty="0"/>
-              <a:t>May not decay as much over time</a:t>
+              <a:t>Does not seem to be a big difference in Ab </a:t>
+            </a:r>
+            <a:r>
+              <a:rPr lang="en-US" dirty="0" err="1"/>
+              <a:t>titres</a:t>
+            </a:r>
+            <a:r>
+              <a:rPr lang="en-US" dirty="0"/>
+              <a:t> between young and older adults</a:t>
             </a:r>
           </a:p>
           <a:p>
@@ -4665,7 +6620,7 @@
           <p:cNvPr id="4" name="Picture 3">
             <a:extLst>
               <a:ext uri="{FF2B5EF4-FFF2-40B4-BE49-F238E27FC236}">
-                <a16:creationId xmlns:a16="http://schemas.microsoft.com/office/drawing/2014/main" id="{F437C865-3DEE-5173-0B65-56D730AFF0B3}"/>
+                <a16:creationId xmlns:a16="http://schemas.microsoft.com/office/drawing/2014/main" id="{7F7EFE20-1B70-5263-FC01-E35D156118BC}"/>
               </a:ext>
             </a:extLst>
           </p:cNvPr>
@@ -4676,14 +6631,13 @@
         </p:nvPicPr>
         <p:blipFill>
           <a:blip r:embed="rId2"/>
-          <a:stretch>
-            <a:fillRect/>
-          </a:stretch>
+          <a:srcRect/>
+          <a:stretch/>
         </p:blipFill>
         <p:spPr>
           <a:xfrm>
-            <a:off x="528688" y="2014839"/>
-            <a:ext cx="4861690" cy="3412934"/>
+            <a:off x="638368" y="2301546"/>
+            <a:ext cx="4669356" cy="3684338"/>
           </a:xfrm>
           <a:prstGeom prst="rect">
             <a:avLst/>
@@ -4695,7 +6649,7 @@
           <p:cNvPr id="5" name="TextBox 4">
             <a:extLst>
               <a:ext uri="{FF2B5EF4-FFF2-40B4-BE49-F238E27FC236}">
-                <a16:creationId xmlns:a16="http://schemas.microsoft.com/office/drawing/2014/main" id="{0AE03B78-38A5-964B-AF4A-F06ABE530D3C}"/>
+                <a16:creationId xmlns:a16="http://schemas.microsoft.com/office/drawing/2014/main" id="{7E68CD93-689A-9BFE-DB4A-A3F9CF8F38A9}"/>
               </a:ext>
             </a:extLst>
           </p:cNvPr>
@@ -4704,8 +6658,8 @@
         </p:nvSpPr>
         <p:spPr>
           <a:xfrm>
-            <a:off x="1017921" y="5566921"/>
-            <a:ext cx="3979968" cy="507831"/>
+            <a:off x="1039987" y="5927535"/>
+            <a:ext cx="3006496" cy="307777"/>
           </a:xfrm>
           <a:prstGeom prst="rect">
             <a:avLst/>
@@ -4720,13 +6674,45 @@
           <a:p>
             <a:r>
               <a:rPr lang="en-AU" sz="1350" dirty="0"/>
-              <a:t>Figure 1: Antibodies </a:t>
-            </a:r>
-          </a:p>
-          <a:p>
-            <a:r>
-              <a:rPr lang="en-AU" sz="1350" dirty="0"/>
-              <a:t>V1 is at end of RSV season, V2 is 4-6 months later</a:t>
+              <a:t>Figure 1: Abs in </a:t>
+            </a:r>
+            <a:r>
+              <a:rPr lang="en-AU" sz="1400" dirty="0">
+                <a:solidFill>
+                  <a:srgbClr val="1F1F1F"/>
+                </a:solidFill>
+                <a:latin typeface="ElsevierGulliver"/>
+              </a:rPr>
+              <a:t>y</a:t>
+            </a:r>
+            <a:r>
+              <a:rPr lang="en-AU" sz="1400" b="0" i="0" dirty="0">
+                <a:solidFill>
+                  <a:srgbClr val="1F1F1F"/>
+                </a:solidFill>
+                <a:effectLst/>
+                <a:latin typeface="ElsevierGulliver"/>
+              </a:rPr>
+              <a:t>oung vs </a:t>
+            </a:r>
+            <a:r>
+              <a:rPr lang="en-AU" sz="1400" dirty="0">
+                <a:solidFill>
+                  <a:srgbClr val="1F1F1F"/>
+                </a:solidFill>
+                <a:latin typeface="ElsevierGulliver"/>
+              </a:rPr>
+              <a:t>o</a:t>
+            </a:r>
+            <a:r>
+              <a:rPr lang="en-AU" sz="1400" b="0" i="0" dirty="0">
+                <a:solidFill>
+                  <a:srgbClr val="1F1F1F"/>
+                </a:solidFill>
+                <a:effectLst/>
+                <a:latin typeface="ElsevierGulliver"/>
+              </a:rPr>
+              <a:t>ld adults</a:t>
             </a:r>
             <a:endParaRPr lang="en-US" sz="1350" dirty="0"/>
           </a:p>
@@ -4737,7 +6723,7 @@
           <p:cNvPr id="6" name="TextBox 5">
             <a:extLst>
               <a:ext uri="{FF2B5EF4-FFF2-40B4-BE49-F238E27FC236}">
-                <a16:creationId xmlns:a16="http://schemas.microsoft.com/office/drawing/2014/main" id="{698FBD35-ED71-199C-16CB-E1FC59784594}"/>
+                <a16:creationId xmlns:a16="http://schemas.microsoft.com/office/drawing/2014/main" id="{C6572533-EED4-FE22-5895-3F8866DE8827}"/>
               </a:ext>
             </a:extLst>
           </p:cNvPr>
@@ -4746,13 +6732,18 @@
         </p:nvSpPr>
         <p:spPr>
           <a:xfrm>
-            <a:off x="5664033" y="3506792"/>
-            <a:ext cx="2577662" cy="1338828"/>
+            <a:off x="6084447" y="2868717"/>
+            <a:ext cx="2577662" cy="2462213"/>
           </a:xfrm>
           <a:prstGeom prst="rect">
             <a:avLst/>
           </a:prstGeom>
           <a:noFill/>
+          <a:ln>
+            <a:solidFill>
+              <a:schemeClr val="tx1"/>
+            </a:solidFill>
+          </a:ln>
         </p:spPr>
         <p:txBody>
           <a:bodyPr wrap="square" rtlCol="0">
@@ -4760,29 +6751,104 @@
           </a:bodyPr>
           <a:lstStyle/>
           <a:p>
-            <a:r>
-              <a:rPr lang="en-AU" sz="1350" dirty="0"/>
-              <a:t>Humoral and cellular immunity to RSV in infants, children and adults</a:t>
-            </a:r>
-            <a:endParaRPr lang="en-AU" sz="1350" dirty="0">
+            <a:pPr algn="l"/>
+            <a:r>
+              <a:rPr lang="en-AU" sz="1400" b="0" i="1" dirty="0" err="1">
+                <a:solidFill>
+                  <a:srgbClr val="2A2A2A"/>
+                </a:solidFill>
+                <a:effectLst/>
+                <a:latin typeface="Aptos" panose="020B0004020202020204" pitchFamily="34" charset="0"/>
+              </a:rPr>
+              <a:t>Cherukuri</a:t>
+            </a:r>
+            <a:r>
+              <a:rPr lang="en-AU" sz="1400" b="0" i="1" dirty="0">
+                <a:solidFill>
+                  <a:srgbClr val="2A2A2A"/>
+                </a:solidFill>
+                <a:effectLst/>
+                <a:latin typeface="Aptos" panose="020B0004020202020204" pitchFamily="34" charset="0"/>
+              </a:rPr>
+              <a:t> CVI, (2012</a:t>
+            </a:r>
+            <a:r>
+              <a:rPr lang="en-AU" sz="1400" i="1" dirty="0">
+                <a:solidFill>
+                  <a:srgbClr val="2A2A2A"/>
+                </a:solidFill>
+                <a:latin typeface="Aptos" panose="020B0004020202020204" pitchFamily="34" charset="0"/>
+              </a:rPr>
+              <a:t>)</a:t>
+            </a:r>
+            <a:r>
+              <a:rPr lang="en-AU" sz="1400" b="0" i="1" dirty="0">
+                <a:solidFill>
+                  <a:srgbClr val="2A2A2A"/>
+                </a:solidFill>
+                <a:effectLst/>
+                <a:latin typeface="Aptos" panose="020B0004020202020204" pitchFamily="34" charset="0"/>
+              </a:rPr>
+              <a:t> 20(2) pp 239-247</a:t>
+            </a:r>
+          </a:p>
+          <a:p>
+            <a:pPr algn="l"/>
+            <a:endParaRPr lang="en-AU" sz="1400" i="1" dirty="0"/>
+          </a:p>
+          <a:p>
+            <a:pPr algn="l"/>
+            <a:r>
+              <a:rPr lang="en-AU" sz="1400" dirty="0"/>
+              <a:t>Adults 65 Years Old and Older Have Reduced Numbers of Functional Memory T-cells to Respiratory Syncytial Virus Fusion Protein</a:t>
+            </a:r>
+          </a:p>
+          <a:p>
+            <a:pPr algn="l"/>
+            <a:endParaRPr lang="en-AU" sz="1400" dirty="0">
               <a:hlinkClick r:id="rId3"/>
             </a:endParaRPr>
           </a:p>
           <a:p>
-            <a:r>
-              <a:rPr lang="en-AU" sz="1350" dirty="0">
-                <a:hlinkClick r:id="rId3"/>
-              </a:rPr>
-              <a:t>https://www.sciencedirect.com/science/article/pii/S0264410X1831185X</a:t>
-            </a:r>
-            <a:endParaRPr lang="en-AU" sz="1350" dirty="0"/>
+            <a:pPr algn="l"/>
+            <a:r>
+              <a:rPr lang="en-AU" sz="1400" dirty="0">
+                <a:hlinkClick r:id="rId4"/>
+              </a:rPr>
+              <a:t>https://</a:t>
+            </a:r>
+            <a:r>
+              <a:rPr lang="en-AU" sz="1400" dirty="0" err="1">
+                <a:hlinkClick r:id="rId4"/>
+              </a:rPr>
+              <a:t>journals.asm.org</a:t>
+            </a:r>
+            <a:r>
+              <a:rPr lang="en-AU" sz="1400" dirty="0">
+                <a:hlinkClick r:id="rId4"/>
+              </a:rPr>
+              <a:t>/</a:t>
+            </a:r>
+            <a:r>
+              <a:rPr lang="en-AU" sz="1400" dirty="0" err="1">
+                <a:hlinkClick r:id="rId4"/>
+              </a:rPr>
+              <a:t>doi</a:t>
+            </a:r>
+            <a:r>
+              <a:rPr lang="en-AU" sz="1400" dirty="0">
+                <a:hlinkClick r:id="rId4"/>
+              </a:rPr>
+              <a:t>/10.1128/cvi.00580-12</a:t>
+            </a:r>
+            <a:endParaRPr lang="en-AU" sz="1400" dirty="0"/>
           </a:p>
         </p:txBody>
       </p:sp>
     </p:spTree>
     <p:extLst>
       <p:ext uri="{BB962C8B-B14F-4D97-AF65-F5344CB8AC3E}">
-        <p14:creationId xmlns:p14="http://schemas.microsoft.com/office/powerpoint/2010/main" val="132402760"/>
+        <p14:creationId xmlns:p14="http://schemas.microsoft.com/office/powerpoint/2010/main" val="2933706678"/>
       </p:ext>
     </p:extLst>
   </p:cSld>
@@ -4800,7 +6866,7 @@
         <p:cNvPr id="1" name="">
           <a:extLst>
             <a:ext uri="{FF2B5EF4-FFF2-40B4-BE49-F238E27FC236}">
-              <a16:creationId xmlns:a16="http://schemas.microsoft.com/office/drawing/2014/main" id="{D88248E0-9B0F-9998-9524-A48CA0F760AD}"/>
+              <a16:creationId xmlns:a16="http://schemas.microsoft.com/office/drawing/2014/main" id="{499FDBB3-B711-D0F1-DC53-0C792E3E2E60}"/>
             </a:ext>
           </a:extLst>
         </p:cNvPr>
@@ -4820,7 +6886,7 @@
           <p:cNvPr id="2" name="Title 1">
             <a:extLst>
               <a:ext uri="{FF2B5EF4-FFF2-40B4-BE49-F238E27FC236}">
-                <a16:creationId xmlns:a16="http://schemas.microsoft.com/office/drawing/2014/main" id="{173426B8-0F9E-9A6B-5C1B-FF21DC499CB3}"/>
+                <a16:creationId xmlns:a16="http://schemas.microsoft.com/office/drawing/2014/main" id="{87EBBAD8-E1B4-CC12-0D49-6B0665281D73}"/>
               </a:ext>
             </a:extLst>
           </p:cNvPr>
@@ -4848,7 +6914,7 @@
           <p:cNvPr id="3" name="Content Placeholder 2">
             <a:extLst>
               <a:ext uri="{FF2B5EF4-FFF2-40B4-BE49-F238E27FC236}">
-                <a16:creationId xmlns:a16="http://schemas.microsoft.com/office/drawing/2014/main" id="{540CC8BA-E385-A2F9-DF3E-2735747000B0}"/>
+                <a16:creationId xmlns:a16="http://schemas.microsoft.com/office/drawing/2014/main" id="{1A8B202E-25B7-6765-829D-67788379C38E}"/>
               </a:ext>
             </a:extLst>
           </p:cNvPr>
@@ -4866,7 +6932,7 @@
           <a:p>
             <a:r>
               <a:rPr lang="en-US" dirty="0"/>
-              <a:t>This is contradicted by the fact that the maternal antibodies in cord blood change relative to the RSV season</a:t>
+              <a:t>However there are differences in RSV specific T-cells</a:t>
             </a:r>
           </a:p>
           <a:p>
@@ -4885,7 +6951,7 @@
           <p:cNvPr id="4" name="Picture 3">
             <a:extLst>
               <a:ext uri="{FF2B5EF4-FFF2-40B4-BE49-F238E27FC236}">
-                <a16:creationId xmlns:a16="http://schemas.microsoft.com/office/drawing/2014/main" id="{9A80F924-047D-36E2-5FE0-574C185F85C5}"/>
+                <a16:creationId xmlns:a16="http://schemas.microsoft.com/office/drawing/2014/main" id="{7F7EFE20-1B70-5263-FC01-E35D156118BC}"/>
               </a:ext>
             </a:extLst>
           </p:cNvPr>
@@ -4901,8 +6967,8 @@
         </p:blipFill>
         <p:spPr>
           <a:xfrm>
-            <a:off x="858048" y="2963252"/>
-            <a:ext cx="4431530" cy="3111500"/>
+            <a:off x="628650" y="2200723"/>
+            <a:ext cx="4078094" cy="3258834"/>
           </a:xfrm>
           <a:prstGeom prst="rect">
             <a:avLst/>
@@ -4914,7 +6980,7 @@
           <p:cNvPr id="5" name="TextBox 4">
             <a:extLst>
               <a:ext uri="{FF2B5EF4-FFF2-40B4-BE49-F238E27FC236}">
-                <a16:creationId xmlns:a16="http://schemas.microsoft.com/office/drawing/2014/main" id="{84F0CCDE-97F3-4D37-A510-BFB27C0C4BD2}"/>
+                <a16:creationId xmlns:a16="http://schemas.microsoft.com/office/drawing/2014/main" id="{7E68CD93-689A-9BFE-DB4A-A3F9CF8F38A9}"/>
               </a:ext>
             </a:extLst>
           </p:cNvPr>
@@ -4923,8 +6989,8 @@
         </p:nvSpPr>
         <p:spPr>
           <a:xfrm>
-            <a:off x="1196597" y="6176439"/>
-            <a:ext cx="3979968" cy="523220"/>
+            <a:off x="628650" y="5459557"/>
+            <a:ext cx="4372842" cy="1169551"/>
           </a:xfrm>
           <a:prstGeom prst="rect">
             <a:avLst/>
@@ -4938,8 +7004,10 @@
           <a:lstStyle/>
           <a:p>
             <a:r>
-              <a:rPr lang="en-AU" sz="1350" dirty="0"/>
-              <a:t>Figure 4: </a:t>
+              <a:rPr lang="en-AU" sz="1400" dirty="0">
+                <a:latin typeface="Aptos" panose="020B0004020202020204" pitchFamily="34" charset="0"/>
+              </a:rPr>
+              <a:t>Figure 3: </a:t>
             </a:r>
             <a:r>
               <a:rPr lang="en-AU" sz="1400" b="0" i="0" dirty="0">
@@ -4947,11 +7015,868 @@
                   <a:srgbClr val="1F1F1F"/>
                 </a:solidFill>
                 <a:effectLst/>
-                <a:latin typeface="ElsevierGulliver"/>
-              </a:rPr>
-              <a:t>Dynamics of cord titres by time and transmission intensity.</a:t>
-            </a:r>
-            <a:endParaRPr lang="en-US" sz="1350" dirty="0"/>
+                <a:latin typeface="Aptos" panose="020B0004020202020204" pitchFamily="34" charset="0"/>
+              </a:rPr>
+              <a:t>PBMC stimulated ex-vivo using</a:t>
+            </a:r>
+          </a:p>
+          <a:p>
+            <a:r>
+              <a:rPr lang="en-AU" sz="1400" dirty="0">
+                <a:solidFill>
+                  <a:srgbClr val="1F1F1F"/>
+                </a:solidFill>
+                <a:latin typeface="Aptos" panose="020B0004020202020204" pitchFamily="34" charset="0"/>
+              </a:rPr>
+              <a:t>A) </a:t>
+            </a:r>
+            <a:r>
+              <a:rPr lang="en-US" sz="1400" spc="-10" dirty="0" err="1">
+                <a:solidFill>
+                  <a:srgbClr val="231F20"/>
+                </a:solidFill>
+                <a:effectLst/>
+                <a:latin typeface="Aptos" panose="020B0004020202020204" pitchFamily="34" charset="0"/>
+                <a:ea typeface="Times New Roman" panose="02020603050405020304" pitchFamily="18" charset="0"/>
+              </a:rPr>
+              <a:t>wt</a:t>
+            </a:r>
+            <a:r>
+              <a:rPr lang="en-US" sz="1400" spc="-40" dirty="0">
+                <a:solidFill>
+                  <a:srgbClr val="231F20"/>
+                </a:solidFill>
+                <a:effectLst/>
+                <a:latin typeface="Aptos" panose="020B0004020202020204" pitchFamily="34" charset="0"/>
+                <a:ea typeface="Times New Roman" panose="02020603050405020304" pitchFamily="18" charset="0"/>
+              </a:rPr>
+              <a:t> </a:t>
+            </a:r>
+            <a:r>
+              <a:rPr lang="en-US" sz="1400" spc="-10" dirty="0">
+                <a:solidFill>
+                  <a:srgbClr val="231F20"/>
+                </a:solidFill>
+                <a:effectLst/>
+                <a:latin typeface="Aptos" panose="020B0004020202020204" pitchFamily="34" charset="0"/>
+                <a:ea typeface="Times New Roman" panose="02020603050405020304" pitchFamily="18" charset="0"/>
+              </a:rPr>
+              <a:t>RSV</a:t>
+            </a:r>
+            <a:r>
+              <a:rPr lang="en-US" sz="1400" spc="-40" dirty="0">
+                <a:solidFill>
+                  <a:srgbClr val="231F20"/>
+                </a:solidFill>
+                <a:effectLst/>
+                <a:latin typeface="Aptos" panose="020B0004020202020204" pitchFamily="34" charset="0"/>
+                <a:ea typeface="Times New Roman" panose="02020603050405020304" pitchFamily="18" charset="0"/>
+              </a:rPr>
+              <a:t> </a:t>
+            </a:r>
+            <a:r>
+              <a:rPr lang="en-US" sz="1400" spc="-10" dirty="0">
+                <a:solidFill>
+                  <a:srgbClr val="231F20"/>
+                </a:solidFill>
+                <a:effectLst/>
+                <a:latin typeface="Aptos" panose="020B0004020202020204" pitchFamily="34" charset="0"/>
+                <a:ea typeface="Times New Roman" panose="02020603050405020304" pitchFamily="18" charset="0"/>
+              </a:rPr>
+              <a:t>A2</a:t>
+            </a:r>
+            <a:r>
+              <a:rPr lang="en-US" sz="1400" spc="-40" dirty="0">
+                <a:solidFill>
+                  <a:srgbClr val="231F20"/>
+                </a:solidFill>
+                <a:effectLst/>
+                <a:latin typeface="Aptos" panose="020B0004020202020204" pitchFamily="34" charset="0"/>
+                <a:ea typeface="Times New Roman" panose="02020603050405020304" pitchFamily="18" charset="0"/>
+              </a:rPr>
+              <a:t> </a:t>
+            </a:r>
+            <a:r>
+              <a:rPr lang="en-US" sz="1400" spc="-10" dirty="0">
+                <a:solidFill>
+                  <a:srgbClr val="231F20"/>
+                </a:solidFill>
+                <a:effectLst/>
+                <a:latin typeface="Aptos" panose="020B0004020202020204" pitchFamily="34" charset="0"/>
+                <a:ea typeface="Times New Roman" panose="02020603050405020304" pitchFamily="18" charset="0"/>
+              </a:rPr>
+              <a:t>at</a:t>
+            </a:r>
+            <a:r>
+              <a:rPr lang="en-US" sz="1400" spc="-40" dirty="0">
+                <a:solidFill>
+                  <a:srgbClr val="231F20"/>
+                </a:solidFill>
+                <a:effectLst/>
+                <a:latin typeface="Aptos" panose="020B0004020202020204" pitchFamily="34" charset="0"/>
+                <a:ea typeface="Times New Roman" panose="02020603050405020304" pitchFamily="18" charset="0"/>
+              </a:rPr>
+              <a:t> </a:t>
+            </a:r>
+            <a:r>
+              <a:rPr lang="en-US" sz="1400" spc="-10" dirty="0">
+                <a:solidFill>
+                  <a:srgbClr val="231F20"/>
+                </a:solidFill>
+                <a:effectLst/>
+                <a:latin typeface="Aptos" panose="020B0004020202020204" pitchFamily="34" charset="0"/>
+                <a:ea typeface="Times New Roman" panose="02020603050405020304" pitchFamily="18" charset="0"/>
+              </a:rPr>
+              <a:t>1</a:t>
+            </a:r>
+            <a:r>
+              <a:rPr lang="en-US" sz="1400" spc="-40" dirty="0">
+                <a:solidFill>
+                  <a:srgbClr val="231F20"/>
+                </a:solidFill>
+                <a:effectLst/>
+                <a:latin typeface="Aptos" panose="020B0004020202020204" pitchFamily="34" charset="0"/>
+                <a:ea typeface="Times New Roman" panose="02020603050405020304" pitchFamily="18" charset="0"/>
+              </a:rPr>
+              <a:t> </a:t>
+            </a:r>
+            <a:r>
+              <a:rPr lang="en-US" sz="1400" spc="-10" dirty="0">
+                <a:solidFill>
+                  <a:srgbClr val="231F20"/>
+                </a:solidFill>
+                <a:effectLst/>
+                <a:latin typeface="Aptos" panose="020B0004020202020204" pitchFamily="34" charset="0"/>
+                <a:ea typeface="Times New Roman" panose="02020603050405020304" pitchFamily="18" charset="0"/>
+              </a:rPr>
+              <a:t>PFU/10</a:t>
+            </a:r>
+            <a:r>
+              <a:rPr lang="en-US" sz="1400" spc="-40" dirty="0">
+                <a:solidFill>
+                  <a:srgbClr val="231F20"/>
+                </a:solidFill>
+                <a:effectLst/>
+                <a:latin typeface="Aptos" panose="020B0004020202020204" pitchFamily="34" charset="0"/>
+                <a:ea typeface="Times New Roman" panose="02020603050405020304" pitchFamily="18" charset="0"/>
+              </a:rPr>
+              <a:t> </a:t>
+            </a:r>
+            <a:r>
+              <a:rPr lang="en-US" sz="1400" spc="-10" dirty="0">
+                <a:solidFill>
+                  <a:srgbClr val="231F20"/>
+                </a:solidFill>
+                <a:effectLst/>
+                <a:latin typeface="Aptos" panose="020B0004020202020204" pitchFamily="34" charset="0"/>
+                <a:ea typeface="Times New Roman" panose="02020603050405020304" pitchFamily="18" charset="0"/>
+              </a:rPr>
+              <a:t>cells</a:t>
+            </a:r>
+            <a:r>
+              <a:rPr lang="en-US" sz="1400" spc="-40" dirty="0">
+                <a:solidFill>
+                  <a:srgbClr val="231F20"/>
+                </a:solidFill>
+                <a:effectLst/>
+                <a:latin typeface="Aptos" panose="020B0004020202020204" pitchFamily="34" charset="0"/>
+                <a:ea typeface="Times New Roman" panose="02020603050405020304" pitchFamily="18" charset="0"/>
+              </a:rPr>
+              <a:t> </a:t>
+            </a:r>
+          </a:p>
+          <a:p>
+            <a:r>
+              <a:rPr lang="en-US" sz="1400" spc="-10" dirty="0">
+                <a:solidFill>
+                  <a:srgbClr val="231F20"/>
+                </a:solidFill>
+                <a:effectLst/>
+                <a:latin typeface="Aptos" panose="020B0004020202020204" pitchFamily="34" charset="0"/>
+                <a:ea typeface="Times New Roman" panose="02020603050405020304" pitchFamily="18" charset="0"/>
+              </a:rPr>
+              <a:t>B)</a:t>
+            </a:r>
+            <a:r>
+              <a:rPr lang="en-US" sz="1400" spc="-40" dirty="0">
+                <a:solidFill>
+                  <a:srgbClr val="231F20"/>
+                </a:solidFill>
+                <a:effectLst/>
+                <a:latin typeface="Aptos" panose="020B0004020202020204" pitchFamily="34" charset="0"/>
+                <a:ea typeface="Times New Roman" panose="02020603050405020304" pitchFamily="18" charset="0"/>
+              </a:rPr>
+              <a:t> </a:t>
+            </a:r>
+            <a:r>
+              <a:rPr lang="en-US" sz="1400" spc="-10" dirty="0">
+                <a:solidFill>
+                  <a:srgbClr val="231F20"/>
+                </a:solidFill>
+                <a:effectLst/>
+                <a:latin typeface="Aptos" panose="020B0004020202020204" pitchFamily="34" charset="0"/>
+                <a:ea typeface="Times New Roman" panose="02020603050405020304" pitchFamily="18" charset="0"/>
+              </a:rPr>
+              <a:t>5</a:t>
+            </a:r>
+            <a:r>
+              <a:rPr lang="en-US" sz="1400" spc="-40" dirty="0">
+                <a:solidFill>
+                  <a:srgbClr val="231F20"/>
+                </a:solidFill>
+                <a:effectLst/>
+                <a:latin typeface="Aptos" panose="020B0004020202020204" pitchFamily="34" charset="0"/>
+                <a:ea typeface="Times New Roman" panose="02020603050405020304" pitchFamily="18" charset="0"/>
+              </a:rPr>
+              <a:t> </a:t>
+            </a:r>
+            <a:r>
+              <a:rPr lang="en-US" sz="1400" spc="-10" dirty="0">
+                <a:solidFill>
+                  <a:srgbClr val="231F20"/>
+                </a:solidFill>
+                <a:effectLst/>
+                <a:latin typeface="Aptos" panose="020B0004020202020204" pitchFamily="34" charset="0"/>
+                <a:ea typeface="Times New Roman" panose="02020603050405020304" pitchFamily="18" charset="0"/>
+              </a:rPr>
+              <a:t>µg/ml</a:t>
+            </a:r>
+            <a:r>
+              <a:rPr lang="en-US" sz="1400" spc="-40" dirty="0">
+                <a:solidFill>
+                  <a:srgbClr val="231F20"/>
+                </a:solidFill>
+                <a:effectLst/>
+                <a:latin typeface="Aptos" panose="020B0004020202020204" pitchFamily="34" charset="0"/>
+                <a:ea typeface="Times New Roman" panose="02020603050405020304" pitchFamily="18" charset="0"/>
+              </a:rPr>
+              <a:t> </a:t>
+            </a:r>
+            <a:r>
+              <a:rPr lang="en-US" sz="1400" spc="-10" dirty="0">
+                <a:solidFill>
+                  <a:srgbClr val="231F20"/>
+                </a:solidFill>
+                <a:effectLst/>
+                <a:latin typeface="Aptos" panose="020B0004020202020204" pitchFamily="34" charset="0"/>
+                <a:ea typeface="Times New Roman" panose="02020603050405020304" pitchFamily="18" charset="0"/>
+              </a:rPr>
+              <a:t>of</a:t>
+            </a:r>
+            <a:r>
+              <a:rPr lang="en-US" sz="1400" spc="-40" dirty="0">
+                <a:solidFill>
+                  <a:srgbClr val="231F20"/>
+                </a:solidFill>
+                <a:effectLst/>
+                <a:latin typeface="Aptos" panose="020B0004020202020204" pitchFamily="34" charset="0"/>
+                <a:ea typeface="Times New Roman" panose="02020603050405020304" pitchFamily="18" charset="0"/>
+              </a:rPr>
+              <a:t> </a:t>
+            </a:r>
+            <a:r>
+              <a:rPr lang="en-US" sz="1400" spc="-10" dirty="0">
+                <a:solidFill>
+                  <a:srgbClr val="231F20"/>
+                </a:solidFill>
+                <a:effectLst/>
+                <a:latin typeface="Aptos" panose="020B0004020202020204" pitchFamily="34" charset="0"/>
+                <a:ea typeface="Times New Roman" panose="02020603050405020304" pitchFamily="18" charset="0"/>
+              </a:rPr>
+              <a:t>RSV</a:t>
+            </a:r>
+            <a:r>
+              <a:rPr lang="en-US" sz="1400" spc="-40" dirty="0">
+                <a:solidFill>
+                  <a:srgbClr val="231F20"/>
+                </a:solidFill>
+                <a:effectLst/>
+                <a:latin typeface="Aptos" panose="020B0004020202020204" pitchFamily="34" charset="0"/>
+                <a:ea typeface="Times New Roman" panose="02020603050405020304" pitchFamily="18" charset="0"/>
+              </a:rPr>
+              <a:t> </a:t>
+            </a:r>
+            <a:r>
+              <a:rPr lang="en-US" sz="1400" spc="-10" dirty="0">
+                <a:solidFill>
+                  <a:srgbClr val="231F20"/>
+                </a:solidFill>
+                <a:effectLst/>
+                <a:latin typeface="Aptos" panose="020B0004020202020204" pitchFamily="34" charset="0"/>
+                <a:ea typeface="Times New Roman" panose="02020603050405020304" pitchFamily="18" charset="0"/>
+              </a:rPr>
+              <a:t>F</a:t>
+            </a:r>
+            <a:r>
+              <a:rPr lang="en-US" sz="1400" spc="-40" dirty="0">
+                <a:solidFill>
+                  <a:srgbClr val="231F20"/>
+                </a:solidFill>
+                <a:effectLst/>
+                <a:latin typeface="Aptos" panose="020B0004020202020204" pitchFamily="34" charset="0"/>
+                <a:ea typeface="Times New Roman" panose="02020603050405020304" pitchFamily="18" charset="0"/>
+              </a:rPr>
+              <a:t> </a:t>
+            </a:r>
+            <a:r>
+              <a:rPr lang="en-US" sz="1400" spc="-10" dirty="0">
+                <a:solidFill>
+                  <a:srgbClr val="231F20"/>
+                </a:solidFill>
+                <a:effectLst/>
+                <a:latin typeface="Aptos" panose="020B0004020202020204" pitchFamily="34" charset="0"/>
+                <a:ea typeface="Times New Roman" panose="02020603050405020304" pitchFamily="18" charset="0"/>
+              </a:rPr>
+              <a:t>protein</a:t>
+            </a:r>
+            <a:r>
+              <a:rPr lang="en-US" sz="1400" spc="-40" dirty="0">
+                <a:solidFill>
+                  <a:srgbClr val="231F20"/>
+                </a:solidFill>
+                <a:effectLst/>
+                <a:latin typeface="Aptos" panose="020B0004020202020204" pitchFamily="34" charset="0"/>
+                <a:ea typeface="Times New Roman" panose="02020603050405020304" pitchFamily="18" charset="0"/>
+              </a:rPr>
+              <a:t> </a:t>
+            </a:r>
+            <a:endParaRPr lang="en-US" sz="1400" spc="-10" dirty="0">
+              <a:solidFill>
+                <a:srgbClr val="231F20"/>
+              </a:solidFill>
+              <a:latin typeface="Aptos" panose="020B0004020202020204" pitchFamily="34" charset="0"/>
+              <a:ea typeface="Times New Roman" panose="02020603050405020304" pitchFamily="18" charset="0"/>
+            </a:endParaRPr>
+          </a:p>
+          <a:p>
+            <a:r>
+              <a:rPr lang="en-US" sz="1400" spc="-10" dirty="0">
+                <a:solidFill>
+                  <a:srgbClr val="231F20"/>
+                </a:solidFill>
+                <a:effectLst/>
+                <a:latin typeface="Aptos" panose="020B0004020202020204" pitchFamily="34" charset="0"/>
+                <a:ea typeface="Times New Roman" panose="02020603050405020304" pitchFamily="18" charset="0"/>
+              </a:rPr>
+              <a:t>C)</a:t>
+            </a:r>
+            <a:r>
+              <a:rPr lang="en-US" sz="1400" spc="-40" dirty="0">
+                <a:solidFill>
+                  <a:srgbClr val="231F20"/>
+                </a:solidFill>
+                <a:effectLst/>
+                <a:latin typeface="Aptos" panose="020B0004020202020204" pitchFamily="34" charset="0"/>
+                <a:ea typeface="Times New Roman" panose="02020603050405020304" pitchFamily="18" charset="0"/>
+              </a:rPr>
+              <a:t> </a:t>
+            </a:r>
+            <a:r>
+              <a:rPr lang="en-US" sz="1400" spc="-10" dirty="0">
+                <a:solidFill>
+                  <a:srgbClr val="231F20"/>
+                </a:solidFill>
+                <a:effectLst/>
+                <a:latin typeface="Aptos" panose="020B0004020202020204" pitchFamily="34" charset="0"/>
+                <a:ea typeface="Times New Roman" panose="02020603050405020304" pitchFamily="18" charset="0"/>
+              </a:rPr>
+              <a:t>2</a:t>
+            </a:r>
+            <a:r>
+              <a:rPr lang="en-US" sz="1400" spc="-40" dirty="0">
+                <a:solidFill>
+                  <a:srgbClr val="231F20"/>
+                </a:solidFill>
+                <a:effectLst/>
+                <a:latin typeface="Aptos" panose="020B0004020202020204" pitchFamily="34" charset="0"/>
+                <a:ea typeface="Times New Roman" panose="02020603050405020304" pitchFamily="18" charset="0"/>
+              </a:rPr>
+              <a:t> </a:t>
+            </a:r>
+            <a:r>
+              <a:rPr lang="en-US" sz="1400" spc="-10" dirty="0">
+                <a:solidFill>
+                  <a:srgbClr val="231F20"/>
+                </a:solidFill>
+                <a:effectLst/>
+                <a:latin typeface="Aptos" panose="020B0004020202020204" pitchFamily="34" charset="0"/>
+                <a:ea typeface="Times New Roman" panose="02020603050405020304" pitchFamily="18" charset="0"/>
+              </a:rPr>
+              <a:t>µg/ml</a:t>
+            </a:r>
+            <a:r>
+              <a:rPr lang="en-US" sz="1400" spc="-40" dirty="0">
+                <a:solidFill>
+                  <a:srgbClr val="231F20"/>
+                </a:solidFill>
+                <a:effectLst/>
+                <a:latin typeface="Aptos" panose="020B0004020202020204" pitchFamily="34" charset="0"/>
+                <a:ea typeface="Times New Roman" panose="02020603050405020304" pitchFamily="18" charset="0"/>
+              </a:rPr>
+              <a:t> </a:t>
+            </a:r>
+            <a:r>
+              <a:rPr lang="en-US" sz="1400" spc="-10" dirty="0">
+                <a:solidFill>
+                  <a:srgbClr val="231F20"/>
+                </a:solidFill>
+                <a:effectLst/>
+                <a:latin typeface="Aptos" panose="020B0004020202020204" pitchFamily="34" charset="0"/>
+                <a:ea typeface="Times New Roman" panose="02020603050405020304" pitchFamily="18" charset="0"/>
+              </a:rPr>
+              <a:t>of</a:t>
+            </a:r>
+            <a:r>
+              <a:rPr lang="en-US" sz="1400" spc="-40" dirty="0">
+                <a:solidFill>
+                  <a:srgbClr val="231F20"/>
+                </a:solidFill>
+                <a:effectLst/>
+                <a:latin typeface="Aptos" panose="020B0004020202020204" pitchFamily="34" charset="0"/>
+                <a:ea typeface="Times New Roman" panose="02020603050405020304" pitchFamily="18" charset="0"/>
+              </a:rPr>
+              <a:t> </a:t>
+            </a:r>
+            <a:r>
+              <a:rPr lang="en-US" sz="1400" spc="-10" dirty="0">
+                <a:solidFill>
+                  <a:srgbClr val="231F20"/>
+                </a:solidFill>
+                <a:effectLst/>
+                <a:latin typeface="Aptos" panose="020B0004020202020204" pitchFamily="34" charset="0"/>
+                <a:ea typeface="Times New Roman" panose="02020603050405020304" pitchFamily="18" charset="0"/>
+              </a:rPr>
+              <a:t>RSV</a:t>
+            </a:r>
+            <a:r>
+              <a:rPr lang="en-US" sz="1400" spc="-40" dirty="0">
+                <a:solidFill>
+                  <a:srgbClr val="231F20"/>
+                </a:solidFill>
+                <a:effectLst/>
+                <a:latin typeface="Aptos" panose="020B0004020202020204" pitchFamily="34" charset="0"/>
+                <a:ea typeface="Times New Roman" panose="02020603050405020304" pitchFamily="18" charset="0"/>
+              </a:rPr>
+              <a:t> </a:t>
+            </a:r>
+            <a:r>
+              <a:rPr lang="en-US" sz="1400" spc="-10" dirty="0">
+                <a:solidFill>
+                  <a:srgbClr val="231F20"/>
+                </a:solidFill>
+                <a:effectLst/>
+                <a:latin typeface="Aptos" panose="020B0004020202020204" pitchFamily="34" charset="0"/>
+                <a:ea typeface="Times New Roman" panose="02020603050405020304" pitchFamily="18" charset="0"/>
+              </a:rPr>
+              <a:t>F-specific</a:t>
+            </a:r>
+            <a:r>
+              <a:rPr lang="en-US" sz="1400" spc="200" dirty="0">
+                <a:solidFill>
+                  <a:srgbClr val="231F20"/>
+                </a:solidFill>
+                <a:effectLst/>
+                <a:latin typeface="Aptos" panose="020B0004020202020204" pitchFamily="34" charset="0"/>
+                <a:ea typeface="Times New Roman" panose="02020603050405020304" pitchFamily="18" charset="0"/>
+              </a:rPr>
+              <a:t> </a:t>
+            </a:r>
+            <a:r>
+              <a:rPr lang="en-US" sz="1400" dirty="0">
+                <a:solidFill>
+                  <a:srgbClr val="231F20"/>
+                </a:solidFill>
+                <a:effectLst/>
+                <a:latin typeface="Aptos" panose="020B0004020202020204" pitchFamily="34" charset="0"/>
+                <a:ea typeface="Times New Roman" panose="02020603050405020304" pitchFamily="18" charset="0"/>
+              </a:rPr>
+              <a:t>CD4</a:t>
+            </a:r>
+            <a:r>
+              <a:rPr lang="en-US" sz="1400" baseline="30000" dirty="0">
+                <a:solidFill>
+                  <a:srgbClr val="231F20"/>
+                </a:solidFill>
+                <a:effectLst/>
+                <a:latin typeface="Aptos" panose="020B0004020202020204" pitchFamily="34" charset="0"/>
+                <a:ea typeface="Times New Roman" panose="02020603050405020304" pitchFamily="18" charset="0"/>
+              </a:rPr>
+              <a:t>+</a:t>
+            </a:r>
+            <a:r>
+              <a:rPr lang="en-US" sz="1400" spc="-10" dirty="0">
+                <a:solidFill>
+                  <a:srgbClr val="231F20"/>
+                </a:solidFill>
+                <a:effectLst/>
+                <a:latin typeface="Aptos" panose="020B0004020202020204" pitchFamily="34" charset="0"/>
+                <a:ea typeface="Times New Roman" panose="02020603050405020304" pitchFamily="18" charset="0"/>
+              </a:rPr>
+              <a:t> </a:t>
+            </a:r>
+            <a:r>
+              <a:rPr lang="en-US" sz="1400" dirty="0">
+                <a:solidFill>
+                  <a:srgbClr val="231F20"/>
+                </a:solidFill>
+                <a:effectLst/>
+                <a:latin typeface="Aptos" panose="020B0004020202020204" pitchFamily="34" charset="0"/>
+                <a:ea typeface="Times New Roman" panose="02020603050405020304" pitchFamily="18" charset="0"/>
+              </a:rPr>
+              <a:t>T</a:t>
+            </a:r>
+            <a:r>
+              <a:rPr lang="en-US" sz="1400" spc="-10" dirty="0">
+                <a:solidFill>
+                  <a:srgbClr val="231F20"/>
+                </a:solidFill>
+                <a:effectLst/>
+                <a:latin typeface="Aptos" panose="020B0004020202020204" pitchFamily="34" charset="0"/>
+                <a:ea typeface="Times New Roman" panose="02020603050405020304" pitchFamily="18" charset="0"/>
+              </a:rPr>
+              <a:t> </a:t>
+            </a:r>
+            <a:r>
+              <a:rPr lang="en-US" sz="1400" dirty="0">
+                <a:solidFill>
+                  <a:srgbClr val="231F20"/>
+                </a:solidFill>
+                <a:effectLst/>
+                <a:latin typeface="Aptos" panose="020B0004020202020204" pitchFamily="34" charset="0"/>
+                <a:ea typeface="Times New Roman" panose="02020603050405020304" pitchFamily="18" charset="0"/>
+              </a:rPr>
+              <a:t>cell</a:t>
+            </a:r>
+            <a:r>
+              <a:rPr lang="en-US" sz="1400" spc="-10" dirty="0">
+                <a:solidFill>
+                  <a:srgbClr val="231F20"/>
+                </a:solidFill>
+                <a:effectLst/>
+                <a:latin typeface="Aptos" panose="020B0004020202020204" pitchFamily="34" charset="0"/>
+                <a:ea typeface="Times New Roman" panose="02020603050405020304" pitchFamily="18" charset="0"/>
+              </a:rPr>
+              <a:t> </a:t>
+            </a:r>
+            <a:r>
+              <a:rPr lang="en-US" sz="1400" dirty="0">
+                <a:solidFill>
+                  <a:srgbClr val="231F20"/>
+                </a:solidFill>
+                <a:effectLst/>
+                <a:latin typeface="Aptos" panose="020B0004020202020204" pitchFamily="34" charset="0"/>
+                <a:ea typeface="Times New Roman" panose="02020603050405020304" pitchFamily="18" charset="0"/>
+              </a:rPr>
+              <a:t>peptide</a:t>
+            </a:r>
+            <a:r>
+              <a:rPr lang="en-US" sz="1400" spc="-10" dirty="0">
+                <a:solidFill>
+                  <a:srgbClr val="231F20"/>
+                </a:solidFill>
+                <a:effectLst/>
+                <a:latin typeface="Aptos" panose="020B0004020202020204" pitchFamily="34" charset="0"/>
+                <a:ea typeface="Times New Roman" panose="02020603050405020304" pitchFamily="18" charset="0"/>
+              </a:rPr>
+              <a:t> </a:t>
+            </a:r>
+            <a:r>
+              <a:rPr lang="en-US" sz="1400" dirty="0">
+                <a:solidFill>
+                  <a:srgbClr val="231F20"/>
+                </a:solidFill>
+                <a:effectLst/>
+                <a:latin typeface="Aptos" panose="020B0004020202020204" pitchFamily="34" charset="0"/>
+                <a:ea typeface="Times New Roman" panose="02020603050405020304" pitchFamily="18" charset="0"/>
+              </a:rPr>
+              <a:t>pools</a:t>
+            </a:r>
+            <a:r>
+              <a:rPr lang="en-US" sz="1400" spc="-10" dirty="0">
+                <a:solidFill>
+                  <a:srgbClr val="231F20"/>
+                </a:solidFill>
+                <a:effectLst/>
+                <a:latin typeface="Aptos" panose="020B0004020202020204" pitchFamily="34" charset="0"/>
+                <a:ea typeface="Times New Roman" panose="02020603050405020304" pitchFamily="18" charset="0"/>
+              </a:rPr>
+              <a:t> </a:t>
+            </a:r>
+            <a:endParaRPr lang="en-US" sz="1400" spc="-10" dirty="0">
+              <a:solidFill>
+                <a:srgbClr val="231F20"/>
+              </a:solidFill>
+              <a:latin typeface="Aptos" panose="020B0004020202020204" pitchFamily="34" charset="0"/>
+              <a:ea typeface="Times New Roman" panose="02020603050405020304" pitchFamily="18" charset="0"/>
+            </a:endParaRPr>
+          </a:p>
+          <a:p>
+            <a:r>
+              <a:rPr lang="en-US" sz="1400" dirty="0">
+                <a:solidFill>
+                  <a:srgbClr val="231F20"/>
+                </a:solidFill>
+                <a:effectLst/>
+                <a:latin typeface="Aptos" panose="020B0004020202020204" pitchFamily="34" charset="0"/>
+                <a:ea typeface="Times New Roman" panose="02020603050405020304" pitchFamily="18" charset="0"/>
+              </a:rPr>
+              <a:t>D)</a:t>
+            </a:r>
+            <a:r>
+              <a:rPr lang="en-US" sz="1400" spc="-10" dirty="0">
+                <a:solidFill>
+                  <a:srgbClr val="231F20"/>
+                </a:solidFill>
+                <a:effectLst/>
+                <a:latin typeface="Aptos" panose="020B0004020202020204" pitchFamily="34" charset="0"/>
+                <a:ea typeface="Times New Roman" panose="02020603050405020304" pitchFamily="18" charset="0"/>
+              </a:rPr>
+              <a:t> </a:t>
+            </a:r>
+            <a:r>
+              <a:rPr lang="en-US" sz="1400" dirty="0">
+                <a:solidFill>
+                  <a:srgbClr val="231F20"/>
+                </a:solidFill>
+                <a:effectLst/>
+                <a:latin typeface="Aptos" panose="020B0004020202020204" pitchFamily="34" charset="0"/>
+                <a:ea typeface="Times New Roman" panose="02020603050405020304" pitchFamily="18" charset="0"/>
+              </a:rPr>
+              <a:t>2</a:t>
+            </a:r>
+            <a:r>
+              <a:rPr lang="en-US" sz="1400" spc="-10" dirty="0">
+                <a:solidFill>
+                  <a:srgbClr val="231F20"/>
+                </a:solidFill>
+                <a:effectLst/>
+                <a:latin typeface="Aptos" panose="020B0004020202020204" pitchFamily="34" charset="0"/>
+                <a:ea typeface="Times New Roman" panose="02020603050405020304" pitchFamily="18" charset="0"/>
+              </a:rPr>
+              <a:t> </a:t>
+            </a:r>
+            <a:r>
+              <a:rPr lang="en-US" sz="1400" dirty="0">
+                <a:solidFill>
+                  <a:srgbClr val="231F20"/>
+                </a:solidFill>
+                <a:effectLst/>
+                <a:latin typeface="Aptos" panose="020B0004020202020204" pitchFamily="34" charset="0"/>
+                <a:ea typeface="Times New Roman" panose="02020603050405020304" pitchFamily="18" charset="0"/>
+              </a:rPr>
+              <a:t>µg/ml</a:t>
+            </a:r>
+            <a:r>
+              <a:rPr lang="en-US" sz="1400" spc="-10" dirty="0">
+                <a:solidFill>
+                  <a:srgbClr val="231F20"/>
+                </a:solidFill>
+                <a:effectLst/>
+                <a:latin typeface="Aptos" panose="020B0004020202020204" pitchFamily="34" charset="0"/>
+                <a:ea typeface="Times New Roman" panose="02020603050405020304" pitchFamily="18" charset="0"/>
+              </a:rPr>
+              <a:t> </a:t>
+            </a:r>
+            <a:r>
+              <a:rPr lang="en-US" sz="1400" dirty="0">
+                <a:solidFill>
+                  <a:srgbClr val="231F20"/>
+                </a:solidFill>
+                <a:effectLst/>
+                <a:latin typeface="Aptos" panose="020B0004020202020204" pitchFamily="34" charset="0"/>
+                <a:ea typeface="Times New Roman" panose="02020603050405020304" pitchFamily="18" charset="0"/>
+              </a:rPr>
+              <a:t>of</a:t>
+            </a:r>
+            <a:r>
+              <a:rPr lang="en-US" sz="1400" spc="-10" dirty="0">
+                <a:solidFill>
+                  <a:srgbClr val="231F20"/>
+                </a:solidFill>
+                <a:effectLst/>
+                <a:latin typeface="Aptos" panose="020B0004020202020204" pitchFamily="34" charset="0"/>
+                <a:ea typeface="Times New Roman" panose="02020603050405020304" pitchFamily="18" charset="0"/>
+              </a:rPr>
+              <a:t> </a:t>
+            </a:r>
+            <a:r>
+              <a:rPr lang="en-US" sz="1400" dirty="0">
+                <a:solidFill>
+                  <a:srgbClr val="231F20"/>
+                </a:solidFill>
+                <a:effectLst/>
+                <a:latin typeface="Aptos" panose="020B0004020202020204" pitchFamily="34" charset="0"/>
+                <a:ea typeface="Times New Roman" panose="02020603050405020304" pitchFamily="18" charset="0"/>
+              </a:rPr>
+              <a:t>RSV</a:t>
+            </a:r>
+            <a:r>
+              <a:rPr lang="en-US" sz="1400" spc="-10" dirty="0">
+                <a:solidFill>
+                  <a:srgbClr val="231F20"/>
+                </a:solidFill>
+                <a:effectLst/>
+                <a:latin typeface="Aptos" panose="020B0004020202020204" pitchFamily="34" charset="0"/>
+                <a:ea typeface="Times New Roman" panose="02020603050405020304" pitchFamily="18" charset="0"/>
+              </a:rPr>
+              <a:t> </a:t>
+            </a:r>
+            <a:r>
+              <a:rPr lang="en-US" sz="1400" dirty="0">
+                <a:solidFill>
+                  <a:srgbClr val="231F20"/>
+                </a:solidFill>
+                <a:effectLst/>
+                <a:latin typeface="Aptos" panose="020B0004020202020204" pitchFamily="34" charset="0"/>
+                <a:ea typeface="Times New Roman" panose="02020603050405020304" pitchFamily="18" charset="0"/>
+              </a:rPr>
+              <a:t>F-specific</a:t>
+            </a:r>
+            <a:r>
+              <a:rPr lang="en-US" sz="1400" spc="-10" dirty="0">
+                <a:solidFill>
+                  <a:srgbClr val="231F20"/>
+                </a:solidFill>
+                <a:effectLst/>
+                <a:latin typeface="Aptos" panose="020B0004020202020204" pitchFamily="34" charset="0"/>
+                <a:ea typeface="Times New Roman" panose="02020603050405020304" pitchFamily="18" charset="0"/>
+              </a:rPr>
+              <a:t> </a:t>
+            </a:r>
+            <a:r>
+              <a:rPr lang="en-US" sz="1400" dirty="0">
+                <a:solidFill>
+                  <a:srgbClr val="231F20"/>
+                </a:solidFill>
+                <a:effectLst/>
+                <a:latin typeface="Aptos" panose="020B0004020202020204" pitchFamily="34" charset="0"/>
+                <a:ea typeface="Times New Roman" panose="02020603050405020304" pitchFamily="18" charset="0"/>
+              </a:rPr>
+              <a:t>CD8</a:t>
+            </a:r>
+            <a:r>
+              <a:rPr lang="en-US" sz="1400" baseline="30000" dirty="0">
+                <a:solidFill>
+                  <a:srgbClr val="231F20"/>
+                </a:solidFill>
+                <a:effectLst/>
+                <a:latin typeface="Aptos" panose="020B0004020202020204" pitchFamily="34" charset="0"/>
+                <a:ea typeface="Times New Roman" panose="02020603050405020304" pitchFamily="18" charset="0"/>
+              </a:rPr>
+              <a:t>+</a:t>
+            </a:r>
+            <a:r>
+              <a:rPr lang="en-US" sz="1400" spc="-10" dirty="0">
+                <a:solidFill>
+                  <a:srgbClr val="231F20"/>
+                </a:solidFill>
+                <a:effectLst/>
+                <a:latin typeface="Aptos" panose="020B0004020202020204" pitchFamily="34" charset="0"/>
+                <a:ea typeface="Times New Roman" panose="02020603050405020304" pitchFamily="18" charset="0"/>
+              </a:rPr>
+              <a:t> </a:t>
+            </a:r>
+            <a:r>
+              <a:rPr lang="en-US" sz="1400" dirty="0">
+                <a:solidFill>
+                  <a:srgbClr val="231F20"/>
+                </a:solidFill>
+                <a:effectLst/>
+                <a:latin typeface="Aptos" panose="020B0004020202020204" pitchFamily="34" charset="0"/>
+                <a:ea typeface="Times New Roman" panose="02020603050405020304" pitchFamily="18" charset="0"/>
+              </a:rPr>
+              <a:t>T</a:t>
+            </a:r>
+            <a:r>
+              <a:rPr lang="en-US" sz="1400" spc="-10" dirty="0">
+                <a:solidFill>
+                  <a:srgbClr val="231F20"/>
+                </a:solidFill>
+                <a:effectLst/>
+                <a:latin typeface="Aptos" panose="020B0004020202020204" pitchFamily="34" charset="0"/>
+                <a:ea typeface="Times New Roman" panose="02020603050405020304" pitchFamily="18" charset="0"/>
+              </a:rPr>
+              <a:t> </a:t>
+            </a:r>
+            <a:r>
+              <a:rPr lang="en-US" sz="1400" dirty="0">
+                <a:solidFill>
+                  <a:srgbClr val="231F20"/>
+                </a:solidFill>
+                <a:effectLst/>
+                <a:latin typeface="Aptos" panose="020B0004020202020204" pitchFamily="34" charset="0"/>
+                <a:ea typeface="Times New Roman" panose="02020603050405020304" pitchFamily="18" charset="0"/>
+              </a:rPr>
+              <a:t>cell</a:t>
+            </a:r>
+            <a:r>
+              <a:rPr lang="en-US" sz="1400" spc="-10" dirty="0">
+                <a:solidFill>
+                  <a:srgbClr val="231F20"/>
+                </a:solidFill>
+                <a:effectLst/>
+                <a:latin typeface="Aptos" panose="020B0004020202020204" pitchFamily="34" charset="0"/>
+                <a:ea typeface="Times New Roman" panose="02020603050405020304" pitchFamily="18" charset="0"/>
+              </a:rPr>
+              <a:t> </a:t>
+            </a:r>
+            <a:r>
+              <a:rPr lang="en-US" sz="1400" dirty="0">
+                <a:solidFill>
+                  <a:srgbClr val="231F20"/>
+                </a:solidFill>
+                <a:effectLst/>
+                <a:latin typeface="Aptos" panose="020B0004020202020204" pitchFamily="34" charset="0"/>
+                <a:ea typeface="Times New Roman" panose="02020603050405020304" pitchFamily="18" charset="0"/>
+              </a:rPr>
+              <a:t>peptide</a:t>
+            </a:r>
+            <a:r>
+              <a:rPr lang="en-US" sz="1400" spc="-10" dirty="0">
+                <a:solidFill>
+                  <a:srgbClr val="231F20"/>
+                </a:solidFill>
+                <a:effectLst/>
+                <a:latin typeface="Aptos" panose="020B0004020202020204" pitchFamily="34" charset="0"/>
+                <a:ea typeface="Times New Roman" panose="02020603050405020304" pitchFamily="18" charset="0"/>
+              </a:rPr>
+              <a:t> </a:t>
+            </a:r>
+            <a:r>
+              <a:rPr lang="en-US" sz="1400" dirty="0">
+                <a:solidFill>
+                  <a:srgbClr val="231F20"/>
+                </a:solidFill>
+                <a:effectLst/>
+                <a:latin typeface="Aptos" panose="020B0004020202020204" pitchFamily="34" charset="0"/>
+                <a:ea typeface="Times New Roman" panose="02020603050405020304" pitchFamily="18" charset="0"/>
+              </a:rPr>
+              <a:t>pools</a:t>
+            </a:r>
+            <a:r>
+              <a:rPr lang="en-US" sz="1400" spc="-10" dirty="0">
+                <a:solidFill>
+                  <a:srgbClr val="231F20"/>
+                </a:solidFill>
+                <a:effectLst/>
+                <a:latin typeface="Aptos" panose="020B0004020202020204" pitchFamily="34" charset="0"/>
+                <a:ea typeface="Times New Roman" panose="02020603050405020304" pitchFamily="18" charset="0"/>
+              </a:rPr>
+              <a:t> </a:t>
+            </a:r>
+            <a:r>
+              <a:rPr lang="en-AU" sz="1400" b="0" i="0" dirty="0">
+                <a:solidFill>
+                  <a:srgbClr val="1F1F1F"/>
+                </a:solidFill>
+                <a:effectLst/>
+                <a:latin typeface="Aptos" panose="020B0004020202020204" pitchFamily="34" charset="0"/>
+              </a:rPr>
+              <a:t> </a:t>
+            </a:r>
+            <a:endParaRPr lang="en-US" sz="1400" dirty="0">
+              <a:latin typeface="Aptos" panose="020B0004020202020204" pitchFamily="34" charset="0"/>
+            </a:endParaRPr>
           </a:p>
         </p:txBody>
       </p:sp>
@@ -4960,7 +7885,7 @@
           <p:cNvPr id="6" name="TextBox 5">
             <a:extLst>
               <a:ext uri="{FF2B5EF4-FFF2-40B4-BE49-F238E27FC236}">
-                <a16:creationId xmlns:a16="http://schemas.microsoft.com/office/drawing/2014/main" id="{0DD11E0C-41BE-949C-84D7-A4EE81004B9B}"/>
+                <a16:creationId xmlns:a16="http://schemas.microsoft.com/office/drawing/2014/main" id="{C6572533-EED4-FE22-5895-3F8866DE8827}"/>
               </a:ext>
             </a:extLst>
           </p:cNvPr>
@@ -4969,13 +7894,18 @@
         </p:nvSpPr>
         <p:spPr>
           <a:xfrm>
-            <a:off x="5664033" y="3506792"/>
-            <a:ext cx="2577662" cy="1815882"/>
+            <a:off x="6084447" y="2868717"/>
+            <a:ext cx="2577662" cy="2462213"/>
           </a:xfrm>
           <a:prstGeom prst="rect">
             <a:avLst/>
           </a:prstGeom>
           <a:noFill/>
+          <a:ln>
+            <a:solidFill>
+              <a:schemeClr val="tx1"/>
+            </a:solidFill>
+          </a:ln>
         </p:spPr>
         <p:txBody>
           <a:bodyPr wrap="square" rtlCol="0">
@@ -4985,43 +7915,102 @@
           <a:p>
             <a:pPr algn="l"/>
             <a:r>
-              <a:rPr lang="en-AU" sz="1400" b="0" i="0" dirty="0">
-                <a:solidFill>
-                  <a:srgbClr val="1F1F1F"/>
-                </a:solidFill>
-                <a:effectLst/>
-                <a:latin typeface="ElsevierGulliver"/>
-              </a:rPr>
-              <a:t>Quantifying maternally derived respiratory syncytial virus specific neutralising antibodies in a birth cohort from coastal Kenya</a:t>
+              <a:rPr lang="en-AU" sz="1400" b="0" i="1" dirty="0" err="1">
+                <a:solidFill>
+                  <a:srgbClr val="2A2A2A"/>
+                </a:solidFill>
+                <a:effectLst/>
+                <a:latin typeface="Aptos" panose="020B0004020202020204" pitchFamily="34" charset="0"/>
+              </a:rPr>
+              <a:t>Cherukuri</a:t>
+            </a:r>
+            <a:r>
+              <a:rPr lang="en-AU" sz="1400" b="0" i="1" dirty="0">
+                <a:solidFill>
+                  <a:srgbClr val="2A2A2A"/>
+                </a:solidFill>
+                <a:effectLst/>
+                <a:latin typeface="Aptos" panose="020B0004020202020204" pitchFamily="34" charset="0"/>
+              </a:rPr>
+              <a:t> CVI, (2012</a:t>
+            </a:r>
+            <a:r>
+              <a:rPr lang="en-AU" sz="1400" i="1" dirty="0">
+                <a:solidFill>
+                  <a:srgbClr val="2A2A2A"/>
+                </a:solidFill>
+                <a:latin typeface="Aptos" panose="020B0004020202020204" pitchFamily="34" charset="0"/>
+              </a:rPr>
+              <a:t>)</a:t>
+            </a:r>
+            <a:r>
+              <a:rPr lang="en-AU" sz="1400" b="0" i="1" dirty="0">
+                <a:solidFill>
+                  <a:srgbClr val="2A2A2A"/>
+                </a:solidFill>
+                <a:effectLst/>
+                <a:latin typeface="Aptos" panose="020B0004020202020204" pitchFamily="34" charset="0"/>
+              </a:rPr>
+              <a:t> 20(2) pp 239-247</a:t>
             </a:r>
           </a:p>
           <a:p>
             <a:pPr algn="l"/>
-            <a:r>
-              <a:rPr lang="en-AU" sz="1400" b="0" i="0" dirty="0">
-                <a:solidFill>
-                  <a:srgbClr val="1F1F1F"/>
-                </a:solidFill>
-                <a:effectLst/>
-                <a:latin typeface="ElsevierGulliver"/>
-                <a:hlinkClick r:id="rId3"/>
-              </a:rPr>
-              <a:t>https://www.sciencedirect.com/science/article/pii/S0264410X15002285</a:t>
-            </a:r>
-            <a:endParaRPr lang="en-AU" sz="1400" b="0" i="0" dirty="0">
-              <a:solidFill>
-                <a:srgbClr val="1F1F1F"/>
-              </a:solidFill>
-              <a:effectLst/>
-              <a:latin typeface="ElsevierGulliver"/>
+            <a:endParaRPr lang="en-AU" sz="1400" i="1" dirty="0"/>
+          </a:p>
+          <a:p>
+            <a:pPr algn="l"/>
+            <a:r>
+              <a:rPr lang="en-AU" sz="1400" dirty="0"/>
+              <a:t>Adults 65 Years Old and Older Have Reduced Numbers of Functional Memory T-cells to Respiratory Syncytial Virus Fusion Protein</a:t>
+            </a:r>
+          </a:p>
+          <a:p>
+            <a:pPr algn="l"/>
+            <a:endParaRPr lang="en-AU" sz="1400" dirty="0">
+              <a:hlinkClick r:id="rId3"/>
             </a:endParaRPr>
+          </a:p>
+          <a:p>
+            <a:pPr algn="l"/>
+            <a:r>
+              <a:rPr lang="en-AU" sz="1400" dirty="0">
+                <a:hlinkClick r:id="rId4"/>
+              </a:rPr>
+              <a:t>https://</a:t>
+            </a:r>
+            <a:r>
+              <a:rPr lang="en-AU" sz="1400" dirty="0" err="1">
+                <a:hlinkClick r:id="rId4"/>
+              </a:rPr>
+              <a:t>journals.asm.org</a:t>
+            </a:r>
+            <a:r>
+              <a:rPr lang="en-AU" sz="1400" dirty="0">
+                <a:hlinkClick r:id="rId4"/>
+              </a:rPr>
+              <a:t>/</a:t>
+            </a:r>
+            <a:r>
+              <a:rPr lang="en-AU" sz="1400" dirty="0" err="1">
+                <a:hlinkClick r:id="rId4"/>
+              </a:rPr>
+              <a:t>doi</a:t>
+            </a:r>
+            <a:r>
+              <a:rPr lang="en-AU" sz="1400" dirty="0">
+                <a:hlinkClick r:id="rId4"/>
+              </a:rPr>
+              <a:t>/10.1128/cvi.00580-12</a:t>
+            </a:r>
+            <a:endParaRPr lang="en-AU" sz="1400" dirty="0"/>
           </a:p>
         </p:txBody>
       </p:sp>
     </p:spTree>
     <p:extLst>
       <p:ext uri="{BB962C8B-B14F-4D97-AF65-F5344CB8AC3E}">
-        <p14:creationId xmlns:p14="http://schemas.microsoft.com/office/powerpoint/2010/main" val="819449735"/>
+        <p14:creationId xmlns:p14="http://schemas.microsoft.com/office/powerpoint/2010/main" val="2365546925"/>
       </p:ext>
     </p:extLst>
   </p:cSld>
@@ -5105,7 +8094,7 @@
           <a:p>
             <a:r>
               <a:rPr lang="en-US" dirty="0"/>
-              <a:t>Elderly who get RSV seem to have lower AB </a:t>
+              <a:t>Adults who get RSV seem to have lower AB </a:t>
             </a:r>
             <a:r>
               <a:rPr lang="en-US" dirty="0" err="1"/>
@@ -5145,7 +8134,7 @@
         </p:blipFill>
         <p:spPr>
           <a:xfrm>
-            <a:off x="1112430" y="1814662"/>
+            <a:off x="720169" y="1884371"/>
             <a:ext cx="3102218" cy="4431740"/>
           </a:xfrm>
           <a:prstGeom prst="rect">
@@ -5167,7 +8156,7 @@
         </p:nvSpPr>
         <p:spPr>
           <a:xfrm>
-            <a:off x="1196597" y="6176439"/>
+            <a:off x="763242" y="6316111"/>
             <a:ext cx="3979968" cy="307777"/>
           </a:xfrm>
           <a:prstGeom prst="rect">
@@ -5213,13 +8202,18 @@
         </p:nvSpPr>
         <p:spPr>
           <a:xfrm>
-            <a:off x="5664033" y="3506792"/>
-            <a:ext cx="2577662" cy="1384995"/>
+            <a:off x="3822387" y="4377119"/>
+            <a:ext cx="2577662" cy="2246769"/>
           </a:xfrm>
           <a:prstGeom prst="rect">
             <a:avLst/>
           </a:prstGeom>
           <a:noFill/>
+          <a:ln>
+            <a:solidFill>
+              <a:schemeClr val="tx1"/>
+            </a:solidFill>
+          </a:ln>
         </p:spPr>
         <p:txBody>
           <a:bodyPr wrap="square" rtlCol="0">
@@ -5229,50 +8223,304 @@
           <a:p>
             <a:pPr algn="l"/>
             <a:r>
+              <a:rPr lang="en-AU" sz="1400" b="0" i="1" dirty="0" err="1">
+                <a:solidFill>
+                  <a:srgbClr val="2A2A2A"/>
+                </a:solidFill>
+                <a:effectLst/>
+                <a:latin typeface="Aptos" panose="020B0004020202020204" pitchFamily="34" charset="0"/>
+              </a:rPr>
+              <a:t>Falsey&amp;Walsh</a:t>
+            </a:r>
+            <a:r>
+              <a:rPr lang="en-AU" sz="1400" b="0" i="1" dirty="0">
+                <a:solidFill>
+                  <a:srgbClr val="2A2A2A"/>
+                </a:solidFill>
+                <a:effectLst/>
+                <a:latin typeface="Aptos" panose="020B0004020202020204" pitchFamily="34" charset="0"/>
+              </a:rPr>
+              <a:t> JID, 177(2) (1998</a:t>
+            </a:r>
+            <a:r>
+              <a:rPr lang="en-AU" sz="1400" i="1" dirty="0">
+                <a:solidFill>
+                  <a:srgbClr val="2A2A2A"/>
+                </a:solidFill>
+                <a:latin typeface="Aptos" panose="020B0004020202020204" pitchFamily="34" charset="0"/>
+              </a:rPr>
+              <a:t>)</a:t>
+            </a:r>
+            <a:r>
+              <a:rPr lang="en-AU" sz="1400" b="0" i="1" dirty="0">
+                <a:solidFill>
+                  <a:srgbClr val="2A2A2A"/>
+                </a:solidFill>
+                <a:effectLst/>
+                <a:latin typeface="Aptos" panose="020B0004020202020204" pitchFamily="34" charset="0"/>
+              </a:rPr>
+              <a:t> pp 463–466</a:t>
+            </a:r>
+          </a:p>
+          <a:p>
+            <a:pPr algn="l"/>
+            <a:endParaRPr lang="en-AU" sz="1400" i="1" dirty="0"/>
+          </a:p>
+          <a:p>
+            <a:pPr algn="l"/>
+            <a:r>
               <a:rPr lang="en-AU" sz="1400" dirty="0"/>
               <a:t>Relationship of Serum Antibody to Risk of Respiratory Syncytial Virus Infection in Elderly Adults</a:t>
             </a:r>
           </a:p>
           <a:p>
             <a:pPr algn="l"/>
+            <a:endParaRPr lang="en-AU" sz="1400" dirty="0">
+              <a:hlinkClick r:id="rId3"/>
+            </a:endParaRPr>
+          </a:p>
+          <a:p>
+            <a:pPr algn="l"/>
             <a:r>
               <a:rPr lang="en-AU" sz="1400" dirty="0">
                 <a:hlinkClick r:id="rId3"/>
               </a:rPr>
+              <a:t>https://academic.oup.com/jid/article/177/2/463/925432</a:t>
+            </a:r>
+            <a:endParaRPr lang="en-AU" sz="1400" dirty="0"/>
+          </a:p>
+        </p:txBody>
+      </p:sp>
+      <p:pic>
+        <p:nvPicPr>
+          <p:cNvPr id="9" name="Picture 8">
+            <a:extLst>
+              <a:ext uri="{FF2B5EF4-FFF2-40B4-BE49-F238E27FC236}">
+                <a16:creationId xmlns:a16="http://schemas.microsoft.com/office/drawing/2014/main" id="{7E4818E1-FB95-9E44-F337-22BEA510B37C}"/>
+              </a:ext>
+            </a:extLst>
+          </p:cNvPr>
+          <p:cNvPicPr>
+            <a:picLocks noChangeAspect="1"/>
+          </p:cNvPicPr>
+          <p:nvPr/>
+        </p:nvPicPr>
+        <p:blipFill>
+          <a:blip r:embed="rId4"/>
+          <a:stretch>
+            <a:fillRect/>
+          </a:stretch>
+        </p:blipFill>
+        <p:spPr>
+          <a:xfrm>
+            <a:off x="4760400" y="1884371"/>
+            <a:ext cx="3846469" cy="2246769"/>
+          </a:xfrm>
+          <a:prstGeom prst="rect">
+            <a:avLst/>
+          </a:prstGeom>
+        </p:spPr>
+      </p:pic>
+      <p:sp>
+        <p:nvSpPr>
+          <p:cNvPr id="10" name="TextBox 9">
+            <a:extLst>
+              <a:ext uri="{FF2B5EF4-FFF2-40B4-BE49-F238E27FC236}">
+                <a16:creationId xmlns:a16="http://schemas.microsoft.com/office/drawing/2014/main" id="{A269573A-3F05-012A-DB5D-9E0BCC74EAE6}"/>
+              </a:ext>
+            </a:extLst>
+          </p:cNvPr>
+          <p:cNvSpPr txBox="1"/>
+          <p:nvPr/>
+        </p:nvSpPr>
+        <p:spPr>
+          <a:xfrm>
+            <a:off x="6513524" y="4257338"/>
+            <a:ext cx="2577662" cy="2462213"/>
+          </a:xfrm>
+          <a:prstGeom prst="rect">
+            <a:avLst/>
+          </a:prstGeom>
+          <a:noFill/>
+          <a:ln>
+            <a:solidFill>
+              <a:schemeClr val="tx1"/>
+            </a:solidFill>
+          </a:ln>
+        </p:spPr>
+        <p:txBody>
+          <a:bodyPr wrap="square" rtlCol="0">
+            <a:spAutoFit/>
+          </a:bodyPr>
+          <a:lstStyle/>
+          <a:p>
+            <a:pPr algn="l"/>
+            <a:r>
+              <a:rPr lang="en-AU" sz="1400" b="0" i="1" dirty="0" err="1">
+                <a:solidFill>
+                  <a:srgbClr val="2A2A2A"/>
+                </a:solidFill>
+                <a:effectLst/>
+                <a:latin typeface="Aptos" panose="020B0004020202020204" pitchFamily="34" charset="0"/>
+              </a:rPr>
+              <a:t>Falsey&amp;Walsh</a:t>
+            </a:r>
+            <a:r>
+              <a:rPr lang="en-AU" sz="1400" b="0" i="1" dirty="0">
+                <a:solidFill>
+                  <a:srgbClr val="2A2A2A"/>
+                </a:solidFill>
+                <a:effectLst/>
+                <a:latin typeface="Aptos" panose="020B0004020202020204" pitchFamily="34" charset="0"/>
+              </a:rPr>
+              <a:t> Journal of Medical Virology (2006), 78(11) pp 1493-1497</a:t>
+            </a:r>
+          </a:p>
+          <a:p>
+            <a:pPr algn="l"/>
+            <a:endParaRPr lang="en-AU" sz="1400" i="1" dirty="0"/>
+          </a:p>
+          <a:p>
+            <a:pPr algn="l"/>
+            <a:r>
+              <a:rPr lang="en-AU" sz="1400" dirty="0"/>
+              <a:t>Serum antibody decay in adults following natural respiratory syncytial virus infection</a:t>
+            </a:r>
+          </a:p>
+          <a:p>
+            <a:pPr algn="l"/>
+            <a:endParaRPr lang="en-AU" sz="1400" dirty="0">
+              <a:hlinkClick r:id="rId3"/>
+            </a:endParaRPr>
+          </a:p>
+          <a:p>
+            <a:pPr algn="l"/>
+            <a:r>
+              <a:rPr lang="en-AU" sz="1400" dirty="0">
+                <a:hlinkClick r:id="rId5"/>
+              </a:rPr>
               <a:t>https://</a:t>
             </a:r>
             <a:r>
               <a:rPr lang="en-AU" sz="1400" dirty="0" err="1">
-                <a:hlinkClick r:id="rId3"/>
-              </a:rPr>
-              <a:t>academic.oup.com</a:t>
+                <a:hlinkClick r:id="rId5"/>
+              </a:rPr>
+              <a:t>onlinelibrary.wiley.com</a:t>
             </a:r>
             <a:r>
               <a:rPr lang="en-AU" sz="1400" dirty="0">
-                <a:hlinkClick r:id="rId3"/>
+                <a:hlinkClick r:id="rId5"/>
               </a:rPr>
               <a:t>/</a:t>
             </a:r>
             <a:r>
               <a:rPr lang="en-AU" sz="1400" dirty="0" err="1">
-                <a:hlinkClick r:id="rId3"/>
-              </a:rPr>
-              <a:t>jid</a:t>
+                <a:hlinkClick r:id="rId5"/>
+              </a:rPr>
+              <a:t>doi</a:t>
             </a:r>
             <a:r>
               <a:rPr lang="en-AU" sz="1400" dirty="0">
-                <a:hlinkClick r:id="rId3"/>
-              </a:rPr>
-              <a:t>/article/177/2/463/925432</a:t>
+                <a:hlinkClick r:id="rId5"/>
+              </a:rPr>
+              <a:t>/10.1002/jmv.20724</a:t>
             </a:r>
             <a:endParaRPr lang="en-AU" sz="1400" dirty="0"/>
           </a:p>
         </p:txBody>
       </p:sp>
+      <p:cxnSp>
+        <p:nvCxnSpPr>
+          <p:cNvPr id="12" name="Straight Arrow Connector 11">
+            <a:extLst>
+              <a:ext uri="{FF2B5EF4-FFF2-40B4-BE49-F238E27FC236}">
+                <a16:creationId xmlns:a16="http://schemas.microsoft.com/office/drawing/2014/main" id="{77A99519-B4E9-8171-8DF5-1BD1820121CC}"/>
+              </a:ext>
+            </a:extLst>
+          </p:cNvPr>
+          <p:cNvCxnSpPr>
+            <a:cxnSpLocks/>
+          </p:cNvCxnSpPr>
+          <p:nvPr/>
+        </p:nvCxnSpPr>
+        <p:spPr>
+          <a:xfrm flipH="1" flipV="1">
+            <a:off x="3708912" y="3594538"/>
+            <a:ext cx="536722" cy="782581"/>
+          </a:xfrm>
+          <a:prstGeom prst="straightConnector1">
+            <a:avLst/>
+          </a:prstGeom>
+          <a:ln>
+            <a:solidFill>
+              <a:schemeClr val="tx1"/>
+            </a:solidFill>
+            <a:tailEnd type="triangle"/>
+          </a:ln>
+        </p:spPr>
+        <p:style>
+          <a:lnRef idx="2">
+            <a:schemeClr val="accent1"/>
+          </a:lnRef>
+          <a:fillRef idx="0">
+            <a:schemeClr val="accent1"/>
+          </a:fillRef>
+          <a:effectRef idx="1">
+            <a:schemeClr val="accent1"/>
+          </a:effectRef>
+          <a:fontRef idx="minor">
+            <a:schemeClr val="tx1"/>
+          </a:fontRef>
+        </p:style>
+      </p:cxnSp>
+      <p:cxnSp>
+        <p:nvCxnSpPr>
+          <p:cNvPr id="13" name="Straight Arrow Connector 12">
+            <a:extLst>
+              <a:ext uri="{FF2B5EF4-FFF2-40B4-BE49-F238E27FC236}">
+                <a16:creationId xmlns:a16="http://schemas.microsoft.com/office/drawing/2014/main" id="{0F5111C7-2484-0F72-97F5-FCFBB0E6C95A}"/>
+              </a:ext>
+            </a:extLst>
+          </p:cNvPr>
+          <p:cNvCxnSpPr>
+            <a:cxnSpLocks/>
+          </p:cNvCxnSpPr>
+          <p:nvPr/>
+        </p:nvCxnSpPr>
+        <p:spPr>
+          <a:xfrm flipH="1" flipV="1">
+            <a:off x="8423714" y="3594538"/>
+            <a:ext cx="606402" cy="662800"/>
+          </a:xfrm>
+          <a:prstGeom prst="straightConnector1">
+            <a:avLst/>
+          </a:prstGeom>
+          <a:ln>
+            <a:solidFill>
+              <a:schemeClr val="tx1"/>
+            </a:solidFill>
+            <a:tailEnd type="triangle"/>
+          </a:ln>
+        </p:spPr>
+        <p:style>
+          <a:lnRef idx="2">
+            <a:schemeClr val="accent1"/>
+          </a:lnRef>
+          <a:fillRef idx="0">
+            <a:schemeClr val="accent1"/>
+          </a:fillRef>
+          <a:effectRef idx="1">
+            <a:schemeClr val="accent1"/>
+          </a:effectRef>
+          <a:fontRef idx="minor">
+            <a:schemeClr val="tx1"/>
+          </a:fontRef>
+        </p:style>
+      </p:cxnSp>
     </p:spTree>
     <p:extLst>
       <p:ext uri="{BB962C8B-B14F-4D97-AF65-F5344CB8AC3E}">
-        <p14:creationId xmlns:p14="http://schemas.microsoft.com/office/powerpoint/2010/main" val="2933706678"/>
+        <p14:creationId xmlns:p14="http://schemas.microsoft.com/office/powerpoint/2010/main" val="930620217"/>
       </p:ext>
     </p:extLst>
   </p:cSld>
@@ -5287,13 +8535,7 @@
   <p:cSld>
     <p:spTree>
       <p:nvGrpSpPr>
-        <p:cNvPr id="1" name="">
-          <a:extLst>
-            <a:ext uri="{FF2B5EF4-FFF2-40B4-BE49-F238E27FC236}">
-              <a16:creationId xmlns:a16="http://schemas.microsoft.com/office/drawing/2014/main" id="{66971AA2-46F5-2242-5963-06EE342F0397}"/>
-            </a:ext>
-          </a:extLst>
-        </p:cNvPr>
+        <p:cNvPr id="1" name=""/>
         <p:cNvGrpSpPr/>
         <p:nvPr/>
       </p:nvGrpSpPr>
@@ -5310,7 +8552,7 @@
           <p:cNvPr id="2" name="Title 1">
             <a:extLst>
               <a:ext uri="{FF2B5EF4-FFF2-40B4-BE49-F238E27FC236}">
-                <a16:creationId xmlns:a16="http://schemas.microsoft.com/office/drawing/2014/main" id="{8724B463-B3C7-F7DA-60BB-7DD2BE30C79E}"/>
+                <a16:creationId xmlns:a16="http://schemas.microsoft.com/office/drawing/2014/main" id="{43C5470D-628E-AF25-6FBB-F6484547EB1A}"/>
               </a:ext>
             </a:extLst>
           </p:cNvPr>
@@ -5328,7 +8570,7 @@
           <a:p>
             <a:r>
               <a:rPr lang="en-US" dirty="0"/>
-              <a:t>Human Challenge Studies</a:t>
+              <a:t>Antibodies in Adults (decay)</a:t>
             </a:r>
           </a:p>
         </p:txBody>
@@ -5338,7 +8580,7 @@
           <p:cNvPr id="3" name="Content Placeholder 2">
             <a:extLst>
               <a:ext uri="{FF2B5EF4-FFF2-40B4-BE49-F238E27FC236}">
-                <a16:creationId xmlns:a16="http://schemas.microsoft.com/office/drawing/2014/main" id="{C5398F3B-B6F4-8C6B-B68C-7BD614F802C2}"/>
+                <a16:creationId xmlns:a16="http://schemas.microsoft.com/office/drawing/2014/main" id="{F7E2E09A-C719-79A0-C5B2-84EA7E505F1C}"/>
               </a:ext>
             </a:extLst>
           </p:cNvPr>
@@ -5356,7 +8598,7 @@
           <a:p>
             <a:r>
               <a:rPr lang="en-US" dirty="0"/>
-              <a:t>Antibodies might not be the best correlate of protection from acquisition of infection</a:t>
+              <a:t>May not decay as much over time</a:t>
             </a:r>
           </a:p>
           <a:p>
@@ -5375,7 +8617,7 @@
           <p:cNvPr id="4" name="Picture 3">
             <a:extLst>
               <a:ext uri="{FF2B5EF4-FFF2-40B4-BE49-F238E27FC236}">
-                <a16:creationId xmlns:a16="http://schemas.microsoft.com/office/drawing/2014/main" id="{ACCB0DD4-9EA5-4EBE-35F0-C9EBA820BD43}"/>
+                <a16:creationId xmlns:a16="http://schemas.microsoft.com/office/drawing/2014/main" id="{F437C865-3DEE-5173-0B65-56D730AFF0B3}"/>
               </a:ext>
             </a:extLst>
           </p:cNvPr>
@@ -5386,13 +8628,14 @@
         </p:nvPicPr>
         <p:blipFill>
           <a:blip r:embed="rId2"/>
-          <a:srcRect/>
-          <a:stretch/>
+          <a:stretch>
+            <a:fillRect/>
+          </a:stretch>
         </p:blipFill>
         <p:spPr>
           <a:xfrm>
-            <a:off x="1280595" y="2197496"/>
-            <a:ext cx="3102218" cy="4295378"/>
+            <a:off x="528688" y="2014839"/>
+            <a:ext cx="4861690" cy="3412934"/>
           </a:xfrm>
           <a:prstGeom prst="rect">
             <a:avLst/>
@@ -5404,7 +8647,7 @@
           <p:cNvPr id="5" name="TextBox 4">
             <a:extLst>
               <a:ext uri="{FF2B5EF4-FFF2-40B4-BE49-F238E27FC236}">
-                <a16:creationId xmlns:a16="http://schemas.microsoft.com/office/drawing/2014/main" id="{0AD1A6FF-C399-FF04-47D0-8729798600D5}"/>
+                <a16:creationId xmlns:a16="http://schemas.microsoft.com/office/drawing/2014/main" id="{0AE03B78-38A5-964B-AF4A-F06ABE530D3C}"/>
               </a:ext>
             </a:extLst>
           </p:cNvPr>
@@ -5413,8 +8656,8 @@
         </p:nvSpPr>
         <p:spPr>
           <a:xfrm>
-            <a:off x="1196597" y="6338985"/>
-            <a:ext cx="3979968" cy="307777"/>
+            <a:off x="1017921" y="5566921"/>
+            <a:ext cx="3979968" cy="507831"/>
           </a:xfrm>
           <a:prstGeom prst="rect">
             <a:avLst/>
@@ -5429,7 +8672,13 @@
           <a:p>
             <a:r>
               <a:rPr lang="en-AU" sz="1350" dirty="0"/>
-              <a:t>Figure 1</a:t>
+              <a:t>Figure 1: Antibodies </a:t>
+            </a:r>
+          </a:p>
+          <a:p>
+            <a:r>
+              <a:rPr lang="en-AU" sz="1350" dirty="0"/>
+              <a:t>V1 is at end of RSV season, V2 is 4-6 months later</a:t>
             </a:r>
             <a:endParaRPr lang="en-US" sz="1350" dirty="0"/>
           </a:p>
@@ -5440,7 +8689,7 @@
           <p:cNvPr id="6" name="TextBox 5">
             <a:extLst>
               <a:ext uri="{FF2B5EF4-FFF2-40B4-BE49-F238E27FC236}">
-                <a16:creationId xmlns:a16="http://schemas.microsoft.com/office/drawing/2014/main" id="{93ADFE5C-FC4F-EE5E-B6B3-744367F86803}"/>
+                <a16:creationId xmlns:a16="http://schemas.microsoft.com/office/drawing/2014/main" id="{698FBD35-ED71-199C-16CB-E1FC59784594}"/>
               </a:ext>
             </a:extLst>
           </p:cNvPr>
@@ -5449,13 +8698,18 @@
         </p:nvSpPr>
         <p:spPr>
           <a:xfrm>
-            <a:off x="5664033" y="3506792"/>
-            <a:ext cx="2577662" cy="1815882"/>
+            <a:off x="5737606" y="3257948"/>
+            <a:ext cx="2577662" cy="2169825"/>
           </a:xfrm>
           <a:prstGeom prst="rect">
             <a:avLst/>
           </a:prstGeom>
           <a:noFill/>
+          <a:ln>
+            <a:solidFill>
+              <a:schemeClr val="tx1"/>
+            </a:solidFill>
+          </a:ln>
         </p:spPr>
         <p:txBody>
           <a:bodyPr wrap="square" rtlCol="0">
@@ -5463,52 +8717,40 @@
           </a:bodyPr>
           <a:lstStyle/>
           <a:p>
-            <a:pPr algn="l"/>
-            <a:r>
-              <a:rPr lang="en-AU" sz="1400" dirty="0"/>
-              <a:t>Impaired Antibody-mediated Protection and Defective IgA B-Cell Memory in Experimental Infection of Adults with Respiratory Syncytial Virus</a:t>
-            </a:r>
-          </a:p>
-          <a:p>
-            <a:pPr algn="l"/>
-            <a:r>
-              <a:rPr lang="en-AU" sz="1400" dirty="0">
+            <a:r>
+              <a:rPr lang="en-AU" sz="1350" i="1" dirty="0"/>
+              <a:t>Green … Pollard Vaccine (2018) 36(41) pp6183-6190</a:t>
+            </a:r>
+          </a:p>
+          <a:p>
+            <a:endParaRPr lang="en-AU" sz="1350" dirty="0"/>
+          </a:p>
+          <a:p>
+            <a:r>
+              <a:rPr lang="en-AU" sz="1350" dirty="0"/>
+              <a:t>Humoral and cellular immunity to RSV in infants, children and adults</a:t>
+            </a:r>
+          </a:p>
+          <a:p>
+            <a:endParaRPr lang="en-AU" sz="1350" dirty="0">
+              <a:hlinkClick r:id="rId3"/>
+            </a:endParaRPr>
+          </a:p>
+          <a:p>
+            <a:r>
+              <a:rPr lang="en-AU" sz="1350" dirty="0">
                 <a:hlinkClick r:id="rId3"/>
               </a:rPr>
-              <a:t>https://</a:t>
-            </a:r>
-            <a:r>
-              <a:rPr lang="en-AU" sz="1400" dirty="0" err="1">
-                <a:hlinkClick r:id="rId3"/>
-              </a:rPr>
-              <a:t>www.atsjournals.org</a:t>
-            </a:r>
-            <a:r>
-              <a:rPr lang="en-AU" sz="1400" dirty="0">
-                <a:hlinkClick r:id="rId3"/>
-              </a:rPr>
-              <a:t>/</a:t>
-            </a:r>
-            <a:r>
-              <a:rPr lang="en-AU" sz="1400" dirty="0" err="1">
-                <a:hlinkClick r:id="rId3"/>
-              </a:rPr>
-              <a:t>doi</a:t>
-            </a:r>
-            <a:r>
-              <a:rPr lang="en-AU" sz="1400" dirty="0">
-                <a:hlinkClick r:id="rId3"/>
-              </a:rPr>
-              <a:t>/10.1164/rccm.201412-2256OC</a:t>
-            </a:r>
-            <a:endParaRPr lang="en-AU" sz="1400" dirty="0"/>
+              <a:t>https://www.sciencedirect.com/science/article/pii/S0264410X1831185X</a:t>
+            </a:r>
+            <a:endParaRPr lang="en-AU" sz="1350" dirty="0"/>
           </a:p>
         </p:txBody>
       </p:sp>
     </p:spTree>
     <p:extLst>
       <p:ext uri="{BB962C8B-B14F-4D97-AF65-F5344CB8AC3E}">
-        <p14:creationId xmlns:p14="http://schemas.microsoft.com/office/powerpoint/2010/main" val="2485035758"/>
+        <p14:creationId xmlns:p14="http://schemas.microsoft.com/office/powerpoint/2010/main" val="132402760"/>
       </p:ext>
     </p:extLst>
   </p:cSld>
@@ -5831,4 +9073,299 @@
     </a:ext>
   </a:extLst>
 </a:theme>
+</file>
+
+<file path=ppt/theme/theme2.xml><?xml version="1.0" encoding="utf-8"?>
+<a:theme xmlns:a="http://schemas.openxmlformats.org/drawingml/2006/main" name="Office Theme">
+  <a:themeElements>
+    <a:clrScheme name="Office">
+      <a:dk1>
+        <a:sysClr val="windowText" lastClr="000000"/>
+      </a:dk1>
+      <a:lt1>
+        <a:sysClr val="window" lastClr="FFFFFF"/>
+      </a:lt1>
+      <a:dk2>
+        <a:srgbClr val="44546A"/>
+      </a:dk2>
+      <a:lt2>
+        <a:srgbClr val="E7E6E6"/>
+      </a:lt2>
+      <a:accent1>
+        <a:srgbClr val="4472C4"/>
+      </a:accent1>
+      <a:accent2>
+        <a:srgbClr val="ED7D31"/>
+      </a:accent2>
+      <a:accent3>
+        <a:srgbClr val="A5A5A5"/>
+      </a:accent3>
+      <a:accent4>
+        <a:srgbClr val="FFC000"/>
+      </a:accent4>
+      <a:accent5>
+        <a:srgbClr val="5B9BD5"/>
+      </a:accent5>
+      <a:accent6>
+        <a:srgbClr val="70AD47"/>
+      </a:accent6>
+      <a:hlink>
+        <a:srgbClr val="0563C1"/>
+      </a:hlink>
+      <a:folHlink>
+        <a:srgbClr val="954F72"/>
+      </a:folHlink>
+    </a:clrScheme>
+    <a:fontScheme name="Office">
+      <a:majorFont>
+        <a:latin typeface="Calibri Light" panose="020F0302020204030204"/>
+        <a:ea typeface=""/>
+        <a:cs typeface=""/>
+        <a:font script="Jpan" typeface="游ゴシック Light"/>
+        <a:font script="Hang" typeface="맑은 고딕"/>
+        <a:font script="Hans" typeface="等线 Light"/>
+        <a:font script="Hant" typeface="新細明體"/>
+        <a:font script="Arab" typeface="Times New Roman"/>
+        <a:font script="Hebr" typeface="Times New Roman"/>
+        <a:font script="Thai" typeface="Angsana New"/>
+        <a:font script="Ethi" typeface="Nyala"/>
+        <a:font script="Beng" typeface="Vrinda"/>
+        <a:font script="Gujr" typeface="Shruti"/>
+        <a:font script="Khmr" typeface="MoolBoran"/>
+        <a:font script="Knda" typeface="Tunga"/>
+        <a:font script="Guru" typeface="Raavi"/>
+        <a:font script="Cans" typeface="Euphemia"/>
+        <a:font script="Cher" typeface="Plantagenet Cherokee"/>
+        <a:font script="Yiii" typeface="Microsoft Yi Baiti"/>
+        <a:font script="Tibt" typeface="Microsoft Himalaya"/>
+        <a:font script="Thaa" typeface="MV Boli"/>
+        <a:font script="Deva" typeface="Mangal"/>
+        <a:font script="Telu" typeface="Gautami"/>
+        <a:font script="Taml" typeface="Latha"/>
+        <a:font script="Syrc" typeface="Estrangelo Edessa"/>
+        <a:font script="Orya" typeface="Kalinga"/>
+        <a:font script="Mlym" typeface="Kartika"/>
+        <a:font script="Laoo" typeface="DokChampa"/>
+        <a:font script="Sinh" typeface="Iskoola Pota"/>
+        <a:font script="Mong" typeface="Mongolian Baiti"/>
+        <a:font script="Viet" typeface="Times New Roman"/>
+        <a:font script="Uigh" typeface="Microsoft Uighur"/>
+        <a:font script="Geor" typeface="Sylfaen"/>
+        <a:font script="Armn" typeface="Arial"/>
+        <a:font script="Bugi" typeface="Leelawadee UI"/>
+        <a:font script="Bopo" typeface="Microsoft JhengHei"/>
+        <a:font script="Java" typeface="Javanese Text"/>
+        <a:font script="Lisu" typeface="Segoe UI"/>
+        <a:font script="Mymr" typeface="Myanmar Text"/>
+        <a:font script="Nkoo" typeface="Ebrima"/>
+        <a:font script="Olck" typeface="Nirmala UI"/>
+        <a:font script="Osma" typeface="Ebrima"/>
+        <a:font script="Phag" typeface="Phagspa"/>
+        <a:font script="Syrn" typeface="Estrangelo Edessa"/>
+        <a:font script="Syrj" typeface="Estrangelo Edessa"/>
+        <a:font script="Syre" typeface="Estrangelo Edessa"/>
+        <a:font script="Sora" typeface="Nirmala UI"/>
+        <a:font script="Tale" typeface="Microsoft Tai Le"/>
+        <a:font script="Talu" typeface="Microsoft New Tai Lue"/>
+        <a:font script="Tfng" typeface="Ebrima"/>
+      </a:majorFont>
+      <a:minorFont>
+        <a:latin typeface="Calibri" panose="020F0502020204030204"/>
+        <a:ea typeface=""/>
+        <a:cs typeface=""/>
+        <a:font script="Jpan" typeface="游ゴシック"/>
+        <a:font script="Hang" typeface="맑은 고딕"/>
+        <a:font script="Hans" typeface="等线"/>
+        <a:font script="Hant" typeface="新細明體"/>
+        <a:font script="Arab" typeface="Arial"/>
+        <a:font script="Hebr" typeface="Arial"/>
+        <a:font script="Thai" typeface="Cordia New"/>
+        <a:font script="Ethi" typeface="Nyala"/>
+        <a:font script="Beng" typeface="Vrinda"/>
+        <a:font script="Gujr" typeface="Shruti"/>
+        <a:font script="Khmr" typeface="DaunPenh"/>
+        <a:font script="Knda" typeface="Tunga"/>
+        <a:font script="Guru" typeface="Raavi"/>
+        <a:font script="Cans" typeface="Euphemia"/>
+        <a:font script="Cher" typeface="Plantagenet Cherokee"/>
+        <a:font script="Yiii" typeface="Microsoft Yi Baiti"/>
+        <a:font script="Tibt" typeface="Microsoft Himalaya"/>
+        <a:font script="Thaa" typeface="MV Boli"/>
+        <a:font script="Deva" typeface="Mangal"/>
+        <a:font script="Telu" typeface="Gautami"/>
+        <a:font script="Taml" typeface="Latha"/>
+        <a:font script="Syrc" typeface="Estrangelo Edessa"/>
+        <a:font script="Orya" typeface="Kalinga"/>
+        <a:font script="Mlym" typeface="Kartika"/>
+        <a:font script="Laoo" typeface="DokChampa"/>
+        <a:font script="Sinh" typeface="Iskoola Pota"/>
+        <a:font script="Mong" typeface="Mongolian Baiti"/>
+        <a:font script="Viet" typeface="Arial"/>
+        <a:font script="Uigh" typeface="Microsoft Uighur"/>
+        <a:font script="Geor" typeface="Sylfaen"/>
+        <a:font script="Armn" typeface="Arial"/>
+        <a:font script="Bugi" typeface="Leelawadee UI"/>
+        <a:font script="Bopo" typeface="Microsoft JhengHei"/>
+        <a:font script="Java" typeface="Javanese Text"/>
+        <a:font script="Lisu" typeface="Segoe UI"/>
+        <a:font script="Mymr" typeface="Myanmar Text"/>
+        <a:font script="Nkoo" typeface="Ebrima"/>
+        <a:font script="Olck" typeface="Nirmala UI"/>
+        <a:font script="Osma" typeface="Ebrima"/>
+        <a:font script="Phag" typeface="Phagspa"/>
+        <a:font script="Syrn" typeface="Estrangelo Edessa"/>
+        <a:font script="Syrj" typeface="Estrangelo Edessa"/>
+        <a:font script="Syre" typeface="Estrangelo Edessa"/>
+        <a:font script="Sora" typeface="Nirmala UI"/>
+        <a:font script="Tale" typeface="Microsoft Tai Le"/>
+        <a:font script="Talu" typeface="Microsoft New Tai Lue"/>
+        <a:font script="Tfng" typeface="Ebrima"/>
+      </a:minorFont>
+    </a:fontScheme>
+    <a:fmtScheme name="Office">
+      <a:fillStyleLst>
+        <a:solidFill>
+          <a:schemeClr val="phClr"/>
+        </a:solidFill>
+        <a:gradFill rotWithShape="1">
+          <a:gsLst>
+            <a:gs pos="0">
+              <a:schemeClr val="phClr">
+                <a:lumMod val="110000"/>
+                <a:satMod val="105000"/>
+                <a:tint val="67000"/>
+              </a:schemeClr>
+            </a:gs>
+            <a:gs pos="50000">
+              <a:schemeClr val="phClr">
+                <a:lumMod val="105000"/>
+                <a:satMod val="103000"/>
+                <a:tint val="73000"/>
+              </a:schemeClr>
+            </a:gs>
+            <a:gs pos="100000">
+              <a:schemeClr val="phClr">
+                <a:lumMod val="105000"/>
+                <a:satMod val="109000"/>
+                <a:tint val="81000"/>
+              </a:schemeClr>
+            </a:gs>
+          </a:gsLst>
+          <a:lin ang="5400000" scaled="0"/>
+        </a:gradFill>
+        <a:gradFill rotWithShape="1">
+          <a:gsLst>
+            <a:gs pos="0">
+              <a:schemeClr val="phClr">
+                <a:satMod val="103000"/>
+                <a:lumMod val="102000"/>
+                <a:tint val="94000"/>
+              </a:schemeClr>
+            </a:gs>
+            <a:gs pos="50000">
+              <a:schemeClr val="phClr">
+                <a:satMod val="110000"/>
+                <a:lumMod val="100000"/>
+                <a:shade val="100000"/>
+              </a:schemeClr>
+            </a:gs>
+            <a:gs pos="100000">
+              <a:schemeClr val="phClr">
+                <a:lumMod val="99000"/>
+                <a:satMod val="120000"/>
+                <a:shade val="78000"/>
+              </a:schemeClr>
+            </a:gs>
+          </a:gsLst>
+          <a:lin ang="5400000" scaled="0"/>
+        </a:gradFill>
+      </a:fillStyleLst>
+      <a:lnStyleLst>
+        <a:ln w="6350" cap="flat" cmpd="sng" algn="ctr">
+          <a:solidFill>
+            <a:schemeClr val="phClr"/>
+          </a:solidFill>
+          <a:prstDash val="solid"/>
+          <a:miter lim="800000"/>
+        </a:ln>
+        <a:ln w="12700" cap="flat" cmpd="sng" algn="ctr">
+          <a:solidFill>
+            <a:schemeClr val="phClr"/>
+          </a:solidFill>
+          <a:prstDash val="solid"/>
+          <a:miter lim="800000"/>
+        </a:ln>
+        <a:ln w="19050" cap="flat" cmpd="sng" algn="ctr">
+          <a:solidFill>
+            <a:schemeClr val="phClr"/>
+          </a:solidFill>
+          <a:prstDash val="solid"/>
+          <a:miter lim="800000"/>
+        </a:ln>
+      </a:lnStyleLst>
+      <a:effectStyleLst>
+        <a:effectStyle>
+          <a:effectLst/>
+        </a:effectStyle>
+        <a:effectStyle>
+          <a:effectLst/>
+        </a:effectStyle>
+        <a:effectStyle>
+          <a:effectLst>
+            <a:outerShdw blurRad="57150" dist="19050" dir="5400000" algn="ctr" rotWithShape="0">
+              <a:srgbClr val="000000">
+                <a:alpha val="63000"/>
+              </a:srgbClr>
+            </a:outerShdw>
+          </a:effectLst>
+        </a:effectStyle>
+      </a:effectStyleLst>
+      <a:bgFillStyleLst>
+        <a:solidFill>
+          <a:schemeClr val="phClr"/>
+        </a:solidFill>
+        <a:solidFill>
+          <a:schemeClr val="phClr">
+            <a:tint val="95000"/>
+            <a:satMod val="170000"/>
+          </a:schemeClr>
+        </a:solidFill>
+        <a:gradFill rotWithShape="1">
+          <a:gsLst>
+            <a:gs pos="0">
+              <a:schemeClr val="phClr">
+                <a:tint val="93000"/>
+                <a:satMod val="150000"/>
+                <a:shade val="98000"/>
+                <a:lumMod val="102000"/>
+              </a:schemeClr>
+            </a:gs>
+            <a:gs pos="50000">
+              <a:schemeClr val="phClr">
+                <a:tint val="98000"/>
+                <a:satMod val="130000"/>
+                <a:shade val="90000"/>
+                <a:lumMod val="103000"/>
+              </a:schemeClr>
+            </a:gs>
+            <a:gs pos="100000">
+              <a:schemeClr val="phClr">
+                <a:shade val="63000"/>
+                <a:satMod val="120000"/>
+              </a:schemeClr>
+            </a:gs>
+          </a:gsLst>
+          <a:lin ang="5400000" scaled="0"/>
+        </a:gradFill>
+      </a:bgFillStyleLst>
+    </a:fmtScheme>
+  </a:themeElements>
+  <a:objectDefaults/>
+  <a:extraClrSchemeLst/>
+  <a:extLst>
+    <a:ext uri="{05A4C25C-085E-4340-85A3-A5531E510DB2}">
+      <thm15:themeFamily xmlns:thm15="http://schemas.microsoft.com/office/thememl/2012/main" name="Office Theme" id="{62F939B6-93AF-4DB8-9C6B-D6C7DFDC589F}" vid="{4A3C46E8-61CC-4603-A589-7422A47A8E4A}"/>
+    </a:ext>
+  </a:extLst>
+</a:theme>
 </file>
--- a/raw-data/RSV Data Summary.pptx
+++ b/raw-data/RSV Data Summary.pptx
@@ -5,7 +5,7 @@
     <p:sldMasterId id="2147483660" r:id="rId1"/>
   </p:sldMasterIdLst>
   <p:notesMasterIdLst>
-    <p:notesMasterId r:id="rId17"/>
+    <p:notesMasterId r:id="rId18"/>
   </p:notesMasterIdLst>
   <p:sldIdLst>
     <p:sldId id="256" r:id="rId2"/>
@@ -23,6 +23,7 @@
     <p:sldId id="264" r:id="rId14"/>
     <p:sldId id="266" r:id="rId15"/>
     <p:sldId id="267" r:id="rId16"/>
+    <p:sldId id="271" r:id="rId17"/>
   </p:sldIdLst>
   <p:sldSz cx="9144000" cy="6858000" type="screen4x3"/>
   <p:notesSz cx="6858000" cy="9144000"/>
@@ -5435,6 +5436,93 @@
     <p:extLst>
       <p:ext uri="{BB962C8B-B14F-4D97-AF65-F5344CB8AC3E}">
         <p14:creationId xmlns:p14="http://schemas.microsoft.com/office/powerpoint/2010/main" val="2419012913"/>
+      </p:ext>
+    </p:extLst>
+  </p:cSld>
+  <p:clrMapOvr>
+    <a:masterClrMapping/>
+  </p:clrMapOvr>
+</p:sld>
+</file>
+
+<file path=ppt/slides/slide16.xml><?xml version="1.0" encoding="utf-8"?>
+<p:sld xmlns:a="http://schemas.openxmlformats.org/drawingml/2006/main" xmlns:r="http://schemas.openxmlformats.org/officeDocument/2006/relationships" xmlns:p="http://schemas.openxmlformats.org/presentationml/2006/main">
+  <p:cSld>
+    <p:spTree>
+      <p:nvGrpSpPr>
+        <p:cNvPr id="1" name=""/>
+        <p:cNvGrpSpPr/>
+        <p:nvPr/>
+      </p:nvGrpSpPr>
+      <p:grpSpPr>
+        <a:xfrm>
+          <a:off x="0" y="0"/>
+          <a:ext cx="0" cy="0"/>
+          <a:chOff x="0" y="0"/>
+          <a:chExt cx="0" cy="0"/>
+        </a:xfrm>
+      </p:grpSpPr>
+      <p:sp>
+        <p:nvSpPr>
+          <p:cNvPr id="2" name="Title 1">
+            <a:extLst>
+              <a:ext uri="{FF2B5EF4-FFF2-40B4-BE49-F238E27FC236}">
+                <a16:creationId xmlns:a16="http://schemas.microsoft.com/office/drawing/2014/main" id="{B09EF4BA-926A-8B3B-01A5-0FAF8A9C5774}"/>
+              </a:ext>
+            </a:extLst>
+          </p:cNvPr>
+          <p:cNvSpPr>
+            <a:spLocks noGrp="1"/>
+          </p:cNvSpPr>
+          <p:nvPr>
+            <p:ph type="title"/>
+          </p:nvPr>
+        </p:nvSpPr>
+        <p:spPr/>
+        <p:txBody>
+          <a:bodyPr/>
+          <a:lstStyle/>
+          <a:p>
+            <a:r>
+              <a:rPr lang="en-US" dirty="0"/>
+              <a:t>Vaccine </a:t>
+            </a:r>
+            <a:r>
+              <a:rPr lang="en-US"/>
+              <a:t>induced Antibodies</a:t>
+            </a:r>
+          </a:p>
+        </p:txBody>
+      </p:sp>
+      <p:sp>
+        <p:nvSpPr>
+          <p:cNvPr id="3" name="Content Placeholder 2">
+            <a:extLst>
+              <a:ext uri="{FF2B5EF4-FFF2-40B4-BE49-F238E27FC236}">
+                <a16:creationId xmlns:a16="http://schemas.microsoft.com/office/drawing/2014/main" id="{B526F2BE-3CBB-9F2B-5D64-27CA5C82C302}"/>
+              </a:ext>
+            </a:extLst>
+          </p:cNvPr>
+          <p:cNvSpPr>
+            <a:spLocks noGrp="1"/>
+          </p:cNvSpPr>
+          <p:nvPr>
+            <p:ph idx="1"/>
+          </p:nvPr>
+        </p:nvSpPr>
+        <p:spPr/>
+        <p:txBody>
+          <a:bodyPr/>
+          <a:lstStyle/>
+          <a:p>
+            <a:endParaRPr lang="en-US"/>
+          </a:p>
+        </p:txBody>
+      </p:sp>
+    </p:spTree>
+    <p:extLst>
+      <p:ext uri="{BB962C8B-B14F-4D97-AF65-F5344CB8AC3E}">
+        <p14:creationId xmlns:p14="http://schemas.microsoft.com/office/powerpoint/2010/main" val="37372564"/>
       </p:ext>
     </p:extLst>
   </p:cSld>

--- a/raw-data/RSV Data Summary.pptx
+++ b/raw-data/RSV Data Summary.pptx
@@ -5,7 +5,7 @@
     <p:sldMasterId id="2147483660" r:id="rId1"/>
   </p:sldMasterIdLst>
   <p:notesMasterIdLst>
-    <p:notesMasterId r:id="rId18"/>
+    <p:notesMasterId r:id="rId20"/>
   </p:notesMasterIdLst>
   <p:sldIdLst>
     <p:sldId id="256" r:id="rId2"/>
@@ -24,6 +24,8 @@
     <p:sldId id="266" r:id="rId15"/>
     <p:sldId id="267" r:id="rId16"/>
     <p:sldId id="271" r:id="rId17"/>
+    <p:sldId id="272" r:id="rId18"/>
+    <p:sldId id="273" r:id="rId19"/>
   </p:sldIdLst>
   <p:sldSz cx="9144000" cy="6858000" type="screen4x3"/>
   <p:notesSz cx="6858000" cy="9144000"/>
@@ -5496,10 +5498,10 @@
       </p:sp>
       <p:sp>
         <p:nvSpPr>
-          <p:cNvPr id="3" name="Content Placeholder 2">
+          <p:cNvPr id="4" name="Content Placeholder 3">
             <a:extLst>
               <a:ext uri="{FF2B5EF4-FFF2-40B4-BE49-F238E27FC236}">
-                <a16:creationId xmlns:a16="http://schemas.microsoft.com/office/drawing/2014/main" id="{B526F2BE-3CBB-9F2B-5D64-27CA5C82C302}"/>
+                <a16:creationId xmlns:a16="http://schemas.microsoft.com/office/drawing/2014/main" id="{BD0FEADE-E7CC-EC4F-825B-9EB351C4C3F8}"/>
               </a:ext>
             </a:extLst>
           </p:cNvPr>
@@ -5515,14 +5517,336 @@
           <a:bodyPr/>
           <a:lstStyle/>
           <a:p>
-            <a:endParaRPr lang="en-US"/>
-          </a:p>
-        </p:txBody>
-      </p:sp>
+            <a:r>
+              <a:rPr lang="en-US" dirty="0"/>
+              <a:t>Antibodies seem to decay  faster in infants</a:t>
+            </a:r>
+          </a:p>
+        </p:txBody>
+      </p:sp>
+      <p:pic>
+        <p:nvPicPr>
+          <p:cNvPr id="6" name="Picture 5">
+            <a:extLst>
+              <a:ext uri="{FF2B5EF4-FFF2-40B4-BE49-F238E27FC236}">
+                <a16:creationId xmlns:a16="http://schemas.microsoft.com/office/drawing/2014/main" id="{C524766A-157F-8B40-A333-626055053AD8}"/>
+              </a:ext>
+            </a:extLst>
+          </p:cNvPr>
+          <p:cNvPicPr>
+            <a:picLocks noChangeAspect="1"/>
+          </p:cNvPicPr>
+          <p:nvPr/>
+        </p:nvPicPr>
+        <p:blipFill>
+          <a:blip r:embed="rId2"/>
+          <a:stretch>
+            <a:fillRect/>
+          </a:stretch>
+        </p:blipFill>
+        <p:spPr>
+          <a:xfrm>
+            <a:off x="0" y="1920874"/>
+            <a:ext cx="9144000" cy="4572000"/>
+          </a:xfrm>
+          <a:prstGeom prst="rect">
+            <a:avLst/>
+          </a:prstGeom>
+        </p:spPr>
+      </p:pic>
     </p:spTree>
     <p:extLst>
       <p:ext uri="{BB962C8B-B14F-4D97-AF65-F5344CB8AC3E}">
         <p14:creationId xmlns:p14="http://schemas.microsoft.com/office/powerpoint/2010/main" val="37372564"/>
+      </p:ext>
+    </p:extLst>
+  </p:cSld>
+  <p:clrMapOvr>
+    <a:masterClrMapping/>
+  </p:clrMapOvr>
+</p:sld>
+</file>
+
+<file path=ppt/slides/slide17.xml><?xml version="1.0" encoding="utf-8"?>
+<p:sld xmlns:a="http://schemas.openxmlformats.org/drawingml/2006/main" xmlns:r="http://schemas.openxmlformats.org/officeDocument/2006/relationships" xmlns:p="http://schemas.openxmlformats.org/presentationml/2006/main">
+  <p:cSld>
+    <p:spTree>
+      <p:nvGrpSpPr>
+        <p:cNvPr id="1" name=""/>
+        <p:cNvGrpSpPr/>
+        <p:nvPr/>
+      </p:nvGrpSpPr>
+      <p:grpSpPr>
+        <a:xfrm>
+          <a:off x="0" y="0"/>
+          <a:ext cx="0" cy="0"/>
+          <a:chOff x="0" y="0"/>
+          <a:chExt cx="0" cy="0"/>
+        </a:xfrm>
+      </p:grpSpPr>
+      <p:sp>
+        <p:nvSpPr>
+          <p:cNvPr id="2" name="Title 1">
+            <a:extLst>
+              <a:ext uri="{FF2B5EF4-FFF2-40B4-BE49-F238E27FC236}">
+                <a16:creationId xmlns:a16="http://schemas.microsoft.com/office/drawing/2014/main" id="{B09EF4BA-926A-8B3B-01A5-0FAF8A9C5774}"/>
+              </a:ext>
+            </a:extLst>
+          </p:cNvPr>
+          <p:cNvSpPr>
+            <a:spLocks noGrp="1"/>
+          </p:cNvSpPr>
+          <p:nvPr>
+            <p:ph type="title"/>
+          </p:nvPr>
+        </p:nvSpPr>
+        <p:spPr/>
+        <p:txBody>
+          <a:bodyPr/>
+          <a:lstStyle/>
+          <a:p>
+            <a:r>
+              <a:rPr lang="en-US" dirty="0"/>
+              <a:t>Vaccine </a:t>
+            </a:r>
+            <a:r>
+              <a:rPr lang="en-US"/>
+              <a:t>induced Antibodies</a:t>
+            </a:r>
+          </a:p>
+        </p:txBody>
+      </p:sp>
+      <p:sp>
+        <p:nvSpPr>
+          <p:cNvPr id="4" name="Content Placeholder 3">
+            <a:extLst>
+              <a:ext uri="{FF2B5EF4-FFF2-40B4-BE49-F238E27FC236}">
+                <a16:creationId xmlns:a16="http://schemas.microsoft.com/office/drawing/2014/main" id="{BD0FEADE-E7CC-EC4F-825B-9EB351C4C3F8}"/>
+              </a:ext>
+            </a:extLst>
+          </p:cNvPr>
+          <p:cNvSpPr>
+            <a:spLocks noGrp="1"/>
+          </p:cNvSpPr>
+          <p:nvPr>
+            <p:ph idx="1"/>
+          </p:nvPr>
+        </p:nvSpPr>
+        <p:spPr/>
+        <p:txBody>
+          <a:bodyPr/>
+          <a:lstStyle/>
+          <a:p>
+            <a:r>
+              <a:rPr lang="en-US" dirty="0"/>
+              <a:t>Some correlation between antibodies and effectiveness.</a:t>
+            </a:r>
+          </a:p>
+        </p:txBody>
+      </p:sp>
+      <p:pic>
+        <p:nvPicPr>
+          <p:cNvPr id="6" name="Picture 5">
+            <a:extLst>
+              <a:ext uri="{FF2B5EF4-FFF2-40B4-BE49-F238E27FC236}">
+                <a16:creationId xmlns:a16="http://schemas.microsoft.com/office/drawing/2014/main" id="{C524766A-157F-8B40-A333-626055053AD8}"/>
+              </a:ext>
+            </a:extLst>
+          </p:cNvPr>
+          <p:cNvPicPr>
+            <a:picLocks noChangeAspect="1"/>
+          </p:cNvPicPr>
+          <p:nvPr/>
+        </p:nvPicPr>
+        <p:blipFill>
+          <a:blip r:embed="rId2"/>
+          <a:srcRect/>
+          <a:stretch/>
+        </p:blipFill>
+        <p:spPr>
+          <a:xfrm>
+            <a:off x="1270981" y="2185568"/>
+            <a:ext cx="6602038" cy="4572000"/>
+          </a:xfrm>
+          <a:prstGeom prst="rect">
+            <a:avLst/>
+          </a:prstGeom>
+        </p:spPr>
+      </p:pic>
+    </p:spTree>
+    <p:extLst>
+      <p:ext uri="{BB962C8B-B14F-4D97-AF65-F5344CB8AC3E}">
+        <p14:creationId xmlns:p14="http://schemas.microsoft.com/office/powerpoint/2010/main" val="3934572306"/>
+      </p:ext>
+    </p:extLst>
+  </p:cSld>
+  <p:clrMapOvr>
+    <a:masterClrMapping/>
+  </p:clrMapOvr>
+</p:sld>
+</file>
+
+<file path=ppt/slides/slide18.xml><?xml version="1.0" encoding="utf-8"?>
+<p:sld xmlns:a="http://schemas.openxmlformats.org/drawingml/2006/main" xmlns:r="http://schemas.openxmlformats.org/officeDocument/2006/relationships" xmlns:p="http://schemas.openxmlformats.org/presentationml/2006/main">
+  <p:cSld>
+    <p:spTree>
+      <p:nvGrpSpPr>
+        <p:cNvPr id="1" name=""/>
+        <p:cNvGrpSpPr/>
+        <p:nvPr/>
+      </p:nvGrpSpPr>
+      <p:grpSpPr>
+        <a:xfrm>
+          <a:off x="0" y="0"/>
+          <a:ext cx="0" cy="0"/>
+          <a:chOff x="0" y="0"/>
+          <a:chExt cx="0" cy="0"/>
+        </a:xfrm>
+      </p:grpSpPr>
+      <p:sp>
+        <p:nvSpPr>
+          <p:cNvPr id="2" name="Title 1">
+            <a:extLst>
+              <a:ext uri="{FF2B5EF4-FFF2-40B4-BE49-F238E27FC236}">
+                <a16:creationId xmlns:a16="http://schemas.microsoft.com/office/drawing/2014/main" id="{B09EF4BA-926A-8B3B-01A5-0FAF8A9C5774}"/>
+              </a:ext>
+            </a:extLst>
+          </p:cNvPr>
+          <p:cNvSpPr>
+            <a:spLocks noGrp="1"/>
+          </p:cNvSpPr>
+          <p:nvPr>
+            <p:ph type="title"/>
+          </p:nvPr>
+        </p:nvSpPr>
+        <p:spPr/>
+        <p:txBody>
+          <a:bodyPr/>
+          <a:lstStyle/>
+          <a:p>
+            <a:r>
+              <a:rPr lang="en-US" dirty="0"/>
+              <a:t>Questions</a:t>
+            </a:r>
+          </a:p>
+        </p:txBody>
+      </p:sp>
+      <p:sp>
+        <p:nvSpPr>
+          <p:cNvPr id="4" name="Content Placeholder 3">
+            <a:extLst>
+              <a:ext uri="{FF2B5EF4-FFF2-40B4-BE49-F238E27FC236}">
+                <a16:creationId xmlns:a16="http://schemas.microsoft.com/office/drawing/2014/main" id="{BD0FEADE-E7CC-EC4F-825B-9EB351C4C3F8}"/>
+              </a:ext>
+            </a:extLst>
+          </p:cNvPr>
+          <p:cNvSpPr>
+            <a:spLocks noGrp="1"/>
+          </p:cNvSpPr>
+          <p:nvPr>
+            <p:ph idx="1"/>
+          </p:nvPr>
+        </p:nvSpPr>
+        <p:spPr/>
+        <p:txBody>
+          <a:bodyPr/>
+          <a:lstStyle/>
+          <a:p>
+            <a:r>
+              <a:rPr lang="en-US" dirty="0"/>
+              <a:t>Is the decay of naturally  acquired and vaccine induced / passive antibodies similar?</a:t>
+            </a:r>
+          </a:p>
+          <a:p>
+            <a:r>
+              <a:rPr lang="en-US" dirty="0"/>
+              <a:t>Are neutralizing antibodies the best correlate of protection? Is IgG, RSV-</a:t>
+            </a:r>
+            <a:r>
+              <a:rPr lang="en-US" dirty="0" err="1"/>
+              <a:t>preF</a:t>
+            </a:r>
+            <a:r>
+              <a:rPr lang="en-US" dirty="0"/>
+              <a:t>, something else better?</a:t>
+            </a:r>
+          </a:p>
+          <a:p>
+            <a:r>
+              <a:rPr lang="en-US" dirty="0"/>
+              <a:t>Is the relationship between antibodies and effectiveness the same for infants and adults? For vaccines and </a:t>
+            </a:r>
+            <a:r>
+              <a:rPr lang="en-US"/>
+              <a:t>passive antibodies?</a:t>
+            </a:r>
+            <a:endParaRPr lang="en-US" dirty="0"/>
+          </a:p>
+        </p:txBody>
+      </p:sp>
+      <p:pic>
+        <p:nvPicPr>
+          <p:cNvPr id="6" name="Picture 5">
+            <a:extLst>
+              <a:ext uri="{FF2B5EF4-FFF2-40B4-BE49-F238E27FC236}">
+                <a16:creationId xmlns:a16="http://schemas.microsoft.com/office/drawing/2014/main" id="{C524766A-157F-8B40-A333-626055053AD8}"/>
+              </a:ext>
+            </a:extLst>
+          </p:cNvPr>
+          <p:cNvPicPr>
+            <a:picLocks noChangeAspect="1"/>
+          </p:cNvPicPr>
+          <p:nvPr/>
+        </p:nvPicPr>
+        <p:blipFill>
+          <a:blip r:embed="rId2"/>
+          <a:srcRect/>
+          <a:stretch/>
+        </p:blipFill>
+        <p:spPr>
+          <a:xfrm>
+            <a:off x="6349233" y="4852906"/>
+            <a:ext cx="2895386" cy="2005094"/>
+          </a:xfrm>
+          <a:prstGeom prst="rect">
+            <a:avLst/>
+          </a:prstGeom>
+        </p:spPr>
+      </p:pic>
+      <p:pic>
+        <p:nvPicPr>
+          <p:cNvPr id="5" name="Picture 4">
+            <a:extLst>
+              <a:ext uri="{FF2B5EF4-FFF2-40B4-BE49-F238E27FC236}">
+                <a16:creationId xmlns:a16="http://schemas.microsoft.com/office/drawing/2014/main" id="{0DBB3EEC-3A34-554E-BD91-244226700377}"/>
+              </a:ext>
+            </a:extLst>
+          </p:cNvPr>
+          <p:cNvPicPr>
+            <a:picLocks noChangeAspect="1"/>
+          </p:cNvPicPr>
+          <p:nvPr/>
+        </p:nvPicPr>
+        <p:blipFill>
+          <a:blip r:embed="rId3"/>
+          <a:stretch>
+            <a:fillRect/>
+          </a:stretch>
+        </p:blipFill>
+        <p:spPr>
+          <a:xfrm>
+            <a:off x="0" y="4716379"/>
+            <a:ext cx="4283242" cy="2141621"/>
+          </a:xfrm>
+          <a:prstGeom prst="rect">
+            <a:avLst/>
+          </a:prstGeom>
+        </p:spPr>
+      </p:pic>
+    </p:spTree>
+    <p:extLst>
+      <p:ext uri="{BB962C8B-B14F-4D97-AF65-F5344CB8AC3E}">
+        <p14:creationId xmlns:p14="http://schemas.microsoft.com/office/powerpoint/2010/main" val="979270286"/>
       </p:ext>
     </p:extLst>
   </p:cSld>

--- a/raw-data/RSV Data Summary.pptx
+++ b/raw-data/RSV Data Summary.pptx
@@ -5,7 +5,7 @@
     <p:sldMasterId id="2147483660" r:id="rId1"/>
   </p:sldMasterIdLst>
   <p:notesMasterIdLst>
-    <p:notesMasterId r:id="rId20"/>
+    <p:notesMasterId r:id="rId21"/>
   </p:notesMasterIdLst>
   <p:sldIdLst>
     <p:sldId id="256" r:id="rId2"/>
@@ -24,8 +24,9 @@
     <p:sldId id="266" r:id="rId15"/>
     <p:sldId id="267" r:id="rId16"/>
     <p:sldId id="271" r:id="rId17"/>
-    <p:sldId id="272" r:id="rId18"/>
-    <p:sldId id="273" r:id="rId19"/>
+    <p:sldId id="274" r:id="rId18"/>
+    <p:sldId id="272" r:id="rId19"/>
+    <p:sldId id="273" r:id="rId20"/>
   </p:sldIdLst>
   <p:sldSz cx="9144000" cy="6858000" type="screen4x3"/>
   <p:notesSz cx="6858000" cy="9144000"/>
@@ -214,7 +215,7 @@
           <a:p>
             <a:fld id="{ABADED4C-13AE-714D-9CC7-F1FFCC2CB964}" type="datetimeFigureOut">
               <a:rPr lang="en-US" smtClean="0"/>
-              <a:t>1/22/24</a:t>
+              <a:t>1/23/24</a:t>
             </a:fld>
             <a:endParaRPr lang="en-US"/>
           </a:p>
@@ -697,7 +698,7 @@
           <a:p>
             <a:fld id="{DFA43388-519D-014B-94DE-18A523E3FA67}" type="datetimeFigureOut">
               <a:rPr lang="en-US" smtClean="0"/>
-              <a:t>1/22/24</a:t>
+              <a:t>1/23/24</a:t>
             </a:fld>
             <a:endParaRPr lang="en-US"/>
           </a:p>
@@ -867,7 +868,7 @@
           <a:p>
             <a:fld id="{DFA43388-519D-014B-94DE-18A523E3FA67}" type="datetimeFigureOut">
               <a:rPr lang="en-US" smtClean="0"/>
-              <a:t>1/22/24</a:t>
+              <a:t>1/23/24</a:t>
             </a:fld>
             <a:endParaRPr lang="en-US"/>
           </a:p>
@@ -1047,7 +1048,7 @@
           <a:p>
             <a:fld id="{DFA43388-519D-014B-94DE-18A523E3FA67}" type="datetimeFigureOut">
               <a:rPr lang="en-US" smtClean="0"/>
-              <a:t>1/22/24</a:t>
+              <a:t>1/23/24</a:t>
             </a:fld>
             <a:endParaRPr lang="en-US"/>
           </a:p>
@@ -1217,7 +1218,7 @@
           <a:p>
             <a:fld id="{DFA43388-519D-014B-94DE-18A523E3FA67}" type="datetimeFigureOut">
               <a:rPr lang="en-US" smtClean="0"/>
-              <a:t>1/22/24</a:t>
+              <a:t>1/23/24</a:t>
             </a:fld>
             <a:endParaRPr lang="en-US"/>
           </a:p>
@@ -1463,7 +1464,7 @@
           <a:p>
             <a:fld id="{DFA43388-519D-014B-94DE-18A523E3FA67}" type="datetimeFigureOut">
               <a:rPr lang="en-US" smtClean="0"/>
-              <a:t>1/22/24</a:t>
+              <a:t>1/23/24</a:t>
             </a:fld>
             <a:endParaRPr lang="en-US"/>
           </a:p>
@@ -1695,7 +1696,7 @@
           <a:p>
             <a:fld id="{DFA43388-519D-014B-94DE-18A523E3FA67}" type="datetimeFigureOut">
               <a:rPr lang="en-US" smtClean="0"/>
-              <a:t>1/22/24</a:t>
+              <a:t>1/23/24</a:t>
             </a:fld>
             <a:endParaRPr lang="en-US"/>
           </a:p>
@@ -2062,7 +2063,7 @@
           <a:p>
             <a:fld id="{DFA43388-519D-014B-94DE-18A523E3FA67}" type="datetimeFigureOut">
               <a:rPr lang="en-US" smtClean="0"/>
-              <a:t>1/22/24</a:t>
+              <a:t>1/23/24</a:t>
             </a:fld>
             <a:endParaRPr lang="en-US"/>
           </a:p>
@@ -2180,7 +2181,7 @@
           <a:p>
             <a:fld id="{DFA43388-519D-014B-94DE-18A523E3FA67}" type="datetimeFigureOut">
               <a:rPr lang="en-US" smtClean="0"/>
-              <a:t>1/22/24</a:t>
+              <a:t>1/23/24</a:t>
             </a:fld>
             <a:endParaRPr lang="en-US"/>
           </a:p>
@@ -2275,7 +2276,7 @@
           <a:p>
             <a:fld id="{DFA43388-519D-014B-94DE-18A523E3FA67}" type="datetimeFigureOut">
               <a:rPr lang="en-US" smtClean="0"/>
-              <a:t>1/22/24</a:t>
+              <a:t>1/23/24</a:t>
             </a:fld>
             <a:endParaRPr lang="en-US"/>
           </a:p>
@@ -2552,7 +2553,7 @@
           <a:p>
             <a:fld id="{DFA43388-519D-014B-94DE-18A523E3FA67}" type="datetimeFigureOut">
               <a:rPr lang="en-US" smtClean="0"/>
-              <a:t>1/22/24</a:t>
+              <a:t>1/23/24</a:t>
             </a:fld>
             <a:endParaRPr lang="en-US"/>
           </a:p>
@@ -3027,7 +3028,7 @@
           <a:p>
             <a:fld id="{DFA43388-519D-014B-94DE-18A523E3FA67}" type="datetimeFigureOut">
               <a:rPr lang="en-US" smtClean="0"/>
-              <a:t>1/22/24</a:t>
+              <a:t>1/23/24</a:t>
             </a:fld>
             <a:endParaRPr lang="en-US" dirty="0"/>
           </a:p>
@@ -5572,6 +5573,136 @@
   <p:cSld>
     <p:spTree>
       <p:nvGrpSpPr>
+        <p:cNvPr id="1" name="">
+          <a:extLst>
+            <a:ext uri="{FF2B5EF4-FFF2-40B4-BE49-F238E27FC236}">
+              <a16:creationId xmlns:a16="http://schemas.microsoft.com/office/drawing/2014/main" id="{25283C2D-39BD-C6B2-6283-111931458E69}"/>
+            </a:ext>
+          </a:extLst>
+        </p:cNvPr>
+        <p:cNvGrpSpPr/>
+        <p:nvPr/>
+      </p:nvGrpSpPr>
+      <p:grpSpPr>
+        <a:xfrm>
+          <a:off x="0" y="0"/>
+          <a:ext cx="0" cy="0"/>
+          <a:chOff x="0" y="0"/>
+          <a:chExt cx="0" cy="0"/>
+        </a:xfrm>
+      </p:grpSpPr>
+      <p:sp>
+        <p:nvSpPr>
+          <p:cNvPr id="2" name="Title 1">
+            <a:extLst>
+              <a:ext uri="{FF2B5EF4-FFF2-40B4-BE49-F238E27FC236}">
+                <a16:creationId xmlns:a16="http://schemas.microsoft.com/office/drawing/2014/main" id="{2641F452-4841-22DD-DE23-EA80E5B6DF6F}"/>
+              </a:ext>
+            </a:extLst>
+          </p:cNvPr>
+          <p:cNvSpPr>
+            <a:spLocks noGrp="1"/>
+          </p:cNvSpPr>
+          <p:nvPr>
+            <p:ph type="title"/>
+          </p:nvPr>
+        </p:nvSpPr>
+        <p:spPr/>
+        <p:txBody>
+          <a:bodyPr/>
+          <a:lstStyle/>
+          <a:p>
+            <a:r>
+              <a:rPr lang="en-US" dirty="0"/>
+              <a:t>Vaccine </a:t>
+            </a:r>
+            <a:r>
+              <a:rPr lang="en-US"/>
+              <a:t>induced Antibodies</a:t>
+            </a:r>
+          </a:p>
+        </p:txBody>
+      </p:sp>
+      <p:sp>
+        <p:nvSpPr>
+          <p:cNvPr id="4" name="Content Placeholder 3">
+            <a:extLst>
+              <a:ext uri="{FF2B5EF4-FFF2-40B4-BE49-F238E27FC236}">
+                <a16:creationId xmlns:a16="http://schemas.microsoft.com/office/drawing/2014/main" id="{68AF6913-A20A-7AEE-17F5-F8AB3037D8E7}"/>
+              </a:ext>
+            </a:extLst>
+          </p:cNvPr>
+          <p:cNvSpPr>
+            <a:spLocks noGrp="1"/>
+          </p:cNvSpPr>
+          <p:nvPr>
+            <p:ph idx="1"/>
+          </p:nvPr>
+        </p:nvSpPr>
+        <p:spPr/>
+        <p:txBody>
+          <a:bodyPr/>
+          <a:lstStyle/>
+          <a:p>
+            <a:r>
+              <a:rPr lang="en-US" dirty="0"/>
+              <a:t>This is supported by decay </a:t>
+            </a:r>
+            <a:r>
+              <a:rPr lang="en-US"/>
+              <a:t>rate calculations</a:t>
+            </a:r>
+            <a:endParaRPr lang="en-US" dirty="0"/>
+          </a:p>
+        </p:txBody>
+      </p:sp>
+      <p:pic>
+        <p:nvPicPr>
+          <p:cNvPr id="6" name="Picture 5">
+            <a:extLst>
+              <a:ext uri="{FF2B5EF4-FFF2-40B4-BE49-F238E27FC236}">
+                <a16:creationId xmlns:a16="http://schemas.microsoft.com/office/drawing/2014/main" id="{70A889C3-5E0E-692B-E042-C5EA2F726208}"/>
+              </a:ext>
+            </a:extLst>
+          </p:cNvPr>
+          <p:cNvPicPr>
+            <a:picLocks noChangeAspect="1"/>
+          </p:cNvPicPr>
+          <p:nvPr/>
+        </p:nvPicPr>
+        <p:blipFill>
+          <a:blip r:embed="rId2"/>
+          <a:srcRect/>
+          <a:stretch/>
+        </p:blipFill>
+        <p:spPr>
+          <a:xfrm>
+            <a:off x="1222375" y="1920874"/>
+            <a:ext cx="6699249" cy="4572000"/>
+          </a:xfrm>
+          <a:prstGeom prst="rect">
+            <a:avLst/>
+          </a:prstGeom>
+        </p:spPr>
+      </p:pic>
+    </p:spTree>
+    <p:extLst>
+      <p:ext uri="{BB962C8B-B14F-4D97-AF65-F5344CB8AC3E}">
+        <p14:creationId xmlns:p14="http://schemas.microsoft.com/office/powerpoint/2010/main" val="199223103"/>
+      </p:ext>
+    </p:extLst>
+  </p:cSld>
+  <p:clrMapOvr>
+    <a:masterClrMapping/>
+  </p:clrMapOvr>
+</p:sld>
+</file>
+
+<file path=ppt/slides/slide18.xml><?xml version="1.0" encoding="utf-8"?>
+<p:sld xmlns:a="http://schemas.openxmlformats.org/drawingml/2006/main" xmlns:r="http://schemas.openxmlformats.org/officeDocument/2006/relationships" xmlns:p="http://schemas.openxmlformats.org/presentationml/2006/main">
+  <p:cSld>
+    <p:spTree>
+      <p:nvGrpSpPr>
         <p:cNvPr id="1" name=""/>
         <p:cNvGrpSpPr/>
         <p:nvPr/>
@@ -5607,11 +5738,7 @@
           <a:p>
             <a:r>
               <a:rPr lang="en-US" dirty="0"/>
-              <a:t>Vaccine </a:t>
-            </a:r>
-            <a:r>
-              <a:rPr lang="en-US"/>
-              <a:t>induced Antibodies</a:t>
+              <a:t>Vaccine Effectiveness</a:t>
             </a:r>
           </a:p>
         </p:txBody>
@@ -5686,7 +5813,7 @@
 </p:sld>
 </file>
 
-<file path=ppt/slides/slide18.xml><?xml version="1.0" encoding="utf-8"?>
+<file path=ppt/slides/slide19.xml><?xml version="1.0" encoding="utf-8"?>
 <p:sld xmlns:a="http://schemas.openxmlformats.org/drawingml/2006/main" xmlns:r="http://schemas.openxmlformats.org/officeDocument/2006/relationships" xmlns:p="http://schemas.openxmlformats.org/presentationml/2006/main">
   <p:cSld>
     <p:spTree>
